--- a/python/presentations/restructured_learning_python/15_ceda-oop.pptx
+++ b/python/presentations/restructured_learning_python/15_ceda-oop.pptx
@@ -5,7 +5,7 @@
     <p:sldMasterId id="2147483660" r:id="rId1"/>
   </p:sldMasterIdLst>
   <p:notesMasterIdLst>
-    <p:notesMasterId r:id="rId43"/>
+    <p:notesMasterId r:id="rId32"/>
   </p:notesMasterIdLst>
   <p:sldIdLst>
     <p:sldId id="279" r:id="rId2"/>
@@ -38,17 +38,6 @@
     <p:sldId id="471" r:id="rId29"/>
     <p:sldId id="473" r:id="rId30"/>
     <p:sldId id="472" r:id="rId31"/>
-    <p:sldId id="456" r:id="rId32"/>
-    <p:sldId id="278" r:id="rId33"/>
-    <p:sldId id="461" r:id="rId34"/>
-    <p:sldId id="462" r:id="rId35"/>
-    <p:sldId id="463" r:id="rId36"/>
-    <p:sldId id="464" r:id="rId37"/>
-    <p:sldId id="468" r:id="rId38"/>
-    <p:sldId id="469" r:id="rId39"/>
-    <p:sldId id="465" r:id="rId40"/>
-    <p:sldId id="467" r:id="rId41"/>
-    <p:sldId id="282" r:id="rId42"/>
   </p:sldIdLst>
   <p:sldSz cx="9144000" cy="6858000" type="screen4x3"/>
   <p:notesSz cx="6858000" cy="9144000"/>
@@ -278,7 +267,7 @@
           <a:p>
             <a:fld id="{453E1398-088F-5240-8185-1E8BB797FB4C}" type="datetimeFigureOut">
               <a:rPr lang="en-GB" smtClean="0"/>
-              <a:t>13/04/2021</a:t>
+              <a:t>13/09/2021</a:t>
             </a:fld>
             <a:endParaRPr lang="en-GB"/>
           </a:p>
@@ -4001,397 +3990,6 @@
 </p:notes>
 </file>
 
-<file path=ppt/notesSlides/notesSlide9.xml><?xml version="1.0" encoding="utf-8"?>
-<p:notes xmlns:a="http://schemas.openxmlformats.org/drawingml/2006/main" xmlns:r="http://schemas.openxmlformats.org/officeDocument/2006/relationships" xmlns:p="http://schemas.openxmlformats.org/presentationml/2006/main">
-  <p:cSld>
-    <p:bg>
-      <p:bgPr>
-        <a:solidFill>
-          <a:srgbClr val="FFFFFF"/>
-        </a:solidFill>
-        <a:effectLst/>
-      </p:bgPr>
-    </p:bg>
-    <p:spTree>
-      <p:nvGrpSpPr>
-        <p:cNvPr id="1" name=""/>
-        <p:cNvGrpSpPr/>
-        <p:nvPr/>
-      </p:nvGrpSpPr>
-      <p:grpSpPr>
-        <a:xfrm>
-          <a:off x="0" y="0"/>
-          <a:ext cx="0" cy="0"/>
-          <a:chOff x="0" y="0"/>
-          <a:chExt cx="0" cy="0"/>
-        </a:xfrm>
-      </p:grpSpPr>
-      <p:sp>
-        <p:nvSpPr>
-          <p:cNvPr id="90114" name="Rectangle 6"/>
-          <p:cNvSpPr>
-            <a:spLocks noGrp="1" noChangeArrowheads="1"/>
-          </p:cNvSpPr>
-          <p:nvPr>
-            <p:ph type="sldNum" sz="quarter"/>
-          </p:nvPr>
-        </p:nvSpPr>
-        <p:spPr>
-          <a:noFill/>
-          <a:ln/>
-          <a:extLst>
-            <a:ext uri="{909E8E84-426E-40DD-AFC4-6F175D3DCCD1}">
-              <a14:hiddenFill xmlns:a14="http://schemas.microsoft.com/office/drawing/2010/main">
-                <a:solidFill>
-                  <a:srgbClr val="FFFFFF"/>
-                </a:solidFill>
-              </a14:hiddenFill>
-            </a:ext>
-            <a:ext uri="{91240B29-F687-4F45-9708-019B960494DF}">
-              <a14:hiddenLine xmlns:a14="http://schemas.microsoft.com/office/drawing/2010/main" w="9525">
-                <a:solidFill>
-                  <a:srgbClr val="000000"/>
-                </a:solidFill>
-                <a:round/>
-                <a:headEnd/>
-                <a:tailEnd/>
-              </a14:hiddenLine>
-            </a:ext>
-          </a:extLst>
-        </p:spPr>
-        <p:txBody>
-          <a:bodyPr/>
-          <a:lstStyle>
-            <a:lvl1pPr>
-              <a:spcBef>
-                <a:spcPct val="30000"/>
-              </a:spcBef>
-              <a:buClr>
-                <a:srgbClr val="000000"/>
-              </a:buClr>
-              <a:buSzPct val="100000"/>
-              <a:buFont typeface="Times New Roman" panose="02020603050405020304" pitchFamily="18" charset="0"/>
-              <a:tabLst>
-                <a:tab pos="723900" algn="l"/>
-                <a:tab pos="1447800" algn="l"/>
-                <a:tab pos="2171700" algn="l"/>
-                <a:tab pos="2895600" algn="l"/>
-              </a:tabLst>
-              <a:defRPr sz="1200">
-                <a:solidFill>
-                  <a:srgbClr val="000000"/>
-                </a:solidFill>
-                <a:latin typeface="Times New Roman" panose="02020603050405020304" pitchFamily="18" charset="0"/>
-                <a:ea typeface="MS PGothic" panose="020B0600070205080204" pitchFamily="34" charset="-128"/>
-              </a:defRPr>
-            </a:lvl1pPr>
-            <a:lvl2pPr>
-              <a:spcBef>
-                <a:spcPct val="30000"/>
-              </a:spcBef>
-              <a:buClr>
-                <a:srgbClr val="000000"/>
-              </a:buClr>
-              <a:buSzPct val="100000"/>
-              <a:buFont typeface="Times New Roman" panose="02020603050405020304" pitchFamily="18" charset="0"/>
-              <a:tabLst>
-                <a:tab pos="723900" algn="l"/>
-                <a:tab pos="1447800" algn="l"/>
-                <a:tab pos="2171700" algn="l"/>
-                <a:tab pos="2895600" algn="l"/>
-              </a:tabLst>
-              <a:defRPr sz="1200">
-                <a:solidFill>
-                  <a:srgbClr val="000000"/>
-                </a:solidFill>
-                <a:latin typeface="Times New Roman" panose="02020603050405020304" pitchFamily="18" charset="0"/>
-                <a:ea typeface="MS PGothic" panose="020B0600070205080204" pitchFamily="34" charset="-128"/>
-              </a:defRPr>
-            </a:lvl2pPr>
-            <a:lvl3pPr>
-              <a:spcBef>
-                <a:spcPct val="30000"/>
-              </a:spcBef>
-              <a:buClr>
-                <a:srgbClr val="000000"/>
-              </a:buClr>
-              <a:buSzPct val="100000"/>
-              <a:buFont typeface="Times New Roman" panose="02020603050405020304" pitchFamily="18" charset="0"/>
-              <a:tabLst>
-                <a:tab pos="723900" algn="l"/>
-                <a:tab pos="1447800" algn="l"/>
-                <a:tab pos="2171700" algn="l"/>
-                <a:tab pos="2895600" algn="l"/>
-              </a:tabLst>
-              <a:defRPr sz="1200">
-                <a:solidFill>
-                  <a:srgbClr val="000000"/>
-                </a:solidFill>
-                <a:latin typeface="Times New Roman" panose="02020603050405020304" pitchFamily="18" charset="0"/>
-                <a:ea typeface="MS PGothic" panose="020B0600070205080204" pitchFamily="34" charset="-128"/>
-              </a:defRPr>
-            </a:lvl3pPr>
-            <a:lvl4pPr>
-              <a:spcBef>
-                <a:spcPct val="30000"/>
-              </a:spcBef>
-              <a:buClr>
-                <a:srgbClr val="000000"/>
-              </a:buClr>
-              <a:buSzPct val="100000"/>
-              <a:buFont typeface="Times New Roman" panose="02020603050405020304" pitchFamily="18" charset="0"/>
-              <a:tabLst>
-                <a:tab pos="723900" algn="l"/>
-                <a:tab pos="1447800" algn="l"/>
-                <a:tab pos="2171700" algn="l"/>
-                <a:tab pos="2895600" algn="l"/>
-              </a:tabLst>
-              <a:defRPr sz="1200">
-                <a:solidFill>
-                  <a:srgbClr val="000000"/>
-                </a:solidFill>
-                <a:latin typeface="Times New Roman" panose="02020603050405020304" pitchFamily="18" charset="0"/>
-                <a:ea typeface="MS PGothic" panose="020B0600070205080204" pitchFamily="34" charset="-128"/>
-              </a:defRPr>
-            </a:lvl4pPr>
-            <a:lvl5pPr>
-              <a:spcBef>
-                <a:spcPct val="30000"/>
-              </a:spcBef>
-              <a:buClr>
-                <a:srgbClr val="000000"/>
-              </a:buClr>
-              <a:buSzPct val="100000"/>
-              <a:buFont typeface="Times New Roman" panose="02020603050405020304" pitchFamily="18" charset="0"/>
-              <a:tabLst>
-                <a:tab pos="723900" algn="l"/>
-                <a:tab pos="1447800" algn="l"/>
-                <a:tab pos="2171700" algn="l"/>
-                <a:tab pos="2895600" algn="l"/>
-              </a:tabLst>
-              <a:defRPr sz="1200">
-                <a:solidFill>
-                  <a:srgbClr val="000000"/>
-                </a:solidFill>
-                <a:latin typeface="Times New Roman" panose="02020603050405020304" pitchFamily="18" charset="0"/>
-                <a:ea typeface="MS PGothic" panose="020B0600070205080204" pitchFamily="34" charset="-128"/>
-              </a:defRPr>
-            </a:lvl5pPr>
-            <a:lvl6pPr marL="2514600" indent="-228600" defTabSz="457200" eaLnBrk="0" fontAlgn="base" hangingPunct="0">
-              <a:spcBef>
-                <a:spcPct val="30000"/>
-              </a:spcBef>
-              <a:spcAft>
-                <a:spcPct val="0"/>
-              </a:spcAft>
-              <a:buClr>
-                <a:srgbClr val="000000"/>
-              </a:buClr>
-              <a:buSzPct val="100000"/>
-              <a:buFont typeface="Times New Roman" panose="02020603050405020304" pitchFamily="18" charset="0"/>
-              <a:tabLst>
-                <a:tab pos="723900" algn="l"/>
-                <a:tab pos="1447800" algn="l"/>
-                <a:tab pos="2171700" algn="l"/>
-                <a:tab pos="2895600" algn="l"/>
-              </a:tabLst>
-              <a:defRPr sz="1200">
-                <a:solidFill>
-                  <a:srgbClr val="000000"/>
-                </a:solidFill>
-                <a:latin typeface="Times New Roman" panose="02020603050405020304" pitchFamily="18" charset="0"/>
-                <a:ea typeface="MS PGothic" panose="020B0600070205080204" pitchFamily="34" charset="-128"/>
-              </a:defRPr>
-            </a:lvl6pPr>
-            <a:lvl7pPr marL="2971800" indent="-228600" defTabSz="457200" eaLnBrk="0" fontAlgn="base" hangingPunct="0">
-              <a:spcBef>
-                <a:spcPct val="30000"/>
-              </a:spcBef>
-              <a:spcAft>
-                <a:spcPct val="0"/>
-              </a:spcAft>
-              <a:buClr>
-                <a:srgbClr val="000000"/>
-              </a:buClr>
-              <a:buSzPct val="100000"/>
-              <a:buFont typeface="Times New Roman" panose="02020603050405020304" pitchFamily="18" charset="0"/>
-              <a:tabLst>
-                <a:tab pos="723900" algn="l"/>
-                <a:tab pos="1447800" algn="l"/>
-                <a:tab pos="2171700" algn="l"/>
-                <a:tab pos="2895600" algn="l"/>
-              </a:tabLst>
-              <a:defRPr sz="1200">
-                <a:solidFill>
-                  <a:srgbClr val="000000"/>
-                </a:solidFill>
-                <a:latin typeface="Times New Roman" panose="02020603050405020304" pitchFamily="18" charset="0"/>
-                <a:ea typeface="MS PGothic" panose="020B0600070205080204" pitchFamily="34" charset="-128"/>
-              </a:defRPr>
-            </a:lvl7pPr>
-            <a:lvl8pPr marL="3429000" indent="-228600" defTabSz="457200" eaLnBrk="0" fontAlgn="base" hangingPunct="0">
-              <a:spcBef>
-                <a:spcPct val="30000"/>
-              </a:spcBef>
-              <a:spcAft>
-                <a:spcPct val="0"/>
-              </a:spcAft>
-              <a:buClr>
-                <a:srgbClr val="000000"/>
-              </a:buClr>
-              <a:buSzPct val="100000"/>
-              <a:buFont typeface="Times New Roman" panose="02020603050405020304" pitchFamily="18" charset="0"/>
-              <a:tabLst>
-                <a:tab pos="723900" algn="l"/>
-                <a:tab pos="1447800" algn="l"/>
-                <a:tab pos="2171700" algn="l"/>
-                <a:tab pos="2895600" algn="l"/>
-              </a:tabLst>
-              <a:defRPr sz="1200">
-                <a:solidFill>
-                  <a:srgbClr val="000000"/>
-                </a:solidFill>
-                <a:latin typeface="Times New Roman" panose="02020603050405020304" pitchFamily="18" charset="0"/>
-                <a:ea typeface="MS PGothic" panose="020B0600070205080204" pitchFamily="34" charset="-128"/>
-              </a:defRPr>
-            </a:lvl8pPr>
-            <a:lvl9pPr marL="3886200" indent="-228600" defTabSz="457200" eaLnBrk="0" fontAlgn="base" hangingPunct="0">
-              <a:spcBef>
-                <a:spcPct val="30000"/>
-              </a:spcBef>
-              <a:spcAft>
-                <a:spcPct val="0"/>
-              </a:spcAft>
-              <a:buClr>
-                <a:srgbClr val="000000"/>
-              </a:buClr>
-              <a:buSzPct val="100000"/>
-              <a:buFont typeface="Times New Roman" panose="02020603050405020304" pitchFamily="18" charset="0"/>
-              <a:tabLst>
-                <a:tab pos="723900" algn="l"/>
-                <a:tab pos="1447800" algn="l"/>
-                <a:tab pos="2171700" algn="l"/>
-                <a:tab pos="2895600" algn="l"/>
-              </a:tabLst>
-              <a:defRPr sz="1200">
-                <a:solidFill>
-                  <a:srgbClr val="000000"/>
-                </a:solidFill>
-                <a:latin typeface="Times New Roman" panose="02020603050405020304" pitchFamily="18" charset="0"/>
-                <a:ea typeface="MS PGothic" panose="020B0600070205080204" pitchFamily="34" charset="-128"/>
-              </a:defRPr>
-            </a:lvl9pPr>
-          </a:lstStyle>
-          <a:p>
-            <a:pPr>
-              <a:spcBef>
-                <a:spcPct val="0"/>
-              </a:spcBef>
-            </a:pPr>
-            <a:fld id="{E963C1D1-AE92-45E2-8A79-100EE3784263}" type="slidenum">
-              <a:rPr lang="en-US" altLang="en-US" sz="1400" smtClean="0">
-                <a:ea typeface="Arial Unicode MS" pitchFamily="34" charset="-128"/>
-              </a:rPr>
-              <a:pPr>
-                <a:spcBef>
-                  <a:spcPct val="0"/>
-                </a:spcBef>
-              </a:pPr>
-              <a:t>41</a:t>
-            </a:fld>
-            <a:endParaRPr lang="en-US" altLang="en-US" sz="1400">
-              <a:ea typeface="Arial Unicode MS" pitchFamily="34" charset="-128"/>
-            </a:endParaRPr>
-          </a:p>
-        </p:txBody>
-      </p:sp>
-      <p:sp>
-        <p:nvSpPr>
-          <p:cNvPr id="90115" name="Text Box 1"/>
-          <p:cNvSpPr>
-            <a:spLocks noGrp="1" noRot="1" noChangeAspect="1" noChangeArrowheads="1" noTextEdit="1"/>
-          </p:cNvSpPr>
-          <p:nvPr>
-            <p:ph type="sldImg"/>
-          </p:nvPr>
-        </p:nvSpPr>
-        <p:spPr>
-          <a:xfrm>
-            <a:off x="1371600" y="763588"/>
-            <a:ext cx="5029200" cy="3771900"/>
-          </a:xfrm>
-          <a:solidFill>
-            <a:srgbClr val="FFFFFF"/>
-          </a:solidFill>
-          <a:ln>
-            <a:solidFill>
-              <a:srgbClr val="000000"/>
-            </a:solidFill>
-            <a:miter lim="800000"/>
-            <a:headEnd/>
-            <a:tailEnd/>
-          </a:ln>
-        </p:spPr>
-      </p:sp>
-      <p:sp>
-        <p:nvSpPr>
-          <p:cNvPr id="90116" name="Text Box 2"/>
-          <p:cNvSpPr>
-            <a:spLocks noGrp="1" noChangeArrowheads="1"/>
-          </p:cNvSpPr>
-          <p:nvPr>
-            <p:ph type="body" idx="1"/>
-          </p:nvPr>
-        </p:nvSpPr>
-        <p:spPr>
-          <a:xfrm>
-            <a:off x="777875" y="4776788"/>
-            <a:ext cx="6218238" cy="4525962"/>
-          </a:xfrm>
-          <a:noFill/>
-          <a:ln/>
-          <a:extLst>
-            <a:ext uri="{909E8E84-426E-40DD-AFC4-6F175D3DCCD1}">
-              <a14:hiddenFill xmlns:a14="http://schemas.microsoft.com/office/drawing/2010/main">
-                <a:solidFill>
-                  <a:srgbClr val="FFFFFF"/>
-                </a:solidFill>
-              </a14:hiddenFill>
-            </a:ext>
-            <a:ext uri="{91240B29-F687-4F45-9708-019B960494DF}">
-              <a14:hiddenLine xmlns:a14="http://schemas.microsoft.com/office/drawing/2010/main" w="9525">
-                <a:solidFill>
-                  <a:srgbClr val="000000"/>
-                </a:solidFill>
-                <a:miter lim="800000"/>
-                <a:headEnd/>
-                <a:tailEnd/>
-              </a14:hiddenLine>
-            </a:ext>
-          </a:extLst>
-        </p:spPr>
-        <p:txBody>
-          <a:bodyPr wrap="none" anchor="ctr"/>
-          <a:lstStyle/>
-          <a:p>
-            <a:pPr eaLnBrk="1" hangingPunct="1"/>
-            <a:r>
-              <a:rPr lang="en-US" altLang="en-US">
-                <a:latin typeface="Times New Roman" panose="02020603050405020304" pitchFamily="18" charset="0"/>
-              </a:rPr>
-              <a:t>With that warning out of the way, let's have a look at some simple classes.</a:t>
-            </a:r>
-          </a:p>
-        </p:txBody>
-      </p:sp>
-    </p:spTree>
-  </p:cSld>
-  <p:clrMapOvr>
-    <a:masterClrMapping/>
-  </p:clrMapOvr>
-</p:notes>
-</file>
-
 <file path=ppt/slideLayouts/slideLayout1.xml><?xml version="1.0" encoding="utf-8"?>
 <p:sldLayout xmlns:a="http://schemas.openxmlformats.org/drawingml/2006/main" xmlns:r="http://schemas.openxmlformats.org/officeDocument/2006/relationships" xmlns:p="http://schemas.openxmlformats.org/presentationml/2006/main" type="title" preserve="1">
   <p:cSld name="Title Slide - Text only">
@@ -4919,7 +4517,7 @@
               <a:pPr>
                 <a:defRPr/>
               </a:pPr>
-              <a:t>13/04/2021</a:t>
+              <a:t>13/09/2021</a:t>
             </a:fld>
             <a:endParaRPr lang="en-GB"/>
           </a:p>
@@ -5156,7 +4754,7 @@
               <a:pPr>
                 <a:defRPr/>
               </a:pPr>
-              <a:t>13/04/2021</a:t>
+              <a:t>13/09/2021</a:t>
             </a:fld>
             <a:endParaRPr lang="en-GB"/>
           </a:p>
@@ -5802,7 +5400,7 @@
               <a:pPr>
                 <a:defRPr/>
               </a:pPr>
-              <a:t>13/04/2021</a:t>
+              <a:t>13/09/2021</a:t>
             </a:fld>
             <a:endParaRPr lang="en-GB"/>
           </a:p>
@@ -25574,5761 +25172,6 @@
 </p:sld>
 </file>
 
-<file path=ppt/slides/slide31.xml><?xml version="1.0" encoding="utf-8"?>
-<p:sld xmlns:a="http://schemas.openxmlformats.org/drawingml/2006/main" xmlns:r="http://schemas.openxmlformats.org/officeDocument/2006/relationships" xmlns:p="http://schemas.openxmlformats.org/presentationml/2006/main">
-  <p:cSld>
-    <p:spTree>
-      <p:nvGrpSpPr>
-        <p:cNvPr id="1" name=""/>
-        <p:cNvGrpSpPr/>
-        <p:nvPr/>
-      </p:nvGrpSpPr>
-      <p:grpSpPr>
-        <a:xfrm>
-          <a:off x="0" y="0"/>
-          <a:ext cx="0" cy="0"/>
-          <a:chOff x="0" y="0"/>
-          <a:chExt cx="0" cy="0"/>
-        </a:xfrm>
-      </p:grpSpPr>
-      <p:sp>
-        <p:nvSpPr>
-          <p:cNvPr id="20483" name="Text Box 2"/>
-          <p:cNvSpPr txBox="1">
-            <a:spLocks noChangeArrowheads="1"/>
-          </p:cNvSpPr>
-          <p:nvPr/>
-        </p:nvSpPr>
-        <p:spPr bwMode="auto">
-          <a:xfrm>
-            <a:off x="3690063" y="3212976"/>
-            <a:ext cx="1763874" cy="432048"/>
-          </a:xfrm>
-          <a:prstGeom prst="rect">
-            <a:avLst/>
-          </a:prstGeom>
-          <a:noFill/>
-          <a:ln>
-            <a:noFill/>
-          </a:ln>
-          <a:extLst>
-            <a:ext uri="{909E8E84-426E-40DD-AFC4-6F175D3DCCD1}">
-              <a14:hiddenFill xmlns:a14="http://schemas.microsoft.com/office/drawing/2010/main">
-                <a:solidFill>
-                  <a:srgbClr val="FFFFFF"/>
-                </a:solidFill>
-              </a14:hiddenFill>
-            </a:ext>
-            <a:ext uri="{91240B29-F687-4F45-9708-019B960494DF}">
-              <a14:hiddenLine xmlns:a14="http://schemas.microsoft.com/office/drawing/2010/main" w="9525">
-                <a:solidFill>
-                  <a:srgbClr val="000000"/>
-                </a:solidFill>
-                <a:round/>
-                <a:headEnd/>
-                <a:tailEnd/>
-              </a14:hiddenLine>
-            </a:ext>
-          </a:extLst>
-        </p:spPr>
-        <p:txBody>
-          <a:bodyPr wrap="none" lIns="81639" tIns="40820" rIns="81639" bIns="40820"/>
-          <a:lstStyle>
-            <a:lvl1pPr>
-              <a:lnSpc>
-                <a:spcPct val="90000"/>
-              </a:lnSpc>
-              <a:spcBef>
-                <a:spcPts val="1000"/>
-              </a:spcBef>
-              <a:buFont typeface="Arial" panose="020B0604020202020204" pitchFamily="34" charset="0"/>
-              <a:buChar char="•"/>
-              <a:tabLst>
-                <a:tab pos="655638" algn="l"/>
-                <a:tab pos="1312863" algn="l"/>
-                <a:tab pos="1968500" algn="l"/>
-                <a:tab pos="2625725" algn="l"/>
-                <a:tab pos="3282950" algn="l"/>
-                <a:tab pos="3938588" algn="l"/>
-                <a:tab pos="4595813" algn="l"/>
-                <a:tab pos="5253038" algn="l"/>
-                <a:tab pos="5908675" algn="l"/>
-                <a:tab pos="6565900" algn="l"/>
-                <a:tab pos="7223125" algn="l"/>
-              </a:tabLst>
-              <a:defRPr sz="2800">
-                <a:solidFill>
-                  <a:schemeClr val="tx1"/>
-                </a:solidFill>
-                <a:latin typeface="Calibri" panose="020F0502020204030204" pitchFamily="34" charset="0"/>
-              </a:defRPr>
-            </a:lvl1pPr>
-            <a:lvl2pPr marL="742950" indent="-285750">
-              <a:lnSpc>
-                <a:spcPct val="90000"/>
-              </a:lnSpc>
-              <a:spcBef>
-                <a:spcPts val="500"/>
-              </a:spcBef>
-              <a:buFont typeface="Arial" panose="020B0604020202020204" pitchFamily="34" charset="0"/>
-              <a:buChar char="•"/>
-              <a:tabLst>
-                <a:tab pos="655638" algn="l"/>
-                <a:tab pos="1312863" algn="l"/>
-                <a:tab pos="1968500" algn="l"/>
-                <a:tab pos="2625725" algn="l"/>
-                <a:tab pos="3282950" algn="l"/>
-                <a:tab pos="3938588" algn="l"/>
-                <a:tab pos="4595813" algn="l"/>
-                <a:tab pos="5253038" algn="l"/>
-                <a:tab pos="5908675" algn="l"/>
-                <a:tab pos="6565900" algn="l"/>
-                <a:tab pos="7223125" algn="l"/>
-              </a:tabLst>
-              <a:defRPr sz="2400">
-                <a:solidFill>
-                  <a:schemeClr val="tx1"/>
-                </a:solidFill>
-                <a:latin typeface="Calibri" panose="020F0502020204030204" pitchFamily="34" charset="0"/>
-              </a:defRPr>
-            </a:lvl2pPr>
-            <a:lvl3pPr marL="1143000" indent="-228600">
-              <a:lnSpc>
-                <a:spcPct val="90000"/>
-              </a:lnSpc>
-              <a:spcBef>
-                <a:spcPts val="500"/>
-              </a:spcBef>
-              <a:buFont typeface="Arial" panose="020B0604020202020204" pitchFamily="34" charset="0"/>
-              <a:buChar char="•"/>
-              <a:tabLst>
-                <a:tab pos="655638" algn="l"/>
-                <a:tab pos="1312863" algn="l"/>
-                <a:tab pos="1968500" algn="l"/>
-                <a:tab pos="2625725" algn="l"/>
-                <a:tab pos="3282950" algn="l"/>
-                <a:tab pos="3938588" algn="l"/>
-                <a:tab pos="4595813" algn="l"/>
-                <a:tab pos="5253038" algn="l"/>
-                <a:tab pos="5908675" algn="l"/>
-                <a:tab pos="6565900" algn="l"/>
-                <a:tab pos="7223125" algn="l"/>
-              </a:tabLst>
-              <a:defRPr sz="2000">
-                <a:solidFill>
-                  <a:schemeClr val="tx1"/>
-                </a:solidFill>
-                <a:latin typeface="Calibri" panose="020F0502020204030204" pitchFamily="34" charset="0"/>
-              </a:defRPr>
-            </a:lvl3pPr>
-            <a:lvl4pPr marL="1600200" indent="-228600">
-              <a:lnSpc>
-                <a:spcPct val="90000"/>
-              </a:lnSpc>
-              <a:spcBef>
-                <a:spcPts val="500"/>
-              </a:spcBef>
-              <a:buFont typeface="Arial" panose="020B0604020202020204" pitchFamily="34" charset="0"/>
-              <a:buChar char="•"/>
-              <a:tabLst>
-                <a:tab pos="655638" algn="l"/>
-                <a:tab pos="1312863" algn="l"/>
-                <a:tab pos="1968500" algn="l"/>
-                <a:tab pos="2625725" algn="l"/>
-                <a:tab pos="3282950" algn="l"/>
-                <a:tab pos="3938588" algn="l"/>
-                <a:tab pos="4595813" algn="l"/>
-                <a:tab pos="5253038" algn="l"/>
-                <a:tab pos="5908675" algn="l"/>
-                <a:tab pos="6565900" algn="l"/>
-                <a:tab pos="7223125" algn="l"/>
-              </a:tabLst>
-              <a:defRPr>
-                <a:solidFill>
-                  <a:schemeClr val="tx1"/>
-                </a:solidFill>
-                <a:latin typeface="Calibri" panose="020F0502020204030204" pitchFamily="34" charset="0"/>
-              </a:defRPr>
-            </a:lvl4pPr>
-            <a:lvl5pPr marL="2057400" indent="-228600">
-              <a:lnSpc>
-                <a:spcPct val="90000"/>
-              </a:lnSpc>
-              <a:spcBef>
-                <a:spcPts val="500"/>
-              </a:spcBef>
-              <a:buFont typeface="Arial" panose="020B0604020202020204" pitchFamily="34" charset="0"/>
-              <a:buChar char="•"/>
-              <a:tabLst>
-                <a:tab pos="655638" algn="l"/>
-                <a:tab pos="1312863" algn="l"/>
-                <a:tab pos="1968500" algn="l"/>
-                <a:tab pos="2625725" algn="l"/>
-                <a:tab pos="3282950" algn="l"/>
-                <a:tab pos="3938588" algn="l"/>
-                <a:tab pos="4595813" algn="l"/>
-                <a:tab pos="5253038" algn="l"/>
-                <a:tab pos="5908675" algn="l"/>
-                <a:tab pos="6565900" algn="l"/>
-                <a:tab pos="7223125" algn="l"/>
-              </a:tabLst>
-              <a:defRPr>
-                <a:solidFill>
-                  <a:schemeClr val="tx1"/>
-                </a:solidFill>
-                <a:latin typeface="Calibri" panose="020F0502020204030204" pitchFamily="34" charset="0"/>
-              </a:defRPr>
-            </a:lvl5pPr>
-            <a:lvl6pPr marL="2514600" indent="-228600" fontAlgn="base">
-              <a:lnSpc>
-                <a:spcPct val="90000"/>
-              </a:lnSpc>
-              <a:spcBef>
-                <a:spcPts val="500"/>
-              </a:spcBef>
-              <a:spcAft>
-                <a:spcPct val="0"/>
-              </a:spcAft>
-              <a:buFont typeface="Arial" panose="020B0604020202020204" pitchFamily="34" charset="0"/>
-              <a:buChar char="•"/>
-              <a:tabLst>
-                <a:tab pos="655638" algn="l"/>
-                <a:tab pos="1312863" algn="l"/>
-                <a:tab pos="1968500" algn="l"/>
-                <a:tab pos="2625725" algn="l"/>
-                <a:tab pos="3282950" algn="l"/>
-                <a:tab pos="3938588" algn="l"/>
-                <a:tab pos="4595813" algn="l"/>
-                <a:tab pos="5253038" algn="l"/>
-                <a:tab pos="5908675" algn="l"/>
-                <a:tab pos="6565900" algn="l"/>
-                <a:tab pos="7223125" algn="l"/>
-              </a:tabLst>
-              <a:defRPr>
-                <a:solidFill>
-                  <a:schemeClr val="tx1"/>
-                </a:solidFill>
-                <a:latin typeface="Calibri" panose="020F0502020204030204" pitchFamily="34" charset="0"/>
-              </a:defRPr>
-            </a:lvl6pPr>
-            <a:lvl7pPr marL="2971800" indent="-228600" fontAlgn="base">
-              <a:lnSpc>
-                <a:spcPct val="90000"/>
-              </a:lnSpc>
-              <a:spcBef>
-                <a:spcPts val="500"/>
-              </a:spcBef>
-              <a:spcAft>
-                <a:spcPct val="0"/>
-              </a:spcAft>
-              <a:buFont typeface="Arial" panose="020B0604020202020204" pitchFamily="34" charset="0"/>
-              <a:buChar char="•"/>
-              <a:tabLst>
-                <a:tab pos="655638" algn="l"/>
-                <a:tab pos="1312863" algn="l"/>
-                <a:tab pos="1968500" algn="l"/>
-                <a:tab pos="2625725" algn="l"/>
-                <a:tab pos="3282950" algn="l"/>
-                <a:tab pos="3938588" algn="l"/>
-                <a:tab pos="4595813" algn="l"/>
-                <a:tab pos="5253038" algn="l"/>
-                <a:tab pos="5908675" algn="l"/>
-                <a:tab pos="6565900" algn="l"/>
-                <a:tab pos="7223125" algn="l"/>
-              </a:tabLst>
-              <a:defRPr>
-                <a:solidFill>
-                  <a:schemeClr val="tx1"/>
-                </a:solidFill>
-                <a:latin typeface="Calibri" panose="020F0502020204030204" pitchFamily="34" charset="0"/>
-              </a:defRPr>
-            </a:lvl7pPr>
-            <a:lvl8pPr marL="3429000" indent="-228600" fontAlgn="base">
-              <a:lnSpc>
-                <a:spcPct val="90000"/>
-              </a:lnSpc>
-              <a:spcBef>
-                <a:spcPts val="500"/>
-              </a:spcBef>
-              <a:spcAft>
-                <a:spcPct val="0"/>
-              </a:spcAft>
-              <a:buFont typeface="Arial" panose="020B0604020202020204" pitchFamily="34" charset="0"/>
-              <a:buChar char="•"/>
-              <a:tabLst>
-                <a:tab pos="655638" algn="l"/>
-                <a:tab pos="1312863" algn="l"/>
-                <a:tab pos="1968500" algn="l"/>
-                <a:tab pos="2625725" algn="l"/>
-                <a:tab pos="3282950" algn="l"/>
-                <a:tab pos="3938588" algn="l"/>
-                <a:tab pos="4595813" algn="l"/>
-                <a:tab pos="5253038" algn="l"/>
-                <a:tab pos="5908675" algn="l"/>
-                <a:tab pos="6565900" algn="l"/>
-                <a:tab pos="7223125" algn="l"/>
-              </a:tabLst>
-              <a:defRPr>
-                <a:solidFill>
-                  <a:schemeClr val="tx1"/>
-                </a:solidFill>
-                <a:latin typeface="Calibri" panose="020F0502020204030204" pitchFamily="34" charset="0"/>
-              </a:defRPr>
-            </a:lvl8pPr>
-            <a:lvl9pPr marL="3886200" indent="-228600" fontAlgn="base">
-              <a:lnSpc>
-                <a:spcPct val="90000"/>
-              </a:lnSpc>
-              <a:spcBef>
-                <a:spcPts val="500"/>
-              </a:spcBef>
-              <a:spcAft>
-                <a:spcPct val="0"/>
-              </a:spcAft>
-              <a:buFont typeface="Arial" panose="020B0604020202020204" pitchFamily="34" charset="0"/>
-              <a:buChar char="•"/>
-              <a:tabLst>
-                <a:tab pos="655638" algn="l"/>
-                <a:tab pos="1312863" algn="l"/>
-                <a:tab pos="1968500" algn="l"/>
-                <a:tab pos="2625725" algn="l"/>
-                <a:tab pos="3282950" algn="l"/>
-                <a:tab pos="3938588" algn="l"/>
-                <a:tab pos="4595813" algn="l"/>
-                <a:tab pos="5253038" algn="l"/>
-                <a:tab pos="5908675" algn="l"/>
-                <a:tab pos="6565900" algn="l"/>
-                <a:tab pos="7223125" algn="l"/>
-              </a:tabLst>
-              <a:defRPr>
-                <a:solidFill>
-                  <a:schemeClr val="tx1"/>
-                </a:solidFill>
-                <a:latin typeface="Calibri" panose="020F0502020204030204" pitchFamily="34" charset="0"/>
-              </a:defRPr>
-            </a:lvl9pPr>
-          </a:lstStyle>
-          <a:p>
-            <a:pPr algn="ctr" eaLnBrk="1" hangingPunct="1">
-              <a:lnSpc>
-                <a:spcPct val="125000"/>
-              </a:lnSpc>
-              <a:spcBef>
-                <a:spcPct val="0"/>
-              </a:spcBef>
-              <a:buFontTx/>
-              <a:buNone/>
-            </a:pPr>
-            <a:r>
-              <a:rPr lang="en-US" altLang="en-US" sz="1800" dirty="0"/>
-              <a:t>STOP</a:t>
-            </a:r>
-          </a:p>
-        </p:txBody>
-      </p:sp>
-    </p:spTree>
-    <p:extLst>
-      <p:ext uri="{BB962C8B-B14F-4D97-AF65-F5344CB8AC3E}">
-        <p14:creationId xmlns:p14="http://schemas.microsoft.com/office/powerpoint/2010/main" val="2608365705"/>
-      </p:ext>
-    </p:extLst>
-  </p:cSld>
-  <p:clrMapOvr>
-    <a:masterClrMapping/>
-  </p:clrMapOvr>
-</p:sld>
-</file>
-
-<file path=ppt/slides/slide32.xml><?xml version="1.0" encoding="utf-8"?>
-<p:sld xmlns:a="http://schemas.openxmlformats.org/drawingml/2006/main" xmlns:r="http://schemas.openxmlformats.org/officeDocument/2006/relationships" xmlns:p="http://schemas.openxmlformats.org/presentationml/2006/main">
-  <p:cSld>
-    <p:spTree>
-      <p:nvGrpSpPr>
-        <p:cNvPr id="1" name=""/>
-        <p:cNvGrpSpPr/>
-        <p:nvPr/>
-      </p:nvGrpSpPr>
-      <p:grpSpPr>
-        <a:xfrm>
-          <a:off x="0" y="0"/>
-          <a:ext cx="0" cy="0"/>
-          <a:chOff x="0" y="0"/>
-          <a:chExt cx="0" cy="0"/>
-        </a:xfrm>
-      </p:grpSpPr>
-      <p:sp>
-        <p:nvSpPr>
-          <p:cNvPr id="15362" name="Rectangle 1"/>
-          <p:cNvSpPr>
-            <a:spLocks noChangeArrowheads="1"/>
-          </p:cNvSpPr>
-          <p:nvPr/>
-        </p:nvSpPr>
-        <p:spPr bwMode="auto">
-          <a:xfrm>
-            <a:off x="468313" y="1484313"/>
-            <a:ext cx="8135937" cy="3324225"/>
-          </a:xfrm>
-          <a:prstGeom prst="rect">
-            <a:avLst/>
-          </a:prstGeom>
-          <a:solidFill>
-            <a:srgbClr val="EAE8DE"/>
-          </a:solidFill>
-          <a:ln>
-            <a:noFill/>
-          </a:ln>
-          <a:effectLst/>
-          <a:extLst>
-            <a:ext uri="{91240B29-F687-4F45-9708-019B960494DF}">
-              <a14:hiddenLine xmlns:a14="http://schemas.microsoft.com/office/drawing/2010/main" w="9525">
-                <a:solidFill>
-                  <a:schemeClr val="tx1"/>
-                </a:solidFill>
-                <a:miter lim="800000"/>
-                <a:headEnd/>
-                <a:tailEnd/>
-              </a14:hiddenLine>
-            </a:ext>
-            <a:ext uri="{AF507438-7753-43E0-B8FC-AC1667EBCBE1}">
-              <a14:hiddenEffects xmlns:a14="http://schemas.microsoft.com/office/drawing/2010/main">
-                <a:effectLst>
-                  <a:outerShdw dist="35921" dir="2700000" algn="ctr" rotWithShape="0">
-                    <a:schemeClr val="bg2"/>
-                  </a:outerShdw>
-                </a:effectLst>
-              </a14:hiddenEffects>
-            </a:ext>
-          </a:extLst>
-        </p:spPr>
-        <p:txBody>
-          <a:bodyPr lIns="228528" tIns="0" rIns="0" bIns="0" anchor="ctr">
-            <a:spAutoFit/>
-          </a:bodyPr>
-          <a:lstStyle>
-            <a:lvl1pPr>
-              <a:spcBef>
-                <a:spcPct val="20000"/>
-              </a:spcBef>
-              <a:buFont typeface="Arial" panose="020B0604020202020204" pitchFamily="34" charset="0"/>
-              <a:buChar char="•"/>
-              <a:defRPr sz="3200">
-                <a:solidFill>
-                  <a:schemeClr val="tx1"/>
-                </a:solidFill>
-                <a:latin typeface="Calibri" panose="020F0502020204030204" pitchFamily="34" charset="0"/>
-              </a:defRPr>
-            </a:lvl1pPr>
-            <a:lvl2pPr indent="-457200">
-              <a:spcBef>
-                <a:spcPct val="20000"/>
-              </a:spcBef>
-              <a:buFont typeface="Arial" panose="020B0604020202020204" pitchFamily="34" charset="0"/>
-              <a:buChar char="–"/>
-              <a:defRPr sz="2800">
-                <a:solidFill>
-                  <a:schemeClr val="tx1"/>
-                </a:solidFill>
-                <a:latin typeface="Calibri" panose="020F0502020204030204" pitchFamily="34" charset="0"/>
-              </a:defRPr>
-            </a:lvl2pPr>
-            <a:lvl3pPr marL="1143000" indent="-228600">
-              <a:spcBef>
-                <a:spcPct val="20000"/>
-              </a:spcBef>
-              <a:buFont typeface="Arial" panose="020B0604020202020204" pitchFamily="34" charset="0"/>
-              <a:buChar char="•"/>
-              <a:defRPr sz="2400">
-                <a:solidFill>
-                  <a:schemeClr val="tx1"/>
-                </a:solidFill>
-                <a:latin typeface="Calibri" panose="020F0502020204030204" pitchFamily="34" charset="0"/>
-              </a:defRPr>
-            </a:lvl3pPr>
-            <a:lvl4pPr marL="1600200" indent="-228600">
-              <a:spcBef>
-                <a:spcPct val="20000"/>
-              </a:spcBef>
-              <a:buFont typeface="Arial" panose="020B0604020202020204" pitchFamily="34" charset="0"/>
-              <a:buChar char="–"/>
-              <a:defRPr sz="2000">
-                <a:solidFill>
-                  <a:schemeClr val="tx1"/>
-                </a:solidFill>
-                <a:latin typeface="Calibri" panose="020F0502020204030204" pitchFamily="34" charset="0"/>
-              </a:defRPr>
-            </a:lvl4pPr>
-            <a:lvl5pPr marL="2057400" indent="-228600">
-              <a:spcBef>
-                <a:spcPct val="20000"/>
-              </a:spcBef>
-              <a:buFont typeface="Arial" panose="020B0604020202020204" pitchFamily="34" charset="0"/>
-              <a:buChar char="»"/>
-              <a:defRPr sz="2000">
-                <a:solidFill>
-                  <a:schemeClr val="tx1"/>
-                </a:solidFill>
-                <a:latin typeface="Calibri" panose="020F0502020204030204" pitchFamily="34" charset="0"/>
-              </a:defRPr>
-            </a:lvl5pPr>
-            <a:lvl6pPr marL="2514600" indent="-228600" eaLnBrk="0" fontAlgn="base" hangingPunct="0">
-              <a:spcBef>
-                <a:spcPct val="20000"/>
-              </a:spcBef>
-              <a:spcAft>
-                <a:spcPct val="0"/>
-              </a:spcAft>
-              <a:buFont typeface="Arial" panose="020B0604020202020204" pitchFamily="34" charset="0"/>
-              <a:buChar char="»"/>
-              <a:defRPr sz="2000">
-                <a:solidFill>
-                  <a:schemeClr val="tx1"/>
-                </a:solidFill>
-                <a:latin typeface="Calibri" panose="020F0502020204030204" pitchFamily="34" charset="0"/>
-              </a:defRPr>
-            </a:lvl6pPr>
-            <a:lvl7pPr marL="2971800" indent="-228600" eaLnBrk="0" fontAlgn="base" hangingPunct="0">
-              <a:spcBef>
-                <a:spcPct val="20000"/>
-              </a:spcBef>
-              <a:spcAft>
-                <a:spcPct val="0"/>
-              </a:spcAft>
-              <a:buFont typeface="Arial" panose="020B0604020202020204" pitchFamily="34" charset="0"/>
-              <a:buChar char="»"/>
-              <a:defRPr sz="2000">
-                <a:solidFill>
-                  <a:schemeClr val="tx1"/>
-                </a:solidFill>
-                <a:latin typeface="Calibri" panose="020F0502020204030204" pitchFamily="34" charset="0"/>
-              </a:defRPr>
-            </a:lvl7pPr>
-            <a:lvl8pPr marL="3429000" indent="-228600" eaLnBrk="0" fontAlgn="base" hangingPunct="0">
-              <a:spcBef>
-                <a:spcPct val="20000"/>
-              </a:spcBef>
-              <a:spcAft>
-                <a:spcPct val="0"/>
-              </a:spcAft>
-              <a:buFont typeface="Arial" panose="020B0604020202020204" pitchFamily="34" charset="0"/>
-              <a:buChar char="»"/>
-              <a:defRPr sz="2000">
-                <a:solidFill>
-                  <a:schemeClr val="tx1"/>
-                </a:solidFill>
-                <a:latin typeface="Calibri" panose="020F0502020204030204" pitchFamily="34" charset="0"/>
-              </a:defRPr>
-            </a:lvl8pPr>
-            <a:lvl9pPr marL="3886200" indent="-228600" eaLnBrk="0" fontAlgn="base" hangingPunct="0">
-              <a:spcBef>
-                <a:spcPct val="20000"/>
-              </a:spcBef>
-              <a:spcAft>
-                <a:spcPct val="0"/>
-              </a:spcAft>
-              <a:buFont typeface="Arial" panose="020B0604020202020204" pitchFamily="34" charset="0"/>
-              <a:buChar char="»"/>
-              <a:defRPr sz="2000">
-                <a:solidFill>
-                  <a:schemeClr val="tx1"/>
-                </a:solidFill>
-                <a:latin typeface="Calibri" panose="020F0502020204030204" pitchFamily="34" charset="0"/>
-              </a:defRPr>
-            </a:lvl9pPr>
-          </a:lstStyle>
-          <a:p>
-            <a:pPr>
-              <a:spcBef>
-                <a:spcPct val="0"/>
-              </a:spcBef>
-              <a:buFontTx/>
-              <a:buNone/>
-              <a:defRPr/>
-            </a:pPr>
-            <a:r>
-              <a:rPr lang="en-US" altLang="en-US" sz="2400" b="1" dirty="0">
-                <a:solidFill>
-                  <a:srgbClr val="463E2F"/>
-                </a:solidFill>
-                <a:latin typeface="+mn-lt"/>
-              </a:rPr>
-              <a:t>inheritance</a:t>
-            </a:r>
-          </a:p>
-          <a:p>
-            <a:pPr lvl="1">
-              <a:spcBef>
-                <a:spcPct val="0"/>
-              </a:spcBef>
-              <a:buFontTx/>
-              <a:buNone/>
-              <a:defRPr/>
-            </a:pPr>
-            <a:r>
-              <a:rPr lang="en-US" altLang="en-US" sz="2400" dirty="0">
-                <a:solidFill>
-                  <a:srgbClr val="463E2F"/>
-                </a:solidFill>
-                <a:latin typeface="+mn-lt"/>
-              </a:rPr>
-              <a:t>	The concept that one class can inherit traits from another class, much like you and your parents.</a:t>
-            </a:r>
-          </a:p>
-          <a:p>
-            <a:pPr>
-              <a:spcBef>
-                <a:spcPct val="0"/>
-              </a:spcBef>
-              <a:buFontTx/>
-              <a:buNone/>
-              <a:defRPr/>
-            </a:pPr>
-            <a:r>
-              <a:rPr lang="en-US" altLang="en-US" sz="2400" b="1" dirty="0">
-                <a:solidFill>
-                  <a:srgbClr val="463E2F"/>
-                </a:solidFill>
-                <a:latin typeface="+mn-lt"/>
-              </a:rPr>
-              <a:t>attribute</a:t>
-            </a:r>
-          </a:p>
-          <a:p>
-            <a:pPr lvl="1">
-              <a:spcBef>
-                <a:spcPct val="0"/>
-              </a:spcBef>
-              <a:buFontTx/>
-              <a:buNone/>
-              <a:defRPr/>
-            </a:pPr>
-            <a:r>
-              <a:rPr lang="en-US" altLang="en-US" sz="2400" dirty="0">
-                <a:solidFill>
-                  <a:srgbClr val="463E2F"/>
-                </a:solidFill>
-                <a:latin typeface="+mn-lt"/>
-              </a:rPr>
-              <a:t>	A property that classes have that are from composition and are usually variables.</a:t>
-            </a:r>
-          </a:p>
-          <a:p>
-            <a:pPr>
-              <a:spcBef>
-                <a:spcPct val="0"/>
-              </a:spcBef>
-              <a:buFontTx/>
-              <a:buNone/>
-              <a:defRPr/>
-            </a:pPr>
-            <a:r>
-              <a:rPr lang="en-US" altLang="en-US" sz="2400" b="1" dirty="0">
-                <a:solidFill>
-                  <a:srgbClr val="463E2F"/>
-                </a:solidFill>
-                <a:latin typeface="+mn-lt"/>
-              </a:rPr>
-              <a:t>is-a</a:t>
-            </a:r>
-          </a:p>
-          <a:p>
-            <a:pPr lvl="1">
-              <a:spcBef>
-                <a:spcPct val="0"/>
-              </a:spcBef>
-              <a:buFontTx/>
-              <a:buNone/>
-              <a:defRPr/>
-            </a:pPr>
-            <a:r>
-              <a:rPr lang="en-US" altLang="en-US" sz="2400" dirty="0">
-                <a:solidFill>
-                  <a:srgbClr val="463E2F"/>
-                </a:solidFill>
-                <a:latin typeface="+mn-lt"/>
-              </a:rPr>
-              <a:t>A phrase to say that something inherits from another, as in a "salmon" is-a "fish."</a:t>
-            </a:r>
-          </a:p>
-        </p:txBody>
-      </p:sp>
-      <p:sp>
-        <p:nvSpPr>
-          <p:cNvPr id="22531" name="Title 2"/>
-          <p:cNvSpPr>
-            <a:spLocks noGrp="1"/>
-          </p:cNvSpPr>
-          <p:nvPr>
-            <p:ph type="title" idx="4294967295"/>
-          </p:nvPr>
-        </p:nvSpPr>
-        <p:spPr>
-          <a:xfrm>
-            <a:off x="0" y="274638"/>
-            <a:ext cx="8229600" cy="1143000"/>
-          </a:xfrm>
-        </p:spPr>
-        <p:txBody>
-          <a:bodyPr/>
-          <a:lstStyle/>
-          <a:p>
-            <a:r>
-              <a:rPr lang="en-GB" altLang="en-US"/>
-              <a:t>OOP Terminology (2)</a:t>
-            </a:r>
-          </a:p>
-        </p:txBody>
-      </p:sp>
-    </p:spTree>
-  </p:cSld>
-  <p:clrMapOvr>
-    <a:masterClrMapping/>
-  </p:clrMapOvr>
-</p:sld>
-</file>
-
-<file path=ppt/slides/slide33.xml><?xml version="1.0" encoding="utf-8"?>
-<p:sld xmlns:a="http://schemas.openxmlformats.org/drawingml/2006/main" xmlns:r="http://schemas.openxmlformats.org/officeDocument/2006/relationships" xmlns:p="http://schemas.openxmlformats.org/presentationml/2006/main">
-  <p:cSld>
-    <p:spTree>
-      <p:nvGrpSpPr>
-        <p:cNvPr id="1" name=""/>
-        <p:cNvGrpSpPr/>
-        <p:nvPr/>
-      </p:nvGrpSpPr>
-      <p:grpSpPr>
-        <a:xfrm>
-          <a:off x="0" y="0"/>
-          <a:ext cx="0" cy="0"/>
-          <a:chOff x="0" y="0"/>
-          <a:chExt cx="0" cy="0"/>
-        </a:xfrm>
-      </p:grpSpPr>
-      <p:sp>
-        <p:nvSpPr>
-          <p:cNvPr id="20482" name="Title 1"/>
-          <p:cNvSpPr>
-            <a:spLocks noGrp="1"/>
-          </p:cNvSpPr>
-          <p:nvPr>
-            <p:ph type="title" idx="4294967295"/>
-          </p:nvPr>
-        </p:nvSpPr>
-        <p:spPr>
-          <a:xfrm>
-            <a:off x="374650" y="274638"/>
-            <a:ext cx="8229600" cy="1143000"/>
-          </a:xfrm>
-        </p:spPr>
-        <p:txBody>
-          <a:bodyPr/>
-          <a:lstStyle/>
-          <a:p>
-            <a:r>
-              <a:rPr lang="en-GB" altLang="en-US" dirty="0"/>
-              <a:t>Inheritance</a:t>
-            </a:r>
-          </a:p>
-        </p:txBody>
-      </p:sp>
-      <p:sp>
-        <p:nvSpPr>
-          <p:cNvPr id="20483" name="Text Box 2"/>
-          <p:cNvSpPr txBox="1">
-            <a:spLocks noChangeArrowheads="1"/>
-          </p:cNvSpPr>
-          <p:nvPr/>
-        </p:nvSpPr>
-        <p:spPr bwMode="auto">
-          <a:xfrm>
-            <a:off x="684212" y="1417639"/>
-            <a:ext cx="7776220" cy="1291282"/>
-          </a:xfrm>
-          <a:prstGeom prst="rect">
-            <a:avLst/>
-          </a:prstGeom>
-          <a:noFill/>
-          <a:ln>
-            <a:noFill/>
-          </a:ln>
-          <a:extLst>
-            <a:ext uri="{909E8E84-426E-40DD-AFC4-6F175D3DCCD1}">
-              <a14:hiddenFill xmlns:a14="http://schemas.microsoft.com/office/drawing/2010/main">
-                <a:solidFill>
-                  <a:srgbClr val="FFFFFF"/>
-                </a:solidFill>
-              </a14:hiddenFill>
-            </a:ext>
-            <a:ext uri="{91240B29-F687-4F45-9708-019B960494DF}">
-              <a14:hiddenLine xmlns:a14="http://schemas.microsoft.com/office/drawing/2010/main" w="9525">
-                <a:solidFill>
-                  <a:srgbClr val="000000"/>
-                </a:solidFill>
-                <a:round/>
-                <a:headEnd/>
-                <a:tailEnd/>
-              </a14:hiddenLine>
-            </a:ext>
-          </a:extLst>
-        </p:spPr>
-        <p:txBody>
-          <a:bodyPr wrap="none" lIns="81639" tIns="40820" rIns="81639" bIns="40820"/>
-          <a:lstStyle>
-            <a:lvl1pPr>
-              <a:lnSpc>
-                <a:spcPct val="90000"/>
-              </a:lnSpc>
-              <a:spcBef>
-                <a:spcPts val="1000"/>
-              </a:spcBef>
-              <a:buFont typeface="Arial" panose="020B0604020202020204" pitchFamily="34" charset="0"/>
-              <a:buChar char="•"/>
-              <a:tabLst>
-                <a:tab pos="655638" algn="l"/>
-                <a:tab pos="1312863" algn="l"/>
-                <a:tab pos="1968500" algn="l"/>
-                <a:tab pos="2625725" algn="l"/>
-                <a:tab pos="3282950" algn="l"/>
-                <a:tab pos="3938588" algn="l"/>
-                <a:tab pos="4595813" algn="l"/>
-                <a:tab pos="5253038" algn="l"/>
-                <a:tab pos="5908675" algn="l"/>
-                <a:tab pos="6565900" algn="l"/>
-                <a:tab pos="7223125" algn="l"/>
-              </a:tabLst>
-              <a:defRPr sz="2800">
-                <a:solidFill>
-                  <a:schemeClr val="tx1"/>
-                </a:solidFill>
-                <a:latin typeface="Calibri" panose="020F0502020204030204" pitchFamily="34" charset="0"/>
-              </a:defRPr>
-            </a:lvl1pPr>
-            <a:lvl2pPr marL="742950" indent="-285750">
-              <a:lnSpc>
-                <a:spcPct val="90000"/>
-              </a:lnSpc>
-              <a:spcBef>
-                <a:spcPts val="500"/>
-              </a:spcBef>
-              <a:buFont typeface="Arial" panose="020B0604020202020204" pitchFamily="34" charset="0"/>
-              <a:buChar char="•"/>
-              <a:tabLst>
-                <a:tab pos="655638" algn="l"/>
-                <a:tab pos="1312863" algn="l"/>
-                <a:tab pos="1968500" algn="l"/>
-                <a:tab pos="2625725" algn="l"/>
-                <a:tab pos="3282950" algn="l"/>
-                <a:tab pos="3938588" algn="l"/>
-                <a:tab pos="4595813" algn="l"/>
-                <a:tab pos="5253038" algn="l"/>
-                <a:tab pos="5908675" algn="l"/>
-                <a:tab pos="6565900" algn="l"/>
-                <a:tab pos="7223125" algn="l"/>
-              </a:tabLst>
-              <a:defRPr sz="2400">
-                <a:solidFill>
-                  <a:schemeClr val="tx1"/>
-                </a:solidFill>
-                <a:latin typeface="Calibri" panose="020F0502020204030204" pitchFamily="34" charset="0"/>
-              </a:defRPr>
-            </a:lvl2pPr>
-            <a:lvl3pPr marL="1143000" indent="-228600">
-              <a:lnSpc>
-                <a:spcPct val="90000"/>
-              </a:lnSpc>
-              <a:spcBef>
-                <a:spcPts val="500"/>
-              </a:spcBef>
-              <a:buFont typeface="Arial" panose="020B0604020202020204" pitchFamily="34" charset="0"/>
-              <a:buChar char="•"/>
-              <a:tabLst>
-                <a:tab pos="655638" algn="l"/>
-                <a:tab pos="1312863" algn="l"/>
-                <a:tab pos="1968500" algn="l"/>
-                <a:tab pos="2625725" algn="l"/>
-                <a:tab pos="3282950" algn="l"/>
-                <a:tab pos="3938588" algn="l"/>
-                <a:tab pos="4595813" algn="l"/>
-                <a:tab pos="5253038" algn="l"/>
-                <a:tab pos="5908675" algn="l"/>
-                <a:tab pos="6565900" algn="l"/>
-                <a:tab pos="7223125" algn="l"/>
-              </a:tabLst>
-              <a:defRPr sz="2000">
-                <a:solidFill>
-                  <a:schemeClr val="tx1"/>
-                </a:solidFill>
-                <a:latin typeface="Calibri" panose="020F0502020204030204" pitchFamily="34" charset="0"/>
-              </a:defRPr>
-            </a:lvl3pPr>
-            <a:lvl4pPr marL="1600200" indent="-228600">
-              <a:lnSpc>
-                <a:spcPct val="90000"/>
-              </a:lnSpc>
-              <a:spcBef>
-                <a:spcPts val="500"/>
-              </a:spcBef>
-              <a:buFont typeface="Arial" panose="020B0604020202020204" pitchFamily="34" charset="0"/>
-              <a:buChar char="•"/>
-              <a:tabLst>
-                <a:tab pos="655638" algn="l"/>
-                <a:tab pos="1312863" algn="l"/>
-                <a:tab pos="1968500" algn="l"/>
-                <a:tab pos="2625725" algn="l"/>
-                <a:tab pos="3282950" algn="l"/>
-                <a:tab pos="3938588" algn="l"/>
-                <a:tab pos="4595813" algn="l"/>
-                <a:tab pos="5253038" algn="l"/>
-                <a:tab pos="5908675" algn="l"/>
-                <a:tab pos="6565900" algn="l"/>
-                <a:tab pos="7223125" algn="l"/>
-              </a:tabLst>
-              <a:defRPr>
-                <a:solidFill>
-                  <a:schemeClr val="tx1"/>
-                </a:solidFill>
-                <a:latin typeface="Calibri" panose="020F0502020204030204" pitchFamily="34" charset="0"/>
-              </a:defRPr>
-            </a:lvl4pPr>
-            <a:lvl5pPr marL="2057400" indent="-228600">
-              <a:lnSpc>
-                <a:spcPct val="90000"/>
-              </a:lnSpc>
-              <a:spcBef>
-                <a:spcPts val="500"/>
-              </a:spcBef>
-              <a:buFont typeface="Arial" panose="020B0604020202020204" pitchFamily="34" charset="0"/>
-              <a:buChar char="•"/>
-              <a:tabLst>
-                <a:tab pos="655638" algn="l"/>
-                <a:tab pos="1312863" algn="l"/>
-                <a:tab pos="1968500" algn="l"/>
-                <a:tab pos="2625725" algn="l"/>
-                <a:tab pos="3282950" algn="l"/>
-                <a:tab pos="3938588" algn="l"/>
-                <a:tab pos="4595813" algn="l"/>
-                <a:tab pos="5253038" algn="l"/>
-                <a:tab pos="5908675" algn="l"/>
-                <a:tab pos="6565900" algn="l"/>
-                <a:tab pos="7223125" algn="l"/>
-              </a:tabLst>
-              <a:defRPr>
-                <a:solidFill>
-                  <a:schemeClr val="tx1"/>
-                </a:solidFill>
-                <a:latin typeface="Calibri" panose="020F0502020204030204" pitchFamily="34" charset="0"/>
-              </a:defRPr>
-            </a:lvl5pPr>
-            <a:lvl6pPr marL="2514600" indent="-228600" fontAlgn="base">
-              <a:lnSpc>
-                <a:spcPct val="90000"/>
-              </a:lnSpc>
-              <a:spcBef>
-                <a:spcPts val="500"/>
-              </a:spcBef>
-              <a:spcAft>
-                <a:spcPct val="0"/>
-              </a:spcAft>
-              <a:buFont typeface="Arial" panose="020B0604020202020204" pitchFamily="34" charset="0"/>
-              <a:buChar char="•"/>
-              <a:tabLst>
-                <a:tab pos="655638" algn="l"/>
-                <a:tab pos="1312863" algn="l"/>
-                <a:tab pos="1968500" algn="l"/>
-                <a:tab pos="2625725" algn="l"/>
-                <a:tab pos="3282950" algn="l"/>
-                <a:tab pos="3938588" algn="l"/>
-                <a:tab pos="4595813" algn="l"/>
-                <a:tab pos="5253038" algn="l"/>
-                <a:tab pos="5908675" algn="l"/>
-                <a:tab pos="6565900" algn="l"/>
-                <a:tab pos="7223125" algn="l"/>
-              </a:tabLst>
-              <a:defRPr>
-                <a:solidFill>
-                  <a:schemeClr val="tx1"/>
-                </a:solidFill>
-                <a:latin typeface="Calibri" panose="020F0502020204030204" pitchFamily="34" charset="0"/>
-              </a:defRPr>
-            </a:lvl6pPr>
-            <a:lvl7pPr marL="2971800" indent="-228600" fontAlgn="base">
-              <a:lnSpc>
-                <a:spcPct val="90000"/>
-              </a:lnSpc>
-              <a:spcBef>
-                <a:spcPts val="500"/>
-              </a:spcBef>
-              <a:spcAft>
-                <a:spcPct val="0"/>
-              </a:spcAft>
-              <a:buFont typeface="Arial" panose="020B0604020202020204" pitchFamily="34" charset="0"/>
-              <a:buChar char="•"/>
-              <a:tabLst>
-                <a:tab pos="655638" algn="l"/>
-                <a:tab pos="1312863" algn="l"/>
-                <a:tab pos="1968500" algn="l"/>
-                <a:tab pos="2625725" algn="l"/>
-                <a:tab pos="3282950" algn="l"/>
-                <a:tab pos="3938588" algn="l"/>
-                <a:tab pos="4595813" algn="l"/>
-                <a:tab pos="5253038" algn="l"/>
-                <a:tab pos="5908675" algn="l"/>
-                <a:tab pos="6565900" algn="l"/>
-                <a:tab pos="7223125" algn="l"/>
-              </a:tabLst>
-              <a:defRPr>
-                <a:solidFill>
-                  <a:schemeClr val="tx1"/>
-                </a:solidFill>
-                <a:latin typeface="Calibri" panose="020F0502020204030204" pitchFamily="34" charset="0"/>
-              </a:defRPr>
-            </a:lvl7pPr>
-            <a:lvl8pPr marL="3429000" indent="-228600" fontAlgn="base">
-              <a:lnSpc>
-                <a:spcPct val="90000"/>
-              </a:lnSpc>
-              <a:spcBef>
-                <a:spcPts val="500"/>
-              </a:spcBef>
-              <a:spcAft>
-                <a:spcPct val="0"/>
-              </a:spcAft>
-              <a:buFont typeface="Arial" panose="020B0604020202020204" pitchFamily="34" charset="0"/>
-              <a:buChar char="•"/>
-              <a:tabLst>
-                <a:tab pos="655638" algn="l"/>
-                <a:tab pos="1312863" algn="l"/>
-                <a:tab pos="1968500" algn="l"/>
-                <a:tab pos="2625725" algn="l"/>
-                <a:tab pos="3282950" algn="l"/>
-                <a:tab pos="3938588" algn="l"/>
-                <a:tab pos="4595813" algn="l"/>
-                <a:tab pos="5253038" algn="l"/>
-                <a:tab pos="5908675" algn="l"/>
-                <a:tab pos="6565900" algn="l"/>
-                <a:tab pos="7223125" algn="l"/>
-              </a:tabLst>
-              <a:defRPr>
-                <a:solidFill>
-                  <a:schemeClr val="tx1"/>
-                </a:solidFill>
-                <a:latin typeface="Calibri" panose="020F0502020204030204" pitchFamily="34" charset="0"/>
-              </a:defRPr>
-            </a:lvl8pPr>
-            <a:lvl9pPr marL="3886200" indent="-228600" fontAlgn="base">
-              <a:lnSpc>
-                <a:spcPct val="90000"/>
-              </a:lnSpc>
-              <a:spcBef>
-                <a:spcPts val="500"/>
-              </a:spcBef>
-              <a:spcAft>
-                <a:spcPct val="0"/>
-              </a:spcAft>
-              <a:buFont typeface="Arial" panose="020B0604020202020204" pitchFamily="34" charset="0"/>
-              <a:buChar char="•"/>
-              <a:tabLst>
-                <a:tab pos="655638" algn="l"/>
-                <a:tab pos="1312863" algn="l"/>
-                <a:tab pos="1968500" algn="l"/>
-                <a:tab pos="2625725" algn="l"/>
-                <a:tab pos="3282950" algn="l"/>
-                <a:tab pos="3938588" algn="l"/>
-                <a:tab pos="4595813" algn="l"/>
-                <a:tab pos="5253038" algn="l"/>
-                <a:tab pos="5908675" algn="l"/>
-                <a:tab pos="6565900" algn="l"/>
-                <a:tab pos="7223125" algn="l"/>
-              </a:tabLst>
-              <a:defRPr>
-                <a:solidFill>
-                  <a:schemeClr val="tx1"/>
-                </a:solidFill>
-                <a:latin typeface="Calibri" panose="020F0502020204030204" pitchFamily="34" charset="0"/>
-              </a:defRPr>
-            </a:lvl9pPr>
-          </a:lstStyle>
-          <a:p>
-            <a:pPr eaLnBrk="1" hangingPunct="1">
-              <a:lnSpc>
-                <a:spcPct val="125000"/>
-              </a:lnSpc>
-              <a:spcBef>
-                <a:spcPct val="0"/>
-              </a:spcBef>
-              <a:buFontTx/>
-              <a:buNone/>
-            </a:pPr>
-            <a:r>
-              <a:rPr lang="en-US" altLang="en-US" sz="2200" dirty="0"/>
-              <a:t>Classes can inherit from one another</a:t>
-            </a:r>
-          </a:p>
-          <a:p>
-            <a:pPr eaLnBrk="1" hangingPunct="1">
-              <a:lnSpc>
-                <a:spcPct val="125000"/>
-              </a:lnSpc>
-              <a:spcBef>
-                <a:spcPct val="0"/>
-              </a:spcBef>
-              <a:buFontTx/>
-              <a:buNone/>
-            </a:pPr>
-            <a:endParaRPr lang="en-US" altLang="en-US" sz="2200" dirty="0"/>
-          </a:p>
-          <a:p>
-            <a:pPr eaLnBrk="1" hangingPunct="1">
-              <a:lnSpc>
-                <a:spcPct val="125000"/>
-              </a:lnSpc>
-              <a:spcBef>
-                <a:spcPct val="0"/>
-              </a:spcBef>
-              <a:buFontTx/>
-              <a:buNone/>
-            </a:pPr>
-            <a:r>
-              <a:rPr lang="en-US" altLang="en-US" sz="2200" dirty="0"/>
-              <a:t>This allows you to share attributes and methods, add, extend, modify. </a:t>
-            </a:r>
-          </a:p>
-          <a:p>
-            <a:pPr eaLnBrk="1" hangingPunct="1">
-              <a:lnSpc>
-                <a:spcPct val="125000"/>
-              </a:lnSpc>
-              <a:spcBef>
-                <a:spcPct val="0"/>
-              </a:spcBef>
-              <a:buFontTx/>
-              <a:buNone/>
-            </a:pPr>
-            <a:r>
-              <a:rPr lang="en-US" altLang="en-US" sz="2200" dirty="0"/>
-              <a:t>(very flexible)</a:t>
-            </a:r>
-          </a:p>
-        </p:txBody>
-      </p:sp>
-      <p:pic>
-        <p:nvPicPr>
-          <p:cNvPr id="3" name="Picture 2" descr="Graphical user interface, text, application&#10;&#10;Description automatically generated">
-            <a:extLst>
-              <a:ext uri="{FF2B5EF4-FFF2-40B4-BE49-F238E27FC236}">
-                <a16:creationId xmlns:a16="http://schemas.microsoft.com/office/drawing/2014/main" id="{D8A4E5DE-9797-8947-BE09-E119E8F2BC7B}"/>
-              </a:ext>
-            </a:extLst>
-          </p:cNvPr>
-          <p:cNvPicPr>
-            <a:picLocks noChangeAspect="1"/>
-          </p:cNvPicPr>
-          <p:nvPr/>
-        </p:nvPicPr>
-        <p:blipFill>
-          <a:blip r:embed="rId2">
-            <a:extLst>
-              <a:ext uri="{28A0092B-C50C-407E-A947-70E740481C1C}">
-                <a14:useLocalDpi xmlns:a14="http://schemas.microsoft.com/office/drawing/2010/main" val="0"/>
-              </a:ext>
-            </a:extLst>
-          </a:blip>
-          <a:stretch>
-            <a:fillRect/>
-          </a:stretch>
-        </p:blipFill>
-        <p:spPr>
-          <a:xfrm>
-            <a:off x="1593850" y="3203683"/>
-            <a:ext cx="5956300" cy="2565400"/>
-          </a:xfrm>
-          <a:prstGeom prst="rect">
-            <a:avLst/>
-          </a:prstGeom>
-        </p:spPr>
-      </p:pic>
-      <p:sp>
-        <p:nvSpPr>
-          <p:cNvPr id="4" name="TextBox 3">
-            <a:extLst>
-              <a:ext uri="{FF2B5EF4-FFF2-40B4-BE49-F238E27FC236}">
-                <a16:creationId xmlns:a16="http://schemas.microsoft.com/office/drawing/2014/main" id="{2FC26093-7FF3-8244-87DF-803CEE9124B7}"/>
-              </a:ext>
-            </a:extLst>
-          </p:cNvPr>
-          <p:cNvSpPr txBox="1"/>
-          <p:nvPr/>
-        </p:nvSpPr>
-        <p:spPr>
-          <a:xfrm>
-            <a:off x="1979712" y="3276383"/>
-            <a:ext cx="5400600" cy="305234"/>
-          </a:xfrm>
-          <a:prstGeom prst="rect">
-            <a:avLst/>
-          </a:prstGeom>
-          <a:solidFill>
-            <a:srgbClr val="DCDBB3"/>
-          </a:solidFill>
-        </p:spPr>
-        <p:txBody>
-          <a:bodyPr wrap="square" rtlCol="0">
-            <a:spAutoFit/>
-          </a:bodyPr>
-          <a:lstStyle/>
-          <a:p>
-            <a:r>
-              <a:rPr lang="en-GB" dirty="0" err="1">
-                <a:solidFill>
-                  <a:srgbClr val="D87665"/>
-                </a:solidFill>
-              </a:rPr>
-              <a:t>DataStore</a:t>
-            </a:r>
-            <a:endParaRPr lang="en-GB" dirty="0">
-              <a:solidFill>
-                <a:srgbClr val="D87665"/>
-              </a:solidFill>
-            </a:endParaRPr>
-          </a:p>
-        </p:txBody>
-      </p:sp>
-    </p:spTree>
-    <p:extLst>
-      <p:ext uri="{BB962C8B-B14F-4D97-AF65-F5344CB8AC3E}">
-        <p14:creationId xmlns:p14="http://schemas.microsoft.com/office/powerpoint/2010/main" val="767691427"/>
-      </p:ext>
-    </p:extLst>
-  </p:cSld>
-  <p:clrMapOvr>
-    <a:masterClrMapping/>
-  </p:clrMapOvr>
-</p:sld>
-</file>
-
-<file path=ppt/slides/slide34.xml><?xml version="1.0" encoding="utf-8"?>
-<p:sld xmlns:a="http://schemas.openxmlformats.org/drawingml/2006/main" xmlns:r="http://schemas.openxmlformats.org/officeDocument/2006/relationships" xmlns:p="http://schemas.openxmlformats.org/presentationml/2006/main">
-  <p:cSld>
-    <p:spTree>
-      <p:nvGrpSpPr>
-        <p:cNvPr id="1" name=""/>
-        <p:cNvGrpSpPr/>
-        <p:nvPr/>
-      </p:nvGrpSpPr>
-      <p:grpSpPr>
-        <a:xfrm>
-          <a:off x="0" y="0"/>
-          <a:ext cx="0" cy="0"/>
-          <a:chOff x="0" y="0"/>
-          <a:chExt cx="0" cy="0"/>
-        </a:xfrm>
-      </p:grpSpPr>
-      <p:sp>
-        <p:nvSpPr>
-          <p:cNvPr id="20482" name="Title 1"/>
-          <p:cNvSpPr>
-            <a:spLocks noGrp="1"/>
-          </p:cNvSpPr>
-          <p:nvPr>
-            <p:ph type="title" idx="4294967295"/>
-          </p:nvPr>
-        </p:nvSpPr>
-        <p:spPr>
-          <a:xfrm>
-            <a:off x="374650" y="274638"/>
-            <a:ext cx="8229600" cy="1143000"/>
-          </a:xfrm>
-        </p:spPr>
-        <p:txBody>
-          <a:bodyPr/>
-          <a:lstStyle/>
-          <a:p>
-            <a:r>
-              <a:rPr lang="en-GB" altLang="en-US" dirty="0"/>
-              <a:t>Inheritance</a:t>
-            </a:r>
-          </a:p>
-        </p:txBody>
-      </p:sp>
-      <p:sp>
-        <p:nvSpPr>
-          <p:cNvPr id="20483" name="Text Box 2"/>
-          <p:cNvSpPr txBox="1">
-            <a:spLocks noChangeArrowheads="1"/>
-          </p:cNvSpPr>
-          <p:nvPr/>
-        </p:nvSpPr>
-        <p:spPr bwMode="auto">
-          <a:xfrm>
-            <a:off x="684212" y="1340768"/>
-            <a:ext cx="7775575" cy="4430713"/>
-          </a:xfrm>
-          <a:prstGeom prst="rect">
-            <a:avLst/>
-          </a:prstGeom>
-          <a:noFill/>
-          <a:ln>
-            <a:noFill/>
-          </a:ln>
-          <a:extLst>
-            <a:ext uri="{909E8E84-426E-40DD-AFC4-6F175D3DCCD1}">
-              <a14:hiddenFill xmlns:a14="http://schemas.microsoft.com/office/drawing/2010/main">
-                <a:solidFill>
-                  <a:srgbClr val="FFFFFF"/>
-                </a:solidFill>
-              </a14:hiddenFill>
-            </a:ext>
-            <a:ext uri="{91240B29-F687-4F45-9708-019B960494DF}">
-              <a14:hiddenLine xmlns:a14="http://schemas.microsoft.com/office/drawing/2010/main" w="9525">
-                <a:solidFill>
-                  <a:srgbClr val="000000"/>
-                </a:solidFill>
-                <a:round/>
-                <a:headEnd/>
-                <a:tailEnd/>
-              </a14:hiddenLine>
-            </a:ext>
-          </a:extLst>
-        </p:spPr>
-        <p:txBody>
-          <a:bodyPr wrap="none" lIns="81639" tIns="40820" rIns="81639" bIns="40820"/>
-          <a:lstStyle>
-            <a:lvl1pPr>
-              <a:lnSpc>
-                <a:spcPct val="90000"/>
-              </a:lnSpc>
-              <a:spcBef>
-                <a:spcPts val="1000"/>
-              </a:spcBef>
-              <a:buFont typeface="Arial" panose="020B0604020202020204" pitchFamily="34" charset="0"/>
-              <a:buChar char="•"/>
-              <a:tabLst>
-                <a:tab pos="655638" algn="l"/>
-                <a:tab pos="1312863" algn="l"/>
-                <a:tab pos="1968500" algn="l"/>
-                <a:tab pos="2625725" algn="l"/>
-                <a:tab pos="3282950" algn="l"/>
-                <a:tab pos="3938588" algn="l"/>
-                <a:tab pos="4595813" algn="l"/>
-                <a:tab pos="5253038" algn="l"/>
-                <a:tab pos="5908675" algn="l"/>
-                <a:tab pos="6565900" algn="l"/>
-                <a:tab pos="7223125" algn="l"/>
-              </a:tabLst>
-              <a:defRPr sz="2800">
-                <a:solidFill>
-                  <a:schemeClr val="tx1"/>
-                </a:solidFill>
-                <a:latin typeface="Calibri" panose="020F0502020204030204" pitchFamily="34" charset="0"/>
-              </a:defRPr>
-            </a:lvl1pPr>
-            <a:lvl2pPr marL="742950" indent="-285750">
-              <a:lnSpc>
-                <a:spcPct val="90000"/>
-              </a:lnSpc>
-              <a:spcBef>
-                <a:spcPts val="500"/>
-              </a:spcBef>
-              <a:buFont typeface="Arial" panose="020B0604020202020204" pitchFamily="34" charset="0"/>
-              <a:buChar char="•"/>
-              <a:tabLst>
-                <a:tab pos="655638" algn="l"/>
-                <a:tab pos="1312863" algn="l"/>
-                <a:tab pos="1968500" algn="l"/>
-                <a:tab pos="2625725" algn="l"/>
-                <a:tab pos="3282950" algn="l"/>
-                <a:tab pos="3938588" algn="l"/>
-                <a:tab pos="4595813" algn="l"/>
-                <a:tab pos="5253038" algn="l"/>
-                <a:tab pos="5908675" algn="l"/>
-                <a:tab pos="6565900" algn="l"/>
-                <a:tab pos="7223125" algn="l"/>
-              </a:tabLst>
-              <a:defRPr sz="2400">
-                <a:solidFill>
-                  <a:schemeClr val="tx1"/>
-                </a:solidFill>
-                <a:latin typeface="Calibri" panose="020F0502020204030204" pitchFamily="34" charset="0"/>
-              </a:defRPr>
-            </a:lvl2pPr>
-            <a:lvl3pPr marL="1143000" indent="-228600">
-              <a:lnSpc>
-                <a:spcPct val="90000"/>
-              </a:lnSpc>
-              <a:spcBef>
-                <a:spcPts val="500"/>
-              </a:spcBef>
-              <a:buFont typeface="Arial" panose="020B0604020202020204" pitchFamily="34" charset="0"/>
-              <a:buChar char="•"/>
-              <a:tabLst>
-                <a:tab pos="655638" algn="l"/>
-                <a:tab pos="1312863" algn="l"/>
-                <a:tab pos="1968500" algn="l"/>
-                <a:tab pos="2625725" algn="l"/>
-                <a:tab pos="3282950" algn="l"/>
-                <a:tab pos="3938588" algn="l"/>
-                <a:tab pos="4595813" algn="l"/>
-                <a:tab pos="5253038" algn="l"/>
-                <a:tab pos="5908675" algn="l"/>
-                <a:tab pos="6565900" algn="l"/>
-                <a:tab pos="7223125" algn="l"/>
-              </a:tabLst>
-              <a:defRPr sz="2000">
-                <a:solidFill>
-                  <a:schemeClr val="tx1"/>
-                </a:solidFill>
-                <a:latin typeface="Calibri" panose="020F0502020204030204" pitchFamily="34" charset="0"/>
-              </a:defRPr>
-            </a:lvl3pPr>
-            <a:lvl4pPr marL="1600200" indent="-228600">
-              <a:lnSpc>
-                <a:spcPct val="90000"/>
-              </a:lnSpc>
-              <a:spcBef>
-                <a:spcPts val="500"/>
-              </a:spcBef>
-              <a:buFont typeface="Arial" panose="020B0604020202020204" pitchFamily="34" charset="0"/>
-              <a:buChar char="•"/>
-              <a:tabLst>
-                <a:tab pos="655638" algn="l"/>
-                <a:tab pos="1312863" algn="l"/>
-                <a:tab pos="1968500" algn="l"/>
-                <a:tab pos="2625725" algn="l"/>
-                <a:tab pos="3282950" algn="l"/>
-                <a:tab pos="3938588" algn="l"/>
-                <a:tab pos="4595813" algn="l"/>
-                <a:tab pos="5253038" algn="l"/>
-                <a:tab pos="5908675" algn="l"/>
-                <a:tab pos="6565900" algn="l"/>
-                <a:tab pos="7223125" algn="l"/>
-              </a:tabLst>
-              <a:defRPr>
-                <a:solidFill>
-                  <a:schemeClr val="tx1"/>
-                </a:solidFill>
-                <a:latin typeface="Calibri" panose="020F0502020204030204" pitchFamily="34" charset="0"/>
-              </a:defRPr>
-            </a:lvl4pPr>
-            <a:lvl5pPr marL="2057400" indent="-228600">
-              <a:lnSpc>
-                <a:spcPct val="90000"/>
-              </a:lnSpc>
-              <a:spcBef>
-                <a:spcPts val="500"/>
-              </a:spcBef>
-              <a:buFont typeface="Arial" panose="020B0604020202020204" pitchFamily="34" charset="0"/>
-              <a:buChar char="•"/>
-              <a:tabLst>
-                <a:tab pos="655638" algn="l"/>
-                <a:tab pos="1312863" algn="l"/>
-                <a:tab pos="1968500" algn="l"/>
-                <a:tab pos="2625725" algn="l"/>
-                <a:tab pos="3282950" algn="l"/>
-                <a:tab pos="3938588" algn="l"/>
-                <a:tab pos="4595813" algn="l"/>
-                <a:tab pos="5253038" algn="l"/>
-                <a:tab pos="5908675" algn="l"/>
-                <a:tab pos="6565900" algn="l"/>
-                <a:tab pos="7223125" algn="l"/>
-              </a:tabLst>
-              <a:defRPr>
-                <a:solidFill>
-                  <a:schemeClr val="tx1"/>
-                </a:solidFill>
-                <a:latin typeface="Calibri" panose="020F0502020204030204" pitchFamily="34" charset="0"/>
-              </a:defRPr>
-            </a:lvl5pPr>
-            <a:lvl6pPr marL="2514600" indent="-228600" fontAlgn="base">
-              <a:lnSpc>
-                <a:spcPct val="90000"/>
-              </a:lnSpc>
-              <a:spcBef>
-                <a:spcPts val="500"/>
-              </a:spcBef>
-              <a:spcAft>
-                <a:spcPct val="0"/>
-              </a:spcAft>
-              <a:buFont typeface="Arial" panose="020B0604020202020204" pitchFamily="34" charset="0"/>
-              <a:buChar char="•"/>
-              <a:tabLst>
-                <a:tab pos="655638" algn="l"/>
-                <a:tab pos="1312863" algn="l"/>
-                <a:tab pos="1968500" algn="l"/>
-                <a:tab pos="2625725" algn="l"/>
-                <a:tab pos="3282950" algn="l"/>
-                <a:tab pos="3938588" algn="l"/>
-                <a:tab pos="4595813" algn="l"/>
-                <a:tab pos="5253038" algn="l"/>
-                <a:tab pos="5908675" algn="l"/>
-                <a:tab pos="6565900" algn="l"/>
-                <a:tab pos="7223125" algn="l"/>
-              </a:tabLst>
-              <a:defRPr>
-                <a:solidFill>
-                  <a:schemeClr val="tx1"/>
-                </a:solidFill>
-                <a:latin typeface="Calibri" panose="020F0502020204030204" pitchFamily="34" charset="0"/>
-              </a:defRPr>
-            </a:lvl6pPr>
-            <a:lvl7pPr marL="2971800" indent="-228600" fontAlgn="base">
-              <a:lnSpc>
-                <a:spcPct val="90000"/>
-              </a:lnSpc>
-              <a:spcBef>
-                <a:spcPts val="500"/>
-              </a:spcBef>
-              <a:spcAft>
-                <a:spcPct val="0"/>
-              </a:spcAft>
-              <a:buFont typeface="Arial" panose="020B0604020202020204" pitchFamily="34" charset="0"/>
-              <a:buChar char="•"/>
-              <a:tabLst>
-                <a:tab pos="655638" algn="l"/>
-                <a:tab pos="1312863" algn="l"/>
-                <a:tab pos="1968500" algn="l"/>
-                <a:tab pos="2625725" algn="l"/>
-                <a:tab pos="3282950" algn="l"/>
-                <a:tab pos="3938588" algn="l"/>
-                <a:tab pos="4595813" algn="l"/>
-                <a:tab pos="5253038" algn="l"/>
-                <a:tab pos="5908675" algn="l"/>
-                <a:tab pos="6565900" algn="l"/>
-                <a:tab pos="7223125" algn="l"/>
-              </a:tabLst>
-              <a:defRPr>
-                <a:solidFill>
-                  <a:schemeClr val="tx1"/>
-                </a:solidFill>
-                <a:latin typeface="Calibri" panose="020F0502020204030204" pitchFamily="34" charset="0"/>
-              </a:defRPr>
-            </a:lvl7pPr>
-            <a:lvl8pPr marL="3429000" indent="-228600" fontAlgn="base">
-              <a:lnSpc>
-                <a:spcPct val="90000"/>
-              </a:lnSpc>
-              <a:spcBef>
-                <a:spcPts val="500"/>
-              </a:spcBef>
-              <a:spcAft>
-                <a:spcPct val="0"/>
-              </a:spcAft>
-              <a:buFont typeface="Arial" panose="020B0604020202020204" pitchFamily="34" charset="0"/>
-              <a:buChar char="•"/>
-              <a:tabLst>
-                <a:tab pos="655638" algn="l"/>
-                <a:tab pos="1312863" algn="l"/>
-                <a:tab pos="1968500" algn="l"/>
-                <a:tab pos="2625725" algn="l"/>
-                <a:tab pos="3282950" algn="l"/>
-                <a:tab pos="3938588" algn="l"/>
-                <a:tab pos="4595813" algn="l"/>
-                <a:tab pos="5253038" algn="l"/>
-                <a:tab pos="5908675" algn="l"/>
-                <a:tab pos="6565900" algn="l"/>
-                <a:tab pos="7223125" algn="l"/>
-              </a:tabLst>
-              <a:defRPr>
-                <a:solidFill>
-                  <a:schemeClr val="tx1"/>
-                </a:solidFill>
-                <a:latin typeface="Calibri" panose="020F0502020204030204" pitchFamily="34" charset="0"/>
-              </a:defRPr>
-            </a:lvl8pPr>
-            <a:lvl9pPr marL="3886200" indent="-228600" fontAlgn="base">
-              <a:lnSpc>
-                <a:spcPct val="90000"/>
-              </a:lnSpc>
-              <a:spcBef>
-                <a:spcPts val="500"/>
-              </a:spcBef>
-              <a:spcAft>
-                <a:spcPct val="0"/>
-              </a:spcAft>
-              <a:buFont typeface="Arial" panose="020B0604020202020204" pitchFamily="34" charset="0"/>
-              <a:buChar char="•"/>
-              <a:tabLst>
-                <a:tab pos="655638" algn="l"/>
-                <a:tab pos="1312863" algn="l"/>
-                <a:tab pos="1968500" algn="l"/>
-                <a:tab pos="2625725" algn="l"/>
-                <a:tab pos="3282950" algn="l"/>
-                <a:tab pos="3938588" algn="l"/>
-                <a:tab pos="4595813" algn="l"/>
-                <a:tab pos="5253038" algn="l"/>
-                <a:tab pos="5908675" algn="l"/>
-                <a:tab pos="6565900" algn="l"/>
-                <a:tab pos="7223125" algn="l"/>
-              </a:tabLst>
-              <a:defRPr>
-                <a:solidFill>
-                  <a:schemeClr val="tx1"/>
-                </a:solidFill>
-                <a:latin typeface="Calibri" panose="020F0502020204030204" pitchFamily="34" charset="0"/>
-              </a:defRPr>
-            </a:lvl9pPr>
-          </a:lstStyle>
-          <a:p>
-            <a:pPr eaLnBrk="1" hangingPunct="1">
-              <a:lnSpc>
-                <a:spcPct val="125000"/>
-              </a:lnSpc>
-              <a:spcBef>
-                <a:spcPct val="0"/>
-              </a:spcBef>
-              <a:buFontTx/>
-              <a:buNone/>
-            </a:pPr>
-            <a:r>
-              <a:rPr lang="en-US" altLang="en-US" sz="2200" dirty="0"/>
-              <a:t>Let’s make a class which converts </a:t>
-            </a:r>
-            <a:r>
-              <a:rPr lang="en-US" altLang="en-US" sz="2200" dirty="0" err="1"/>
-              <a:t>Celcius</a:t>
-            </a:r>
-            <a:r>
-              <a:rPr lang="en-US" altLang="en-US" sz="2200" dirty="0"/>
-              <a:t> measurements to Kelvin </a:t>
-            </a:r>
-          </a:p>
-          <a:p>
-            <a:pPr eaLnBrk="1" hangingPunct="1">
-              <a:lnSpc>
-                <a:spcPct val="125000"/>
-              </a:lnSpc>
-              <a:spcBef>
-                <a:spcPct val="0"/>
-              </a:spcBef>
-              <a:buFontTx/>
-              <a:buNone/>
-            </a:pPr>
-            <a:r>
-              <a:rPr lang="en-US" altLang="en-US" sz="2200" dirty="0"/>
-              <a:t>as we add them</a:t>
-            </a:r>
-          </a:p>
-          <a:p>
-            <a:pPr eaLnBrk="1" hangingPunct="1">
-              <a:lnSpc>
-                <a:spcPct val="125000"/>
-              </a:lnSpc>
-              <a:spcBef>
-                <a:spcPct val="0"/>
-              </a:spcBef>
-              <a:buFontTx/>
-              <a:buNone/>
-            </a:pPr>
-            <a:endParaRPr lang="en-US" altLang="en-US" sz="1800" dirty="0"/>
-          </a:p>
-          <a:p>
-            <a:pPr eaLnBrk="1" hangingPunct="1">
-              <a:lnSpc>
-                <a:spcPct val="125000"/>
-              </a:lnSpc>
-              <a:spcBef>
-                <a:spcPct val="0"/>
-              </a:spcBef>
-              <a:buNone/>
-            </a:pPr>
-            <a:r>
-              <a:rPr lang="en-US" altLang="en-US" sz="1800" b="1" dirty="0">
-                <a:latin typeface="Courier New" panose="02070309020205020404" pitchFamily="49" charset="0"/>
-                <a:cs typeface="Courier New" panose="02070309020205020404" pitchFamily="49" charset="0"/>
-              </a:rPr>
-              <a:t>class</a:t>
-            </a:r>
-            <a:r>
-              <a:rPr lang="en-US" altLang="en-US" sz="1800" dirty="0">
-                <a:latin typeface="Courier New" panose="02070309020205020404" pitchFamily="49" charset="0"/>
-                <a:cs typeface="Courier New" panose="02070309020205020404" pitchFamily="49" charset="0"/>
-              </a:rPr>
-              <a:t> </a:t>
-            </a:r>
-            <a:r>
-              <a:rPr lang="en-US" altLang="en-US" sz="1800" dirty="0" err="1">
-                <a:latin typeface="Courier New" panose="02070309020205020404" pitchFamily="49" charset="0"/>
-                <a:cs typeface="Courier New" panose="02070309020205020404" pitchFamily="49" charset="0"/>
-              </a:rPr>
-              <a:t>TemperatureStore</a:t>
-            </a:r>
-            <a:r>
-              <a:rPr lang="en-US" altLang="en-US" sz="1800" dirty="0">
-                <a:latin typeface="Courier New" panose="02070309020205020404" pitchFamily="49" charset="0"/>
-                <a:cs typeface="Courier New" panose="02070309020205020404" pitchFamily="49" charset="0"/>
-              </a:rPr>
-              <a:t>(</a:t>
-            </a:r>
-            <a:r>
-              <a:rPr lang="en-US" altLang="en-US" sz="1800" dirty="0" err="1">
-                <a:latin typeface="Courier New" panose="02070309020205020404" pitchFamily="49" charset="0"/>
-                <a:cs typeface="Courier New" panose="02070309020205020404" pitchFamily="49" charset="0"/>
-              </a:rPr>
-              <a:t>DataStore</a:t>
-            </a:r>
-            <a:r>
-              <a:rPr lang="en-US" altLang="en-US" sz="1800" dirty="0">
-                <a:latin typeface="Courier New" panose="02070309020205020404" pitchFamily="49" charset="0"/>
-                <a:cs typeface="Courier New" panose="02070309020205020404" pitchFamily="49" charset="0"/>
-              </a:rPr>
-              <a:t>):</a:t>
-            </a:r>
-            <a:br>
-              <a:rPr lang="en-US" altLang="en-US" sz="1800" dirty="0">
-                <a:latin typeface="Courier New" panose="02070309020205020404" pitchFamily="49" charset="0"/>
-                <a:cs typeface="Courier New" panose="02070309020205020404" pitchFamily="49" charset="0"/>
-              </a:rPr>
-            </a:br>
-            <a:br>
-              <a:rPr lang="en-US" altLang="en-US" sz="1800" dirty="0">
-                <a:latin typeface="Courier New" panose="02070309020205020404" pitchFamily="49" charset="0"/>
-                <a:cs typeface="Courier New" panose="02070309020205020404" pitchFamily="49" charset="0"/>
-              </a:rPr>
-            </a:br>
-            <a:r>
-              <a:rPr lang="en-US" altLang="en-US" sz="1800" dirty="0">
-                <a:latin typeface="Courier New" panose="02070309020205020404" pitchFamily="49" charset="0"/>
-                <a:cs typeface="Courier New" panose="02070309020205020404" pitchFamily="49" charset="0"/>
-              </a:rPr>
-              <a:t>    </a:t>
-            </a:r>
-            <a:r>
-              <a:rPr lang="en-US" altLang="en-US" sz="1800" b="1" dirty="0">
-                <a:latin typeface="Courier New" panose="02070309020205020404" pitchFamily="49" charset="0"/>
-                <a:cs typeface="Courier New" panose="02070309020205020404" pitchFamily="49" charset="0"/>
-              </a:rPr>
-              <a:t>def</a:t>
-            </a:r>
-            <a:r>
-              <a:rPr lang="en-US" altLang="en-US" sz="1800" dirty="0">
-                <a:latin typeface="Courier New" panose="02070309020205020404" pitchFamily="49" charset="0"/>
-                <a:cs typeface="Courier New" panose="02070309020205020404" pitchFamily="49" charset="0"/>
-              </a:rPr>
-              <a:t> </a:t>
-            </a:r>
-            <a:r>
-              <a:rPr lang="en-US" altLang="en-US" sz="1800" dirty="0" err="1">
-                <a:latin typeface="Courier New" panose="02070309020205020404" pitchFamily="49" charset="0"/>
-                <a:cs typeface="Courier New" panose="02070309020205020404" pitchFamily="49" charset="0"/>
-              </a:rPr>
-              <a:t>add_measurement</a:t>
-            </a:r>
-            <a:r>
-              <a:rPr lang="en-US" altLang="en-US" sz="1800" dirty="0">
-                <a:latin typeface="Courier New" panose="02070309020205020404" pitchFamily="49" charset="0"/>
-                <a:cs typeface="Courier New" panose="02070309020205020404" pitchFamily="49" charset="0"/>
-              </a:rPr>
-              <a:t>(self, date, value):</a:t>
-            </a:r>
-            <a:br>
-              <a:rPr lang="en-US" altLang="en-US" sz="1800" dirty="0">
-                <a:latin typeface="Courier New" panose="02070309020205020404" pitchFamily="49" charset="0"/>
-                <a:cs typeface="Courier New" panose="02070309020205020404" pitchFamily="49" charset="0"/>
-              </a:rPr>
-            </a:br>
-            <a:br>
-              <a:rPr lang="en-US" altLang="en-US" sz="1800" dirty="0">
-                <a:latin typeface="Courier New" panose="02070309020205020404" pitchFamily="49" charset="0"/>
-                <a:cs typeface="Courier New" panose="02070309020205020404" pitchFamily="49" charset="0"/>
-              </a:rPr>
-            </a:br>
-            <a:r>
-              <a:rPr lang="en-US" altLang="en-US" sz="1800" dirty="0">
-                <a:latin typeface="Courier New" panose="02070309020205020404" pitchFamily="49" charset="0"/>
-                <a:cs typeface="Courier New" panose="02070309020205020404" pitchFamily="49" charset="0"/>
-              </a:rPr>
-              <a:t>        # Convert to kelvin</a:t>
-            </a:r>
-            <a:br>
-              <a:rPr lang="en-US" altLang="en-US" sz="1800" dirty="0">
-                <a:latin typeface="Courier New" panose="02070309020205020404" pitchFamily="49" charset="0"/>
-                <a:cs typeface="Courier New" panose="02070309020205020404" pitchFamily="49" charset="0"/>
-              </a:rPr>
-            </a:br>
-            <a:r>
-              <a:rPr lang="en-US" altLang="en-US" sz="1800" dirty="0">
-                <a:latin typeface="Courier New" panose="02070309020205020404" pitchFamily="49" charset="0"/>
-                <a:cs typeface="Courier New" panose="02070309020205020404" pitchFamily="49" charset="0"/>
-              </a:rPr>
-              <a:t>        value += 272.15</a:t>
-            </a:r>
-            <a:br>
-              <a:rPr lang="en-US" altLang="en-US" sz="1800" dirty="0">
-                <a:latin typeface="Courier New" panose="02070309020205020404" pitchFamily="49" charset="0"/>
-                <a:cs typeface="Courier New" panose="02070309020205020404" pitchFamily="49" charset="0"/>
-              </a:rPr>
-            </a:br>
-            <a:br>
-              <a:rPr lang="en-US" altLang="en-US" sz="1800" dirty="0">
-                <a:latin typeface="Courier New" panose="02070309020205020404" pitchFamily="49" charset="0"/>
-                <a:cs typeface="Courier New" panose="02070309020205020404" pitchFamily="49" charset="0"/>
-              </a:rPr>
-            </a:br>
-            <a:r>
-              <a:rPr lang="en-US" altLang="en-US" sz="1800" dirty="0">
-                <a:latin typeface="Courier New" panose="02070309020205020404" pitchFamily="49" charset="0"/>
-                <a:cs typeface="Courier New" panose="02070309020205020404" pitchFamily="49" charset="0"/>
-              </a:rPr>
-              <a:t>        </a:t>
-            </a:r>
-            <a:r>
-              <a:rPr lang="en-US" altLang="en-US" sz="1800" dirty="0" err="1">
-                <a:latin typeface="Courier New" panose="02070309020205020404" pitchFamily="49" charset="0"/>
-                <a:cs typeface="Courier New" panose="02070309020205020404" pitchFamily="49" charset="0"/>
-              </a:rPr>
-              <a:t>self.measurements.append</a:t>
-            </a:r>
-            <a:r>
-              <a:rPr lang="en-US" altLang="en-US" sz="1800" dirty="0">
-                <a:latin typeface="Courier New" panose="02070309020205020404" pitchFamily="49" charset="0"/>
-                <a:cs typeface="Courier New" panose="02070309020205020404" pitchFamily="49" charset="0"/>
-              </a:rPr>
-              <a:t>(value)</a:t>
-            </a:r>
-            <a:br>
-              <a:rPr lang="en-US" altLang="en-US" sz="1800" dirty="0">
-                <a:latin typeface="Courier New" panose="02070309020205020404" pitchFamily="49" charset="0"/>
-                <a:cs typeface="Courier New" panose="02070309020205020404" pitchFamily="49" charset="0"/>
-              </a:rPr>
-            </a:br>
-            <a:r>
-              <a:rPr lang="en-US" altLang="en-US" sz="1800" dirty="0">
-                <a:latin typeface="Courier New" panose="02070309020205020404" pitchFamily="49" charset="0"/>
-                <a:cs typeface="Courier New" panose="02070309020205020404" pitchFamily="49" charset="0"/>
-              </a:rPr>
-              <a:t>        </a:t>
-            </a:r>
-            <a:r>
-              <a:rPr lang="en-US" altLang="en-US" sz="1800" dirty="0" err="1">
-                <a:latin typeface="Courier New" panose="02070309020205020404" pitchFamily="49" charset="0"/>
-                <a:cs typeface="Courier New" panose="02070309020205020404" pitchFamily="49" charset="0"/>
-              </a:rPr>
-              <a:t>self.times.append</a:t>
-            </a:r>
-            <a:r>
-              <a:rPr lang="en-US" altLang="en-US" sz="1800" dirty="0">
-                <a:latin typeface="Courier New" panose="02070309020205020404" pitchFamily="49" charset="0"/>
-                <a:cs typeface="Courier New" panose="02070309020205020404" pitchFamily="49" charset="0"/>
-              </a:rPr>
-              <a:t>(date)</a:t>
-            </a:r>
-          </a:p>
-        </p:txBody>
-      </p:sp>
-      <p:sp>
-        <p:nvSpPr>
-          <p:cNvPr id="4" name="Rectangular Callout 3">
-            <a:extLst>
-              <a:ext uri="{FF2B5EF4-FFF2-40B4-BE49-F238E27FC236}">
-                <a16:creationId xmlns:a16="http://schemas.microsoft.com/office/drawing/2014/main" id="{33C0F71E-CB96-4C44-A91F-B667BA16E0AF}"/>
-              </a:ext>
-            </a:extLst>
-          </p:cNvPr>
-          <p:cNvSpPr/>
-          <p:nvPr/>
-        </p:nvSpPr>
-        <p:spPr>
-          <a:xfrm>
-            <a:off x="6630991" y="4691495"/>
-            <a:ext cx="2160240" cy="793413"/>
-          </a:xfrm>
-          <a:prstGeom prst="wedgeRectCallout">
-            <a:avLst>
-              <a:gd name="adj1" fmla="val -93530"/>
-              <a:gd name="adj2" fmla="val -14548"/>
-            </a:avLst>
-          </a:prstGeom>
-        </p:spPr>
-        <p:style>
-          <a:lnRef idx="2">
-            <a:schemeClr val="accent2"/>
-          </a:lnRef>
-          <a:fillRef idx="1">
-            <a:schemeClr val="lt1"/>
-          </a:fillRef>
-          <a:effectRef idx="0">
-            <a:schemeClr val="accent2"/>
-          </a:effectRef>
-          <a:fontRef idx="minor">
-            <a:schemeClr val="dk1"/>
-          </a:fontRef>
-        </p:style>
-        <p:txBody>
-          <a:bodyPr anchor="ctr"/>
-          <a:lstStyle/>
-          <a:p>
-            <a:pPr algn="ctr" eaLnBrk="1" hangingPunct="1">
-              <a:defRPr/>
-            </a:pPr>
-            <a:r>
-              <a:rPr lang="en-GB" dirty="0"/>
-              <a:t>Still have access to the class attributes of </a:t>
-            </a:r>
-            <a:r>
-              <a:rPr lang="en-GB" dirty="0" err="1"/>
-              <a:t>DataStore</a:t>
-            </a:r>
-            <a:endParaRPr lang="en-GB" dirty="0"/>
-          </a:p>
-        </p:txBody>
-      </p:sp>
-      <p:sp>
-        <p:nvSpPr>
-          <p:cNvPr id="5" name="Rectangular Callout 4">
-            <a:extLst>
-              <a:ext uri="{FF2B5EF4-FFF2-40B4-BE49-F238E27FC236}">
-                <a16:creationId xmlns:a16="http://schemas.microsoft.com/office/drawing/2014/main" id="{4DE9E43F-7701-6646-9D64-145A8D8F5514}"/>
-              </a:ext>
-            </a:extLst>
-          </p:cNvPr>
-          <p:cNvSpPr/>
-          <p:nvPr/>
-        </p:nvSpPr>
-        <p:spPr>
-          <a:xfrm>
-            <a:off x="6876256" y="2404440"/>
-            <a:ext cx="2160240" cy="793413"/>
-          </a:xfrm>
-          <a:prstGeom prst="wedgeRectCallout">
-            <a:avLst>
-              <a:gd name="adj1" fmla="val -95432"/>
-              <a:gd name="adj2" fmla="val -6778"/>
-            </a:avLst>
-          </a:prstGeom>
-        </p:spPr>
-        <p:style>
-          <a:lnRef idx="2">
-            <a:schemeClr val="accent2"/>
-          </a:lnRef>
-          <a:fillRef idx="1">
-            <a:schemeClr val="lt1"/>
-          </a:fillRef>
-          <a:effectRef idx="0">
-            <a:schemeClr val="accent2"/>
-          </a:effectRef>
-          <a:fontRef idx="minor">
-            <a:schemeClr val="dk1"/>
-          </a:fontRef>
-        </p:style>
-        <p:txBody>
-          <a:bodyPr anchor="ctr"/>
-          <a:lstStyle/>
-          <a:p>
-            <a:pPr algn="ctr" eaLnBrk="1" hangingPunct="1">
-              <a:defRPr/>
-            </a:pPr>
-            <a:r>
-              <a:rPr lang="en-GB" dirty="0"/>
-              <a:t>Same method signature</a:t>
-            </a:r>
-          </a:p>
-        </p:txBody>
-      </p:sp>
-    </p:spTree>
-    <p:extLst>
-      <p:ext uri="{BB962C8B-B14F-4D97-AF65-F5344CB8AC3E}">
-        <p14:creationId xmlns:p14="http://schemas.microsoft.com/office/powerpoint/2010/main" val="3992586241"/>
-      </p:ext>
-    </p:extLst>
-  </p:cSld>
-  <p:clrMapOvr>
-    <a:masterClrMapping/>
-  </p:clrMapOvr>
-  <p:timing>
-    <p:tnLst>
-      <p:par>
-        <p:cTn id="1" dur="indefinite" restart="never" nodeType="tmRoot">
-          <p:childTnLst>
-            <p:seq concurrent="1" nextAc="seek">
-              <p:cTn id="2" dur="indefinite" nodeType="mainSeq">
-                <p:childTnLst>
-                  <p:par>
-                    <p:cTn id="3" fill="hold">
-                      <p:stCondLst>
-                        <p:cond delay="indefinite"/>
-                      </p:stCondLst>
-                      <p:childTnLst>
-                        <p:par>
-                          <p:cTn id="4" fill="hold">
-                            <p:stCondLst>
-                              <p:cond delay="0"/>
-                            </p:stCondLst>
-                            <p:childTnLst>
-                              <p:par>
-                                <p:cTn id="5" presetID="1" presetClass="entr" presetSubtype="0" fill="hold" grpId="0" nodeType="clickEffect">
-                                  <p:stCondLst>
-                                    <p:cond delay="0"/>
-                                  </p:stCondLst>
-                                  <p:childTnLst>
-                                    <p:set>
-                                      <p:cBhvr>
-                                        <p:cTn id="6" dur="1" fill="hold">
-                                          <p:stCondLst>
-                                            <p:cond delay="0"/>
-                                          </p:stCondLst>
-                                        </p:cTn>
-                                        <p:tgtEl>
-                                          <p:spTgt spid="5"/>
-                                        </p:tgtEl>
-                                        <p:attrNameLst>
-                                          <p:attrName>style.visibility</p:attrName>
-                                        </p:attrNameLst>
-                                      </p:cBhvr>
-                                      <p:to>
-                                        <p:strVal val="visible"/>
-                                      </p:to>
-                                    </p:set>
-                                  </p:childTnLst>
-                                </p:cTn>
-                              </p:par>
-                            </p:childTnLst>
-                          </p:cTn>
-                        </p:par>
-                      </p:childTnLst>
-                    </p:cTn>
-                  </p:par>
-                  <p:par>
-                    <p:cTn id="7" fill="hold">
-                      <p:stCondLst>
-                        <p:cond delay="indefinite"/>
-                      </p:stCondLst>
-                      <p:childTnLst>
-                        <p:par>
-                          <p:cTn id="8" fill="hold">
-                            <p:stCondLst>
-                              <p:cond delay="0"/>
-                            </p:stCondLst>
-                            <p:childTnLst>
-                              <p:par>
-                                <p:cTn id="9" presetID="1" presetClass="entr" presetSubtype="0" fill="hold" grpId="0" nodeType="clickEffect">
-                                  <p:stCondLst>
-                                    <p:cond delay="0"/>
-                                  </p:stCondLst>
-                                  <p:childTnLst>
-                                    <p:set>
-                                      <p:cBhvr>
-                                        <p:cTn id="10" dur="1" fill="hold">
-                                          <p:stCondLst>
-                                            <p:cond delay="0"/>
-                                          </p:stCondLst>
-                                        </p:cTn>
-                                        <p:tgtEl>
-                                          <p:spTgt spid="4"/>
-                                        </p:tgtEl>
-                                        <p:attrNameLst>
-                                          <p:attrName>style.visibility</p:attrName>
-                                        </p:attrNameLst>
-                                      </p:cBhvr>
-                                      <p:to>
-                                        <p:strVal val="visible"/>
-                                      </p:to>
-                                    </p:set>
-                                  </p:childTnLst>
-                                </p:cTn>
-                              </p:par>
-                            </p:childTnLst>
-                          </p:cTn>
-                        </p:par>
-                      </p:childTnLst>
-                    </p:cTn>
-                  </p:par>
-                </p:childTnLst>
-              </p:cTn>
-              <p:prevCondLst>
-                <p:cond evt="onPrev" delay="0">
-                  <p:tgtEl>
-                    <p:sldTgt/>
-                  </p:tgtEl>
-                </p:cond>
-              </p:prevCondLst>
-              <p:nextCondLst>
-                <p:cond evt="onNext" delay="0">
-                  <p:tgtEl>
-                    <p:sldTgt/>
-                  </p:tgtEl>
-                </p:cond>
-              </p:nextCondLst>
-            </p:seq>
-          </p:childTnLst>
-        </p:cTn>
-      </p:par>
-    </p:tnLst>
-    <p:bldLst>
-      <p:bldP spid="4" grpId="0" animBg="1"/>
-      <p:bldP spid="5" grpId="0" animBg="1"/>
-    </p:bldLst>
-  </p:timing>
-</p:sld>
-</file>
-
-<file path=ppt/slides/slide35.xml><?xml version="1.0" encoding="utf-8"?>
-<p:sld xmlns:a="http://schemas.openxmlformats.org/drawingml/2006/main" xmlns:r="http://schemas.openxmlformats.org/officeDocument/2006/relationships" xmlns:p="http://schemas.openxmlformats.org/presentationml/2006/main">
-  <p:cSld>
-    <p:spTree>
-      <p:nvGrpSpPr>
-        <p:cNvPr id="1" name=""/>
-        <p:cNvGrpSpPr/>
-        <p:nvPr/>
-      </p:nvGrpSpPr>
-      <p:grpSpPr>
-        <a:xfrm>
-          <a:off x="0" y="0"/>
-          <a:ext cx="0" cy="0"/>
-          <a:chOff x="0" y="0"/>
-          <a:chExt cx="0" cy="0"/>
-        </a:xfrm>
-      </p:grpSpPr>
-      <p:sp>
-        <p:nvSpPr>
-          <p:cNvPr id="20482" name="Title 1"/>
-          <p:cNvSpPr>
-            <a:spLocks noGrp="1"/>
-          </p:cNvSpPr>
-          <p:nvPr>
-            <p:ph type="title" idx="4294967295"/>
-          </p:nvPr>
-        </p:nvSpPr>
-        <p:spPr>
-          <a:xfrm>
-            <a:off x="374650" y="274638"/>
-            <a:ext cx="8229600" cy="1143000"/>
-          </a:xfrm>
-        </p:spPr>
-        <p:txBody>
-          <a:bodyPr/>
-          <a:lstStyle/>
-          <a:p>
-            <a:r>
-              <a:rPr lang="en-GB" altLang="en-US" dirty="0"/>
-              <a:t>Inheritance</a:t>
-            </a:r>
-          </a:p>
-        </p:txBody>
-      </p:sp>
-      <p:sp>
-        <p:nvSpPr>
-          <p:cNvPr id="20483" name="Text Box 2"/>
-          <p:cNvSpPr txBox="1">
-            <a:spLocks noChangeArrowheads="1"/>
-          </p:cNvSpPr>
-          <p:nvPr/>
-        </p:nvSpPr>
-        <p:spPr bwMode="auto">
-          <a:xfrm>
-            <a:off x="611981" y="4796710"/>
-            <a:ext cx="7920038" cy="1008554"/>
-          </a:xfrm>
-          <a:prstGeom prst="rect">
-            <a:avLst/>
-          </a:prstGeom>
-          <a:noFill/>
-          <a:ln>
-            <a:noFill/>
-          </a:ln>
-          <a:extLst>
-            <a:ext uri="{909E8E84-426E-40DD-AFC4-6F175D3DCCD1}">
-              <a14:hiddenFill xmlns:a14="http://schemas.microsoft.com/office/drawing/2010/main">
-                <a:solidFill>
-                  <a:srgbClr val="FFFFFF"/>
-                </a:solidFill>
-              </a14:hiddenFill>
-            </a:ext>
-            <a:ext uri="{91240B29-F687-4F45-9708-019B960494DF}">
-              <a14:hiddenLine xmlns:a14="http://schemas.microsoft.com/office/drawing/2010/main" w="9525">
-                <a:solidFill>
-                  <a:srgbClr val="000000"/>
-                </a:solidFill>
-                <a:round/>
-                <a:headEnd/>
-                <a:tailEnd/>
-              </a14:hiddenLine>
-            </a:ext>
-          </a:extLst>
-        </p:spPr>
-        <p:txBody>
-          <a:bodyPr wrap="none" lIns="81639" tIns="40820" rIns="81639" bIns="40820"/>
-          <a:lstStyle>
-            <a:lvl1pPr>
-              <a:lnSpc>
-                <a:spcPct val="90000"/>
-              </a:lnSpc>
-              <a:spcBef>
-                <a:spcPts val="1000"/>
-              </a:spcBef>
-              <a:buFont typeface="Arial" panose="020B0604020202020204" pitchFamily="34" charset="0"/>
-              <a:buChar char="•"/>
-              <a:tabLst>
-                <a:tab pos="655638" algn="l"/>
-                <a:tab pos="1312863" algn="l"/>
-                <a:tab pos="1968500" algn="l"/>
-                <a:tab pos="2625725" algn="l"/>
-                <a:tab pos="3282950" algn="l"/>
-                <a:tab pos="3938588" algn="l"/>
-                <a:tab pos="4595813" algn="l"/>
-                <a:tab pos="5253038" algn="l"/>
-                <a:tab pos="5908675" algn="l"/>
-                <a:tab pos="6565900" algn="l"/>
-                <a:tab pos="7223125" algn="l"/>
-              </a:tabLst>
-              <a:defRPr sz="2800">
-                <a:solidFill>
-                  <a:schemeClr val="tx1"/>
-                </a:solidFill>
-                <a:latin typeface="Calibri" panose="020F0502020204030204" pitchFamily="34" charset="0"/>
-              </a:defRPr>
-            </a:lvl1pPr>
-            <a:lvl2pPr marL="742950" indent="-285750">
-              <a:lnSpc>
-                <a:spcPct val="90000"/>
-              </a:lnSpc>
-              <a:spcBef>
-                <a:spcPts val="500"/>
-              </a:spcBef>
-              <a:buFont typeface="Arial" panose="020B0604020202020204" pitchFamily="34" charset="0"/>
-              <a:buChar char="•"/>
-              <a:tabLst>
-                <a:tab pos="655638" algn="l"/>
-                <a:tab pos="1312863" algn="l"/>
-                <a:tab pos="1968500" algn="l"/>
-                <a:tab pos="2625725" algn="l"/>
-                <a:tab pos="3282950" algn="l"/>
-                <a:tab pos="3938588" algn="l"/>
-                <a:tab pos="4595813" algn="l"/>
-                <a:tab pos="5253038" algn="l"/>
-                <a:tab pos="5908675" algn="l"/>
-                <a:tab pos="6565900" algn="l"/>
-                <a:tab pos="7223125" algn="l"/>
-              </a:tabLst>
-              <a:defRPr sz="2400">
-                <a:solidFill>
-                  <a:schemeClr val="tx1"/>
-                </a:solidFill>
-                <a:latin typeface="Calibri" panose="020F0502020204030204" pitchFamily="34" charset="0"/>
-              </a:defRPr>
-            </a:lvl2pPr>
-            <a:lvl3pPr marL="1143000" indent="-228600">
-              <a:lnSpc>
-                <a:spcPct val="90000"/>
-              </a:lnSpc>
-              <a:spcBef>
-                <a:spcPts val="500"/>
-              </a:spcBef>
-              <a:buFont typeface="Arial" panose="020B0604020202020204" pitchFamily="34" charset="0"/>
-              <a:buChar char="•"/>
-              <a:tabLst>
-                <a:tab pos="655638" algn="l"/>
-                <a:tab pos="1312863" algn="l"/>
-                <a:tab pos="1968500" algn="l"/>
-                <a:tab pos="2625725" algn="l"/>
-                <a:tab pos="3282950" algn="l"/>
-                <a:tab pos="3938588" algn="l"/>
-                <a:tab pos="4595813" algn="l"/>
-                <a:tab pos="5253038" algn="l"/>
-                <a:tab pos="5908675" algn="l"/>
-                <a:tab pos="6565900" algn="l"/>
-                <a:tab pos="7223125" algn="l"/>
-              </a:tabLst>
-              <a:defRPr sz="2000">
-                <a:solidFill>
-                  <a:schemeClr val="tx1"/>
-                </a:solidFill>
-                <a:latin typeface="Calibri" panose="020F0502020204030204" pitchFamily="34" charset="0"/>
-              </a:defRPr>
-            </a:lvl3pPr>
-            <a:lvl4pPr marL="1600200" indent="-228600">
-              <a:lnSpc>
-                <a:spcPct val="90000"/>
-              </a:lnSpc>
-              <a:spcBef>
-                <a:spcPts val="500"/>
-              </a:spcBef>
-              <a:buFont typeface="Arial" panose="020B0604020202020204" pitchFamily="34" charset="0"/>
-              <a:buChar char="•"/>
-              <a:tabLst>
-                <a:tab pos="655638" algn="l"/>
-                <a:tab pos="1312863" algn="l"/>
-                <a:tab pos="1968500" algn="l"/>
-                <a:tab pos="2625725" algn="l"/>
-                <a:tab pos="3282950" algn="l"/>
-                <a:tab pos="3938588" algn="l"/>
-                <a:tab pos="4595813" algn="l"/>
-                <a:tab pos="5253038" algn="l"/>
-                <a:tab pos="5908675" algn="l"/>
-                <a:tab pos="6565900" algn="l"/>
-                <a:tab pos="7223125" algn="l"/>
-              </a:tabLst>
-              <a:defRPr>
-                <a:solidFill>
-                  <a:schemeClr val="tx1"/>
-                </a:solidFill>
-                <a:latin typeface="Calibri" panose="020F0502020204030204" pitchFamily="34" charset="0"/>
-              </a:defRPr>
-            </a:lvl4pPr>
-            <a:lvl5pPr marL="2057400" indent="-228600">
-              <a:lnSpc>
-                <a:spcPct val="90000"/>
-              </a:lnSpc>
-              <a:spcBef>
-                <a:spcPts val="500"/>
-              </a:spcBef>
-              <a:buFont typeface="Arial" panose="020B0604020202020204" pitchFamily="34" charset="0"/>
-              <a:buChar char="•"/>
-              <a:tabLst>
-                <a:tab pos="655638" algn="l"/>
-                <a:tab pos="1312863" algn="l"/>
-                <a:tab pos="1968500" algn="l"/>
-                <a:tab pos="2625725" algn="l"/>
-                <a:tab pos="3282950" algn="l"/>
-                <a:tab pos="3938588" algn="l"/>
-                <a:tab pos="4595813" algn="l"/>
-                <a:tab pos="5253038" algn="l"/>
-                <a:tab pos="5908675" algn="l"/>
-                <a:tab pos="6565900" algn="l"/>
-                <a:tab pos="7223125" algn="l"/>
-              </a:tabLst>
-              <a:defRPr>
-                <a:solidFill>
-                  <a:schemeClr val="tx1"/>
-                </a:solidFill>
-                <a:latin typeface="Calibri" panose="020F0502020204030204" pitchFamily="34" charset="0"/>
-              </a:defRPr>
-            </a:lvl5pPr>
-            <a:lvl6pPr marL="2514600" indent="-228600" fontAlgn="base">
-              <a:lnSpc>
-                <a:spcPct val="90000"/>
-              </a:lnSpc>
-              <a:spcBef>
-                <a:spcPts val="500"/>
-              </a:spcBef>
-              <a:spcAft>
-                <a:spcPct val="0"/>
-              </a:spcAft>
-              <a:buFont typeface="Arial" panose="020B0604020202020204" pitchFamily="34" charset="0"/>
-              <a:buChar char="•"/>
-              <a:tabLst>
-                <a:tab pos="655638" algn="l"/>
-                <a:tab pos="1312863" algn="l"/>
-                <a:tab pos="1968500" algn="l"/>
-                <a:tab pos="2625725" algn="l"/>
-                <a:tab pos="3282950" algn="l"/>
-                <a:tab pos="3938588" algn="l"/>
-                <a:tab pos="4595813" algn="l"/>
-                <a:tab pos="5253038" algn="l"/>
-                <a:tab pos="5908675" algn="l"/>
-                <a:tab pos="6565900" algn="l"/>
-                <a:tab pos="7223125" algn="l"/>
-              </a:tabLst>
-              <a:defRPr>
-                <a:solidFill>
-                  <a:schemeClr val="tx1"/>
-                </a:solidFill>
-                <a:latin typeface="Calibri" panose="020F0502020204030204" pitchFamily="34" charset="0"/>
-              </a:defRPr>
-            </a:lvl6pPr>
-            <a:lvl7pPr marL="2971800" indent="-228600" fontAlgn="base">
-              <a:lnSpc>
-                <a:spcPct val="90000"/>
-              </a:lnSpc>
-              <a:spcBef>
-                <a:spcPts val="500"/>
-              </a:spcBef>
-              <a:spcAft>
-                <a:spcPct val="0"/>
-              </a:spcAft>
-              <a:buFont typeface="Arial" panose="020B0604020202020204" pitchFamily="34" charset="0"/>
-              <a:buChar char="•"/>
-              <a:tabLst>
-                <a:tab pos="655638" algn="l"/>
-                <a:tab pos="1312863" algn="l"/>
-                <a:tab pos="1968500" algn="l"/>
-                <a:tab pos="2625725" algn="l"/>
-                <a:tab pos="3282950" algn="l"/>
-                <a:tab pos="3938588" algn="l"/>
-                <a:tab pos="4595813" algn="l"/>
-                <a:tab pos="5253038" algn="l"/>
-                <a:tab pos="5908675" algn="l"/>
-                <a:tab pos="6565900" algn="l"/>
-                <a:tab pos="7223125" algn="l"/>
-              </a:tabLst>
-              <a:defRPr>
-                <a:solidFill>
-                  <a:schemeClr val="tx1"/>
-                </a:solidFill>
-                <a:latin typeface="Calibri" panose="020F0502020204030204" pitchFamily="34" charset="0"/>
-              </a:defRPr>
-            </a:lvl7pPr>
-            <a:lvl8pPr marL="3429000" indent="-228600" fontAlgn="base">
-              <a:lnSpc>
-                <a:spcPct val="90000"/>
-              </a:lnSpc>
-              <a:spcBef>
-                <a:spcPts val="500"/>
-              </a:spcBef>
-              <a:spcAft>
-                <a:spcPct val="0"/>
-              </a:spcAft>
-              <a:buFont typeface="Arial" panose="020B0604020202020204" pitchFamily="34" charset="0"/>
-              <a:buChar char="•"/>
-              <a:tabLst>
-                <a:tab pos="655638" algn="l"/>
-                <a:tab pos="1312863" algn="l"/>
-                <a:tab pos="1968500" algn="l"/>
-                <a:tab pos="2625725" algn="l"/>
-                <a:tab pos="3282950" algn="l"/>
-                <a:tab pos="3938588" algn="l"/>
-                <a:tab pos="4595813" algn="l"/>
-                <a:tab pos="5253038" algn="l"/>
-                <a:tab pos="5908675" algn="l"/>
-                <a:tab pos="6565900" algn="l"/>
-                <a:tab pos="7223125" algn="l"/>
-              </a:tabLst>
-              <a:defRPr>
-                <a:solidFill>
-                  <a:schemeClr val="tx1"/>
-                </a:solidFill>
-                <a:latin typeface="Calibri" panose="020F0502020204030204" pitchFamily="34" charset="0"/>
-              </a:defRPr>
-            </a:lvl8pPr>
-            <a:lvl9pPr marL="3886200" indent="-228600" fontAlgn="base">
-              <a:lnSpc>
-                <a:spcPct val="90000"/>
-              </a:lnSpc>
-              <a:spcBef>
-                <a:spcPts val="500"/>
-              </a:spcBef>
-              <a:spcAft>
-                <a:spcPct val="0"/>
-              </a:spcAft>
-              <a:buFont typeface="Arial" panose="020B0604020202020204" pitchFamily="34" charset="0"/>
-              <a:buChar char="•"/>
-              <a:tabLst>
-                <a:tab pos="655638" algn="l"/>
-                <a:tab pos="1312863" algn="l"/>
-                <a:tab pos="1968500" algn="l"/>
-                <a:tab pos="2625725" algn="l"/>
-                <a:tab pos="3282950" algn="l"/>
-                <a:tab pos="3938588" algn="l"/>
-                <a:tab pos="4595813" algn="l"/>
-                <a:tab pos="5253038" algn="l"/>
-                <a:tab pos="5908675" algn="l"/>
-                <a:tab pos="6565900" algn="l"/>
-                <a:tab pos="7223125" algn="l"/>
-              </a:tabLst>
-              <a:defRPr>
-                <a:solidFill>
-                  <a:schemeClr val="tx1"/>
-                </a:solidFill>
-                <a:latin typeface="Calibri" panose="020F0502020204030204" pitchFamily="34" charset="0"/>
-              </a:defRPr>
-            </a:lvl9pPr>
-          </a:lstStyle>
-          <a:p>
-            <a:pPr eaLnBrk="1" hangingPunct="1">
-              <a:lnSpc>
-                <a:spcPct val="125000"/>
-              </a:lnSpc>
-              <a:spcBef>
-                <a:spcPct val="0"/>
-              </a:spcBef>
-              <a:buFontTx/>
-              <a:buNone/>
-            </a:pPr>
-            <a:r>
-              <a:rPr lang="en-US" altLang="en-US" sz="2200" dirty="0" err="1"/>
-              <a:t>TemperatureStore</a:t>
-            </a:r>
-            <a:r>
-              <a:rPr lang="en-US" altLang="en-US" sz="2200" dirty="0"/>
-              <a:t> </a:t>
-            </a:r>
-            <a:r>
-              <a:rPr lang="en-US" altLang="en-US" sz="2200" b="1" dirty="0"/>
-              <a:t>inherits </a:t>
-            </a:r>
-            <a:r>
-              <a:rPr lang="en-US" altLang="en-US" sz="2200" dirty="0"/>
-              <a:t>from </a:t>
-            </a:r>
-            <a:r>
-              <a:rPr lang="en-US" altLang="en-US" sz="2200" dirty="0" err="1"/>
-              <a:t>DataStore</a:t>
-            </a:r>
-            <a:endParaRPr lang="en-US" altLang="en-US" sz="2200" dirty="0"/>
-          </a:p>
-          <a:p>
-            <a:pPr eaLnBrk="1" hangingPunct="1">
-              <a:lnSpc>
-                <a:spcPct val="125000"/>
-              </a:lnSpc>
-              <a:spcBef>
-                <a:spcPct val="0"/>
-              </a:spcBef>
-              <a:buFontTx/>
-              <a:buNone/>
-            </a:pPr>
-            <a:r>
-              <a:rPr lang="en-US" altLang="en-US" sz="2200" dirty="0" err="1"/>
-              <a:t>TemperatureStore</a:t>
-            </a:r>
-            <a:r>
-              <a:rPr lang="en-US" altLang="en-US" sz="2200" dirty="0"/>
-              <a:t> </a:t>
-            </a:r>
-            <a:r>
-              <a:rPr lang="en-US" altLang="en-US" sz="2200" b="1" dirty="0"/>
-              <a:t>is-a</a:t>
-            </a:r>
-            <a:r>
-              <a:rPr lang="en-US" altLang="en-US" sz="2200" dirty="0"/>
-              <a:t> </a:t>
-            </a:r>
-            <a:r>
-              <a:rPr lang="en-US" altLang="en-US" sz="2200" dirty="0" err="1"/>
-              <a:t>DataStore</a:t>
-            </a:r>
-            <a:endParaRPr lang="en-US" altLang="en-US" sz="2200" dirty="0"/>
-          </a:p>
-          <a:p>
-            <a:pPr eaLnBrk="1" hangingPunct="1">
-              <a:lnSpc>
-                <a:spcPct val="125000"/>
-              </a:lnSpc>
-              <a:spcBef>
-                <a:spcPct val="0"/>
-              </a:spcBef>
-              <a:buFontTx/>
-              <a:buNone/>
-            </a:pPr>
-            <a:endParaRPr lang="en-US" altLang="en-US" sz="1800" dirty="0"/>
-          </a:p>
-        </p:txBody>
-      </p:sp>
-      <p:grpSp>
-        <p:nvGrpSpPr>
-          <p:cNvPr id="5" name="Group 4">
-            <a:extLst>
-              <a:ext uri="{FF2B5EF4-FFF2-40B4-BE49-F238E27FC236}">
-                <a16:creationId xmlns:a16="http://schemas.microsoft.com/office/drawing/2014/main" id="{3E8571B7-8E66-D34D-B330-179DC6C9567A}"/>
-              </a:ext>
-            </a:extLst>
-          </p:cNvPr>
-          <p:cNvGrpSpPr/>
-          <p:nvPr/>
-        </p:nvGrpSpPr>
-        <p:grpSpPr>
-          <a:xfrm>
-            <a:off x="1691457" y="1124744"/>
-            <a:ext cx="5761086" cy="3314206"/>
-            <a:chOff x="1691457" y="1124744"/>
-            <a:chExt cx="5761086" cy="3314206"/>
-          </a:xfrm>
-        </p:grpSpPr>
-        <p:pic>
-          <p:nvPicPr>
-            <p:cNvPr id="2" name="Picture 1">
-              <a:extLst>
-                <a:ext uri="{FF2B5EF4-FFF2-40B4-BE49-F238E27FC236}">
-                  <a16:creationId xmlns:a16="http://schemas.microsoft.com/office/drawing/2014/main" id="{C1257767-ED91-174C-8F6C-3BD5063371C6}"/>
-                </a:ext>
-              </a:extLst>
-            </p:cNvPr>
-            <p:cNvPicPr>
-              <a:picLocks noChangeAspect="1"/>
-            </p:cNvPicPr>
-            <p:nvPr/>
-          </p:nvPicPr>
-          <p:blipFill>
-            <a:blip r:embed="rId2"/>
-            <a:stretch>
-              <a:fillRect/>
-            </a:stretch>
-          </p:blipFill>
-          <p:spPr>
-            <a:xfrm>
-              <a:off x="1691457" y="1124744"/>
-              <a:ext cx="5761086" cy="3314206"/>
-            </a:xfrm>
-            <a:prstGeom prst="rect">
-              <a:avLst/>
-            </a:prstGeom>
-          </p:spPr>
-        </p:pic>
-        <p:sp>
-          <p:nvSpPr>
-            <p:cNvPr id="3" name="TextBox 2">
-              <a:extLst>
-                <a:ext uri="{FF2B5EF4-FFF2-40B4-BE49-F238E27FC236}">
-                  <a16:creationId xmlns:a16="http://schemas.microsoft.com/office/drawing/2014/main" id="{BB20CBD8-F096-C544-90C6-5ABEB873C944}"/>
-                </a:ext>
-              </a:extLst>
-            </p:cNvPr>
-            <p:cNvSpPr txBox="1"/>
-            <p:nvPr/>
-          </p:nvSpPr>
-          <p:spPr>
-            <a:xfrm>
-              <a:off x="2433750" y="1271220"/>
-              <a:ext cx="4454305" cy="307777"/>
-            </a:xfrm>
-            <a:prstGeom prst="rect">
-              <a:avLst/>
-            </a:prstGeom>
-            <a:solidFill>
-              <a:srgbClr val="DCDBB3"/>
-            </a:solidFill>
-          </p:spPr>
-          <p:txBody>
-            <a:bodyPr wrap="square" rtlCol="0">
-              <a:spAutoFit/>
-            </a:bodyPr>
-            <a:lstStyle/>
-            <a:p>
-              <a:r>
-                <a:rPr lang="en-GB" sz="1400" dirty="0" err="1">
-                  <a:solidFill>
-                    <a:srgbClr val="D87665"/>
-                  </a:solidFill>
-                </a:rPr>
-                <a:t>DataStore</a:t>
-              </a:r>
-              <a:endParaRPr lang="en-GB" sz="1600" dirty="0">
-                <a:solidFill>
-                  <a:srgbClr val="D87665"/>
-                </a:solidFill>
-              </a:endParaRPr>
-            </a:p>
-          </p:txBody>
-        </p:sp>
-        <p:sp>
-          <p:nvSpPr>
-            <p:cNvPr id="6" name="TextBox 5">
-              <a:extLst>
-                <a:ext uri="{FF2B5EF4-FFF2-40B4-BE49-F238E27FC236}">
-                  <a16:creationId xmlns:a16="http://schemas.microsoft.com/office/drawing/2014/main" id="{10F039E2-158D-9244-B82E-7FC3CE8D8613}"/>
-                </a:ext>
-              </a:extLst>
-            </p:cNvPr>
-            <p:cNvSpPr txBox="1"/>
-            <p:nvPr/>
-          </p:nvSpPr>
-          <p:spPr>
-            <a:xfrm>
-              <a:off x="2136796" y="3719852"/>
-              <a:ext cx="5048212" cy="307777"/>
-            </a:xfrm>
-            <a:prstGeom prst="rect">
-              <a:avLst/>
-            </a:prstGeom>
-            <a:solidFill>
-              <a:srgbClr val="DCDBB3"/>
-            </a:solidFill>
-          </p:spPr>
-          <p:txBody>
-            <a:bodyPr wrap="square" rtlCol="0">
-              <a:spAutoFit/>
-            </a:bodyPr>
-            <a:lstStyle/>
-            <a:p>
-              <a:r>
-                <a:rPr lang="en-GB" sz="1400" dirty="0" err="1">
-                  <a:solidFill>
-                    <a:srgbClr val="D87665"/>
-                  </a:solidFill>
-                </a:rPr>
-                <a:t>TemperatureStore</a:t>
-              </a:r>
-              <a:endParaRPr lang="en-GB" sz="1600" dirty="0">
-                <a:solidFill>
-                  <a:srgbClr val="D87665"/>
-                </a:solidFill>
-              </a:endParaRPr>
-            </a:p>
-          </p:txBody>
-        </p:sp>
-      </p:grpSp>
-    </p:spTree>
-    <p:extLst>
-      <p:ext uri="{BB962C8B-B14F-4D97-AF65-F5344CB8AC3E}">
-        <p14:creationId xmlns:p14="http://schemas.microsoft.com/office/powerpoint/2010/main" val="4061816038"/>
-      </p:ext>
-    </p:extLst>
-  </p:cSld>
-  <p:clrMapOvr>
-    <a:masterClrMapping/>
-  </p:clrMapOvr>
-</p:sld>
-</file>
-
-<file path=ppt/slides/slide36.xml><?xml version="1.0" encoding="utf-8"?>
-<p:sld xmlns:a="http://schemas.openxmlformats.org/drawingml/2006/main" xmlns:r="http://schemas.openxmlformats.org/officeDocument/2006/relationships" xmlns:p="http://schemas.openxmlformats.org/presentationml/2006/main">
-  <p:cSld>
-    <p:spTree>
-      <p:nvGrpSpPr>
-        <p:cNvPr id="1" name=""/>
-        <p:cNvGrpSpPr/>
-        <p:nvPr/>
-      </p:nvGrpSpPr>
-      <p:grpSpPr>
-        <a:xfrm>
-          <a:off x="0" y="0"/>
-          <a:ext cx="0" cy="0"/>
-          <a:chOff x="0" y="0"/>
-          <a:chExt cx="0" cy="0"/>
-        </a:xfrm>
-      </p:grpSpPr>
-      <p:sp>
-        <p:nvSpPr>
-          <p:cNvPr id="20482" name="Title 1"/>
-          <p:cNvSpPr>
-            <a:spLocks noGrp="1"/>
-          </p:cNvSpPr>
-          <p:nvPr>
-            <p:ph type="title" idx="4294967295"/>
-          </p:nvPr>
-        </p:nvSpPr>
-        <p:spPr>
-          <a:xfrm>
-            <a:off x="374650" y="274638"/>
-            <a:ext cx="8229600" cy="1143000"/>
-          </a:xfrm>
-        </p:spPr>
-        <p:txBody>
-          <a:bodyPr/>
-          <a:lstStyle/>
-          <a:p>
-            <a:r>
-              <a:rPr lang="en-GB" altLang="en-US" dirty="0"/>
-              <a:t>Inheritance</a:t>
-            </a:r>
-          </a:p>
-        </p:txBody>
-      </p:sp>
-      <p:sp>
-        <p:nvSpPr>
-          <p:cNvPr id="20483" name="Text Box 2"/>
-          <p:cNvSpPr txBox="1">
-            <a:spLocks noChangeArrowheads="1"/>
-          </p:cNvSpPr>
-          <p:nvPr/>
-        </p:nvSpPr>
-        <p:spPr bwMode="auto">
-          <a:xfrm>
-            <a:off x="374650" y="1417638"/>
-            <a:ext cx="7920038" cy="4171602"/>
-          </a:xfrm>
-          <a:prstGeom prst="rect">
-            <a:avLst/>
-          </a:prstGeom>
-          <a:noFill/>
-          <a:ln>
-            <a:noFill/>
-          </a:ln>
-          <a:extLst>
-            <a:ext uri="{909E8E84-426E-40DD-AFC4-6F175D3DCCD1}">
-              <a14:hiddenFill xmlns:a14="http://schemas.microsoft.com/office/drawing/2010/main">
-                <a:solidFill>
-                  <a:srgbClr val="FFFFFF"/>
-                </a:solidFill>
-              </a14:hiddenFill>
-            </a:ext>
-            <a:ext uri="{91240B29-F687-4F45-9708-019B960494DF}">
-              <a14:hiddenLine xmlns:a14="http://schemas.microsoft.com/office/drawing/2010/main" w="9525">
-                <a:solidFill>
-                  <a:srgbClr val="000000"/>
-                </a:solidFill>
-                <a:round/>
-                <a:headEnd/>
-                <a:tailEnd/>
-              </a14:hiddenLine>
-            </a:ext>
-          </a:extLst>
-        </p:spPr>
-        <p:txBody>
-          <a:bodyPr wrap="none" lIns="81639" tIns="40820" rIns="81639" bIns="40820"/>
-          <a:lstStyle>
-            <a:lvl1pPr>
-              <a:lnSpc>
-                <a:spcPct val="90000"/>
-              </a:lnSpc>
-              <a:spcBef>
-                <a:spcPts val="1000"/>
-              </a:spcBef>
-              <a:buFont typeface="Arial" panose="020B0604020202020204" pitchFamily="34" charset="0"/>
-              <a:buChar char="•"/>
-              <a:tabLst>
-                <a:tab pos="655638" algn="l"/>
-                <a:tab pos="1312863" algn="l"/>
-                <a:tab pos="1968500" algn="l"/>
-                <a:tab pos="2625725" algn="l"/>
-                <a:tab pos="3282950" algn="l"/>
-                <a:tab pos="3938588" algn="l"/>
-                <a:tab pos="4595813" algn="l"/>
-                <a:tab pos="5253038" algn="l"/>
-                <a:tab pos="5908675" algn="l"/>
-                <a:tab pos="6565900" algn="l"/>
-                <a:tab pos="7223125" algn="l"/>
-              </a:tabLst>
-              <a:defRPr sz="2800">
-                <a:solidFill>
-                  <a:schemeClr val="tx1"/>
-                </a:solidFill>
-                <a:latin typeface="Calibri" panose="020F0502020204030204" pitchFamily="34" charset="0"/>
-              </a:defRPr>
-            </a:lvl1pPr>
-            <a:lvl2pPr marL="742950" indent="-285750">
-              <a:lnSpc>
-                <a:spcPct val="90000"/>
-              </a:lnSpc>
-              <a:spcBef>
-                <a:spcPts val="500"/>
-              </a:spcBef>
-              <a:buFont typeface="Arial" panose="020B0604020202020204" pitchFamily="34" charset="0"/>
-              <a:buChar char="•"/>
-              <a:tabLst>
-                <a:tab pos="655638" algn="l"/>
-                <a:tab pos="1312863" algn="l"/>
-                <a:tab pos="1968500" algn="l"/>
-                <a:tab pos="2625725" algn="l"/>
-                <a:tab pos="3282950" algn="l"/>
-                <a:tab pos="3938588" algn="l"/>
-                <a:tab pos="4595813" algn="l"/>
-                <a:tab pos="5253038" algn="l"/>
-                <a:tab pos="5908675" algn="l"/>
-                <a:tab pos="6565900" algn="l"/>
-                <a:tab pos="7223125" algn="l"/>
-              </a:tabLst>
-              <a:defRPr sz="2400">
-                <a:solidFill>
-                  <a:schemeClr val="tx1"/>
-                </a:solidFill>
-                <a:latin typeface="Calibri" panose="020F0502020204030204" pitchFamily="34" charset="0"/>
-              </a:defRPr>
-            </a:lvl2pPr>
-            <a:lvl3pPr marL="1143000" indent="-228600">
-              <a:lnSpc>
-                <a:spcPct val="90000"/>
-              </a:lnSpc>
-              <a:spcBef>
-                <a:spcPts val="500"/>
-              </a:spcBef>
-              <a:buFont typeface="Arial" panose="020B0604020202020204" pitchFamily="34" charset="0"/>
-              <a:buChar char="•"/>
-              <a:tabLst>
-                <a:tab pos="655638" algn="l"/>
-                <a:tab pos="1312863" algn="l"/>
-                <a:tab pos="1968500" algn="l"/>
-                <a:tab pos="2625725" algn="l"/>
-                <a:tab pos="3282950" algn="l"/>
-                <a:tab pos="3938588" algn="l"/>
-                <a:tab pos="4595813" algn="l"/>
-                <a:tab pos="5253038" algn="l"/>
-                <a:tab pos="5908675" algn="l"/>
-                <a:tab pos="6565900" algn="l"/>
-                <a:tab pos="7223125" algn="l"/>
-              </a:tabLst>
-              <a:defRPr sz="2000">
-                <a:solidFill>
-                  <a:schemeClr val="tx1"/>
-                </a:solidFill>
-                <a:latin typeface="Calibri" panose="020F0502020204030204" pitchFamily="34" charset="0"/>
-              </a:defRPr>
-            </a:lvl3pPr>
-            <a:lvl4pPr marL="1600200" indent="-228600">
-              <a:lnSpc>
-                <a:spcPct val="90000"/>
-              </a:lnSpc>
-              <a:spcBef>
-                <a:spcPts val="500"/>
-              </a:spcBef>
-              <a:buFont typeface="Arial" panose="020B0604020202020204" pitchFamily="34" charset="0"/>
-              <a:buChar char="•"/>
-              <a:tabLst>
-                <a:tab pos="655638" algn="l"/>
-                <a:tab pos="1312863" algn="l"/>
-                <a:tab pos="1968500" algn="l"/>
-                <a:tab pos="2625725" algn="l"/>
-                <a:tab pos="3282950" algn="l"/>
-                <a:tab pos="3938588" algn="l"/>
-                <a:tab pos="4595813" algn="l"/>
-                <a:tab pos="5253038" algn="l"/>
-                <a:tab pos="5908675" algn="l"/>
-                <a:tab pos="6565900" algn="l"/>
-                <a:tab pos="7223125" algn="l"/>
-              </a:tabLst>
-              <a:defRPr>
-                <a:solidFill>
-                  <a:schemeClr val="tx1"/>
-                </a:solidFill>
-                <a:latin typeface="Calibri" panose="020F0502020204030204" pitchFamily="34" charset="0"/>
-              </a:defRPr>
-            </a:lvl4pPr>
-            <a:lvl5pPr marL="2057400" indent="-228600">
-              <a:lnSpc>
-                <a:spcPct val="90000"/>
-              </a:lnSpc>
-              <a:spcBef>
-                <a:spcPts val="500"/>
-              </a:spcBef>
-              <a:buFont typeface="Arial" panose="020B0604020202020204" pitchFamily="34" charset="0"/>
-              <a:buChar char="•"/>
-              <a:tabLst>
-                <a:tab pos="655638" algn="l"/>
-                <a:tab pos="1312863" algn="l"/>
-                <a:tab pos="1968500" algn="l"/>
-                <a:tab pos="2625725" algn="l"/>
-                <a:tab pos="3282950" algn="l"/>
-                <a:tab pos="3938588" algn="l"/>
-                <a:tab pos="4595813" algn="l"/>
-                <a:tab pos="5253038" algn="l"/>
-                <a:tab pos="5908675" algn="l"/>
-                <a:tab pos="6565900" algn="l"/>
-                <a:tab pos="7223125" algn="l"/>
-              </a:tabLst>
-              <a:defRPr>
-                <a:solidFill>
-                  <a:schemeClr val="tx1"/>
-                </a:solidFill>
-                <a:latin typeface="Calibri" panose="020F0502020204030204" pitchFamily="34" charset="0"/>
-              </a:defRPr>
-            </a:lvl5pPr>
-            <a:lvl6pPr marL="2514600" indent="-228600" fontAlgn="base">
-              <a:lnSpc>
-                <a:spcPct val="90000"/>
-              </a:lnSpc>
-              <a:spcBef>
-                <a:spcPts val="500"/>
-              </a:spcBef>
-              <a:spcAft>
-                <a:spcPct val="0"/>
-              </a:spcAft>
-              <a:buFont typeface="Arial" panose="020B0604020202020204" pitchFamily="34" charset="0"/>
-              <a:buChar char="•"/>
-              <a:tabLst>
-                <a:tab pos="655638" algn="l"/>
-                <a:tab pos="1312863" algn="l"/>
-                <a:tab pos="1968500" algn="l"/>
-                <a:tab pos="2625725" algn="l"/>
-                <a:tab pos="3282950" algn="l"/>
-                <a:tab pos="3938588" algn="l"/>
-                <a:tab pos="4595813" algn="l"/>
-                <a:tab pos="5253038" algn="l"/>
-                <a:tab pos="5908675" algn="l"/>
-                <a:tab pos="6565900" algn="l"/>
-                <a:tab pos="7223125" algn="l"/>
-              </a:tabLst>
-              <a:defRPr>
-                <a:solidFill>
-                  <a:schemeClr val="tx1"/>
-                </a:solidFill>
-                <a:latin typeface="Calibri" panose="020F0502020204030204" pitchFamily="34" charset="0"/>
-              </a:defRPr>
-            </a:lvl6pPr>
-            <a:lvl7pPr marL="2971800" indent="-228600" fontAlgn="base">
-              <a:lnSpc>
-                <a:spcPct val="90000"/>
-              </a:lnSpc>
-              <a:spcBef>
-                <a:spcPts val="500"/>
-              </a:spcBef>
-              <a:spcAft>
-                <a:spcPct val="0"/>
-              </a:spcAft>
-              <a:buFont typeface="Arial" panose="020B0604020202020204" pitchFamily="34" charset="0"/>
-              <a:buChar char="•"/>
-              <a:tabLst>
-                <a:tab pos="655638" algn="l"/>
-                <a:tab pos="1312863" algn="l"/>
-                <a:tab pos="1968500" algn="l"/>
-                <a:tab pos="2625725" algn="l"/>
-                <a:tab pos="3282950" algn="l"/>
-                <a:tab pos="3938588" algn="l"/>
-                <a:tab pos="4595813" algn="l"/>
-                <a:tab pos="5253038" algn="l"/>
-                <a:tab pos="5908675" algn="l"/>
-                <a:tab pos="6565900" algn="l"/>
-                <a:tab pos="7223125" algn="l"/>
-              </a:tabLst>
-              <a:defRPr>
-                <a:solidFill>
-                  <a:schemeClr val="tx1"/>
-                </a:solidFill>
-                <a:latin typeface="Calibri" panose="020F0502020204030204" pitchFamily="34" charset="0"/>
-              </a:defRPr>
-            </a:lvl7pPr>
-            <a:lvl8pPr marL="3429000" indent="-228600" fontAlgn="base">
-              <a:lnSpc>
-                <a:spcPct val="90000"/>
-              </a:lnSpc>
-              <a:spcBef>
-                <a:spcPts val="500"/>
-              </a:spcBef>
-              <a:spcAft>
-                <a:spcPct val="0"/>
-              </a:spcAft>
-              <a:buFont typeface="Arial" panose="020B0604020202020204" pitchFamily="34" charset="0"/>
-              <a:buChar char="•"/>
-              <a:tabLst>
-                <a:tab pos="655638" algn="l"/>
-                <a:tab pos="1312863" algn="l"/>
-                <a:tab pos="1968500" algn="l"/>
-                <a:tab pos="2625725" algn="l"/>
-                <a:tab pos="3282950" algn="l"/>
-                <a:tab pos="3938588" algn="l"/>
-                <a:tab pos="4595813" algn="l"/>
-                <a:tab pos="5253038" algn="l"/>
-                <a:tab pos="5908675" algn="l"/>
-                <a:tab pos="6565900" algn="l"/>
-                <a:tab pos="7223125" algn="l"/>
-              </a:tabLst>
-              <a:defRPr>
-                <a:solidFill>
-                  <a:schemeClr val="tx1"/>
-                </a:solidFill>
-                <a:latin typeface="Calibri" panose="020F0502020204030204" pitchFamily="34" charset="0"/>
-              </a:defRPr>
-            </a:lvl8pPr>
-            <a:lvl9pPr marL="3886200" indent="-228600" fontAlgn="base">
-              <a:lnSpc>
-                <a:spcPct val="90000"/>
-              </a:lnSpc>
-              <a:spcBef>
-                <a:spcPts val="500"/>
-              </a:spcBef>
-              <a:spcAft>
-                <a:spcPct val="0"/>
-              </a:spcAft>
-              <a:buFont typeface="Arial" panose="020B0604020202020204" pitchFamily="34" charset="0"/>
-              <a:buChar char="•"/>
-              <a:tabLst>
-                <a:tab pos="655638" algn="l"/>
-                <a:tab pos="1312863" algn="l"/>
-                <a:tab pos="1968500" algn="l"/>
-                <a:tab pos="2625725" algn="l"/>
-                <a:tab pos="3282950" algn="l"/>
-                <a:tab pos="3938588" algn="l"/>
-                <a:tab pos="4595813" algn="l"/>
-                <a:tab pos="5253038" algn="l"/>
-                <a:tab pos="5908675" algn="l"/>
-                <a:tab pos="6565900" algn="l"/>
-                <a:tab pos="7223125" algn="l"/>
-              </a:tabLst>
-              <a:defRPr>
-                <a:solidFill>
-                  <a:schemeClr val="tx1"/>
-                </a:solidFill>
-                <a:latin typeface="Calibri" panose="020F0502020204030204" pitchFamily="34" charset="0"/>
-              </a:defRPr>
-            </a:lvl9pPr>
-          </a:lstStyle>
-          <a:p>
-            <a:pPr eaLnBrk="1" hangingPunct="1">
-              <a:lnSpc>
-                <a:spcPct val="125000"/>
-              </a:lnSpc>
-              <a:spcBef>
-                <a:spcPct val="0"/>
-              </a:spcBef>
-              <a:buFontTx/>
-              <a:buNone/>
-            </a:pPr>
-            <a:r>
-              <a:rPr lang="en-US" altLang="en-US" sz="1800" dirty="0">
-                <a:latin typeface="Courier New" panose="02070309020205020404" pitchFamily="49" charset="0"/>
-                <a:cs typeface="Courier New" panose="02070309020205020404" pitchFamily="49" charset="0"/>
-              </a:rPr>
-              <a:t>&gt;&gt;&gt; from </a:t>
-            </a:r>
-            <a:r>
-              <a:rPr lang="en-US" altLang="en-US" sz="1800" dirty="0" err="1">
-                <a:latin typeface="Courier New" panose="02070309020205020404" pitchFamily="49" charset="0"/>
-                <a:cs typeface="Courier New" panose="02070309020205020404" pitchFamily="49" charset="0"/>
-              </a:rPr>
-              <a:t>data_store</a:t>
-            </a:r>
-            <a:r>
-              <a:rPr lang="en-US" altLang="en-US" sz="1800" dirty="0">
-                <a:latin typeface="Courier New" panose="02070309020205020404" pitchFamily="49" charset="0"/>
-                <a:cs typeface="Courier New" panose="02070309020205020404" pitchFamily="49" charset="0"/>
-              </a:rPr>
-              <a:t> import </a:t>
-            </a:r>
-            <a:r>
-              <a:rPr lang="en-US" altLang="en-US" sz="1800" dirty="0" err="1">
-                <a:latin typeface="Courier New" panose="02070309020205020404" pitchFamily="49" charset="0"/>
-                <a:cs typeface="Courier New" panose="02070309020205020404" pitchFamily="49" charset="0"/>
-              </a:rPr>
-              <a:t>DataStore</a:t>
-            </a:r>
-            <a:endParaRPr lang="en-US" altLang="en-US" sz="1800" dirty="0">
-              <a:latin typeface="Courier New" panose="02070309020205020404" pitchFamily="49" charset="0"/>
-              <a:cs typeface="Courier New" panose="02070309020205020404" pitchFamily="49" charset="0"/>
-            </a:endParaRPr>
-          </a:p>
-          <a:p>
-            <a:pPr eaLnBrk="1" hangingPunct="1">
-              <a:lnSpc>
-                <a:spcPct val="125000"/>
-              </a:lnSpc>
-              <a:spcBef>
-                <a:spcPct val="0"/>
-              </a:spcBef>
-              <a:buFontTx/>
-              <a:buNone/>
-            </a:pPr>
-            <a:r>
-              <a:rPr lang="en-US" altLang="en-US" sz="1800" dirty="0">
-                <a:latin typeface="Courier New" panose="02070309020205020404" pitchFamily="49" charset="0"/>
-                <a:cs typeface="Courier New" panose="02070309020205020404" pitchFamily="49" charset="0"/>
-              </a:rPr>
-              <a:t>&gt;&gt;&gt; ds = </a:t>
-            </a:r>
-            <a:r>
-              <a:rPr lang="en-US" altLang="en-US" sz="1800" dirty="0" err="1">
-                <a:latin typeface="Courier New" panose="02070309020205020404" pitchFamily="49" charset="0"/>
-                <a:cs typeface="Courier New" panose="02070309020205020404" pitchFamily="49" charset="0"/>
-              </a:rPr>
-              <a:t>DataStore</a:t>
-            </a:r>
-            <a:r>
-              <a:rPr lang="en-US" altLang="en-US" sz="1800" dirty="0">
-                <a:latin typeface="Courier New" panose="02070309020205020404" pitchFamily="49" charset="0"/>
-                <a:cs typeface="Courier New" panose="02070309020205020404" pitchFamily="49" charset="0"/>
-              </a:rPr>
-              <a:t>()</a:t>
-            </a:r>
-          </a:p>
-          <a:p>
-            <a:pPr eaLnBrk="1" hangingPunct="1">
-              <a:lnSpc>
-                <a:spcPct val="125000"/>
-              </a:lnSpc>
-              <a:spcBef>
-                <a:spcPct val="0"/>
-              </a:spcBef>
-              <a:buFontTx/>
-              <a:buNone/>
-            </a:pPr>
-            <a:r>
-              <a:rPr lang="en-US" altLang="en-US" sz="1800" dirty="0">
-                <a:latin typeface="Courier New" panose="02070309020205020404" pitchFamily="49" charset="0"/>
-                <a:cs typeface="Courier New" panose="02070309020205020404" pitchFamily="49" charset="0"/>
-              </a:rPr>
-              <a:t>&gt;&gt;&gt; </a:t>
-            </a:r>
-            <a:r>
-              <a:rPr lang="en-US" altLang="en-US" sz="1800" dirty="0" err="1">
-                <a:latin typeface="Courier New" panose="02070309020205020404" pitchFamily="49" charset="0"/>
-                <a:cs typeface="Courier New" panose="02070309020205020404" pitchFamily="49" charset="0"/>
-              </a:rPr>
-              <a:t>ds.add_measurement</a:t>
-            </a:r>
-            <a:r>
-              <a:rPr lang="en-US" altLang="en-US" sz="1800" dirty="0">
-                <a:latin typeface="Courier New" panose="02070309020205020404" pitchFamily="49" charset="0"/>
-                <a:cs typeface="Courier New" panose="02070309020205020404" pitchFamily="49" charset="0"/>
-              </a:rPr>
-              <a:t>(</a:t>
-            </a:r>
-            <a:r>
-              <a:rPr lang="en-US" altLang="en-US" sz="1800" dirty="0">
-                <a:solidFill>
-                  <a:srgbClr val="009900"/>
-                </a:solidFill>
-                <a:latin typeface="Courier New" panose="02070309020205020404" pitchFamily="49" charset="0"/>
-                <a:cs typeface="Courier New" panose="02070309020205020404" pitchFamily="49" charset="0"/>
-              </a:rPr>
-              <a:t>'2021-05-01'</a:t>
-            </a:r>
-            <a:r>
-              <a:rPr lang="en-US" altLang="en-US" sz="1800" dirty="0">
-                <a:latin typeface="Courier New" panose="02070309020205020404" pitchFamily="49" charset="0"/>
-                <a:cs typeface="Courier New" panose="02070309020205020404" pitchFamily="49" charset="0"/>
-              </a:rPr>
-              <a:t>,</a:t>
-            </a:r>
-            <a:r>
-              <a:rPr lang="en-US" altLang="en-US" sz="1800" dirty="0">
-                <a:solidFill>
-                  <a:srgbClr val="0070C0"/>
-                </a:solidFill>
-                <a:latin typeface="Courier New" panose="02070309020205020404" pitchFamily="49" charset="0"/>
-                <a:cs typeface="Courier New" panose="02070309020205020404" pitchFamily="49" charset="0"/>
-              </a:rPr>
-              <a:t>5</a:t>
-            </a:r>
-            <a:r>
-              <a:rPr lang="en-US" altLang="en-US" sz="1800" dirty="0">
-                <a:latin typeface="Courier New" panose="02070309020205020404" pitchFamily="49" charset="0"/>
-                <a:cs typeface="Courier New" panose="02070309020205020404" pitchFamily="49" charset="0"/>
-              </a:rPr>
-              <a:t>)</a:t>
-            </a:r>
-          </a:p>
-          <a:p>
-            <a:pPr eaLnBrk="1" hangingPunct="1">
-              <a:lnSpc>
-                <a:spcPct val="125000"/>
-              </a:lnSpc>
-              <a:spcBef>
-                <a:spcPct val="0"/>
-              </a:spcBef>
-              <a:buFontTx/>
-              <a:buNone/>
-            </a:pPr>
-            <a:r>
-              <a:rPr lang="en-US" altLang="en-US" sz="1800" dirty="0">
-                <a:latin typeface="Courier New" panose="02070309020205020404" pitchFamily="49" charset="0"/>
-                <a:cs typeface="Courier New" panose="02070309020205020404" pitchFamily="49" charset="0"/>
-              </a:rPr>
-              <a:t>&gt;&gt;&gt; </a:t>
-            </a:r>
-            <a:r>
-              <a:rPr lang="en-US" altLang="en-US" sz="1800" dirty="0" err="1">
-                <a:latin typeface="Courier New" panose="02070309020205020404" pitchFamily="49" charset="0"/>
-                <a:cs typeface="Courier New" panose="02070309020205020404" pitchFamily="49" charset="0"/>
-              </a:rPr>
-              <a:t>ds.print_measurements</a:t>
-            </a:r>
-            <a:r>
-              <a:rPr lang="en-US" altLang="en-US" sz="1800" dirty="0">
-                <a:latin typeface="Courier New" panose="02070309020205020404" pitchFamily="49" charset="0"/>
-                <a:cs typeface="Courier New" panose="02070309020205020404" pitchFamily="49" charset="0"/>
-              </a:rPr>
-              <a:t>()</a:t>
-            </a:r>
-          </a:p>
-          <a:p>
-            <a:pPr eaLnBrk="1" hangingPunct="1">
-              <a:lnSpc>
-                <a:spcPct val="125000"/>
-              </a:lnSpc>
-              <a:spcBef>
-                <a:spcPct val="0"/>
-              </a:spcBef>
-              <a:buFontTx/>
-              <a:buNone/>
-            </a:pPr>
-            <a:r>
-              <a:rPr lang="en-US" altLang="en-US" sz="1800" dirty="0">
-                <a:latin typeface="Courier New" panose="02070309020205020404" pitchFamily="49" charset="0"/>
-                <a:cs typeface="Courier New" panose="02070309020205020404" pitchFamily="49" charset="0"/>
-              </a:rPr>
-              <a:t>2021-05-01 5</a:t>
-            </a:r>
-          </a:p>
-          <a:p>
-            <a:pPr eaLnBrk="1" hangingPunct="1">
-              <a:lnSpc>
-                <a:spcPct val="125000"/>
-              </a:lnSpc>
-              <a:spcBef>
-                <a:spcPct val="0"/>
-              </a:spcBef>
-              <a:buFontTx/>
-              <a:buNone/>
-            </a:pPr>
-            <a:endParaRPr lang="en-US" altLang="en-US" sz="1800" dirty="0">
-              <a:latin typeface="Courier New" panose="02070309020205020404" pitchFamily="49" charset="0"/>
-              <a:cs typeface="Courier New" panose="02070309020205020404" pitchFamily="49" charset="0"/>
-            </a:endParaRPr>
-          </a:p>
-          <a:p>
-            <a:pPr eaLnBrk="1" hangingPunct="1">
-              <a:lnSpc>
-                <a:spcPct val="125000"/>
-              </a:lnSpc>
-              <a:spcBef>
-                <a:spcPct val="0"/>
-              </a:spcBef>
-              <a:buFontTx/>
-              <a:buNone/>
-            </a:pPr>
-            <a:endParaRPr lang="en-US" altLang="en-US" sz="1800" dirty="0">
-              <a:latin typeface="Courier New" panose="02070309020205020404" pitchFamily="49" charset="0"/>
-              <a:cs typeface="Courier New" panose="02070309020205020404" pitchFamily="49" charset="0"/>
-            </a:endParaRPr>
-          </a:p>
-          <a:p>
-            <a:pPr eaLnBrk="1" hangingPunct="1">
-              <a:lnSpc>
-                <a:spcPct val="125000"/>
-              </a:lnSpc>
-              <a:spcBef>
-                <a:spcPct val="0"/>
-              </a:spcBef>
-              <a:buFontTx/>
-              <a:buNone/>
-            </a:pPr>
-            <a:endParaRPr lang="en-US" altLang="en-US" sz="1800" dirty="0">
-              <a:latin typeface="Courier New" panose="02070309020205020404" pitchFamily="49" charset="0"/>
-              <a:cs typeface="Courier New" panose="02070309020205020404" pitchFamily="49" charset="0"/>
-            </a:endParaRPr>
-          </a:p>
-          <a:p>
-            <a:pPr eaLnBrk="1" hangingPunct="1">
-              <a:lnSpc>
-                <a:spcPct val="125000"/>
-              </a:lnSpc>
-              <a:spcBef>
-                <a:spcPct val="0"/>
-              </a:spcBef>
-              <a:buFontTx/>
-              <a:buNone/>
-            </a:pPr>
-            <a:r>
-              <a:rPr lang="en-US" altLang="en-US" sz="1800" dirty="0">
-                <a:latin typeface="Courier New" panose="02070309020205020404" pitchFamily="49" charset="0"/>
-                <a:cs typeface="Courier New" panose="02070309020205020404" pitchFamily="49" charset="0"/>
-              </a:rPr>
-              <a:t>&gt;&gt;&gt; </a:t>
-            </a:r>
-            <a:r>
-              <a:rPr lang="en-US" altLang="en-US" sz="1800" dirty="0" err="1">
-                <a:latin typeface="Courier New" panose="02070309020205020404" pitchFamily="49" charset="0"/>
-                <a:cs typeface="Courier New" panose="02070309020205020404" pitchFamily="49" charset="0"/>
-              </a:rPr>
-              <a:t>ts</a:t>
-            </a:r>
-            <a:r>
-              <a:rPr lang="en-US" altLang="en-US" sz="1800" dirty="0">
-                <a:latin typeface="Courier New" panose="02070309020205020404" pitchFamily="49" charset="0"/>
-                <a:cs typeface="Courier New" panose="02070309020205020404" pitchFamily="49" charset="0"/>
-              </a:rPr>
-              <a:t> = </a:t>
-            </a:r>
-            <a:r>
-              <a:rPr lang="en-US" altLang="en-US" sz="1800" dirty="0" err="1">
-                <a:latin typeface="Courier New" panose="02070309020205020404" pitchFamily="49" charset="0"/>
-                <a:cs typeface="Courier New" panose="02070309020205020404" pitchFamily="49" charset="0"/>
-              </a:rPr>
-              <a:t>TemperatureStore</a:t>
-            </a:r>
-            <a:r>
-              <a:rPr lang="en-US" altLang="en-US" sz="1800" dirty="0">
-                <a:latin typeface="Courier New" panose="02070309020205020404" pitchFamily="49" charset="0"/>
-                <a:cs typeface="Courier New" panose="02070309020205020404" pitchFamily="49" charset="0"/>
-              </a:rPr>
-              <a:t>()</a:t>
-            </a:r>
-          </a:p>
-          <a:p>
-            <a:pPr eaLnBrk="1" hangingPunct="1">
-              <a:lnSpc>
-                <a:spcPct val="125000"/>
-              </a:lnSpc>
-              <a:spcBef>
-                <a:spcPct val="0"/>
-              </a:spcBef>
-              <a:buFontTx/>
-              <a:buNone/>
-            </a:pPr>
-            <a:r>
-              <a:rPr lang="en-US" altLang="en-US" sz="1800" dirty="0">
-                <a:latin typeface="Courier New" panose="02070309020205020404" pitchFamily="49" charset="0"/>
-                <a:cs typeface="Courier New" panose="02070309020205020404" pitchFamily="49" charset="0"/>
-              </a:rPr>
-              <a:t>&gt;&gt;&gt; </a:t>
-            </a:r>
-            <a:r>
-              <a:rPr lang="en-US" altLang="en-US" sz="1800" dirty="0" err="1">
-                <a:latin typeface="Courier New" panose="02070309020205020404" pitchFamily="49" charset="0"/>
-                <a:cs typeface="Courier New" panose="02070309020205020404" pitchFamily="49" charset="0"/>
-              </a:rPr>
-              <a:t>ts.add_measurement</a:t>
-            </a:r>
-            <a:r>
-              <a:rPr lang="en-US" altLang="en-US" sz="1800" dirty="0">
-                <a:latin typeface="Courier New" panose="02070309020205020404" pitchFamily="49" charset="0"/>
-                <a:cs typeface="Courier New" panose="02070309020205020404" pitchFamily="49" charset="0"/>
-              </a:rPr>
-              <a:t>(</a:t>
-            </a:r>
-            <a:r>
-              <a:rPr lang="en-US" altLang="en-US" sz="1800" dirty="0">
-                <a:solidFill>
-                  <a:srgbClr val="00B050"/>
-                </a:solidFill>
-                <a:latin typeface="Courier New" panose="02070309020205020404" pitchFamily="49" charset="0"/>
-                <a:cs typeface="Courier New" panose="02070309020205020404" pitchFamily="49" charset="0"/>
-              </a:rPr>
-              <a:t>'2021-05-01'</a:t>
-            </a:r>
-            <a:r>
-              <a:rPr lang="en-US" altLang="en-US" sz="1800" dirty="0">
-                <a:latin typeface="Courier New" panose="02070309020205020404" pitchFamily="49" charset="0"/>
-                <a:cs typeface="Courier New" panose="02070309020205020404" pitchFamily="49" charset="0"/>
-              </a:rPr>
-              <a:t>,</a:t>
-            </a:r>
-            <a:r>
-              <a:rPr lang="en-US" altLang="en-US" sz="1800" dirty="0">
-                <a:solidFill>
-                  <a:srgbClr val="0070C0"/>
-                </a:solidFill>
-                <a:latin typeface="Courier New" panose="02070309020205020404" pitchFamily="49" charset="0"/>
-                <a:cs typeface="Courier New" panose="02070309020205020404" pitchFamily="49" charset="0"/>
-              </a:rPr>
-              <a:t>5</a:t>
-            </a:r>
-            <a:r>
-              <a:rPr lang="en-US" altLang="en-US" sz="1800" dirty="0">
-                <a:latin typeface="Courier New" panose="02070309020205020404" pitchFamily="49" charset="0"/>
-                <a:cs typeface="Courier New" panose="02070309020205020404" pitchFamily="49" charset="0"/>
-              </a:rPr>
-              <a:t>)</a:t>
-            </a:r>
-          </a:p>
-          <a:p>
-            <a:pPr eaLnBrk="1" hangingPunct="1">
-              <a:lnSpc>
-                <a:spcPct val="125000"/>
-              </a:lnSpc>
-              <a:spcBef>
-                <a:spcPct val="0"/>
-              </a:spcBef>
-              <a:buFontTx/>
-              <a:buNone/>
-            </a:pPr>
-            <a:endParaRPr lang="en-US" altLang="en-US" sz="1800" dirty="0"/>
-          </a:p>
-        </p:txBody>
-      </p:sp>
-      <p:sp>
-        <p:nvSpPr>
-          <p:cNvPr id="9" name="Rectangular Callout 8">
-            <a:extLst>
-              <a:ext uri="{FF2B5EF4-FFF2-40B4-BE49-F238E27FC236}">
-                <a16:creationId xmlns:a16="http://schemas.microsoft.com/office/drawing/2014/main" id="{FED6BE74-7A73-684D-8859-5B97BAA716D4}"/>
-              </a:ext>
-            </a:extLst>
-          </p:cNvPr>
-          <p:cNvSpPr/>
-          <p:nvPr/>
-        </p:nvSpPr>
-        <p:spPr>
-          <a:xfrm>
-            <a:off x="6156176" y="3809340"/>
-            <a:ext cx="2880320" cy="1143000"/>
-          </a:xfrm>
-          <a:prstGeom prst="wedgeRectCallout">
-            <a:avLst>
-              <a:gd name="adj1" fmla="val -68204"/>
-              <a:gd name="adj2" fmla="val 23206"/>
-            </a:avLst>
-          </a:prstGeom>
-        </p:spPr>
-        <p:style>
-          <a:lnRef idx="2">
-            <a:schemeClr val="accent2"/>
-          </a:lnRef>
-          <a:fillRef idx="1">
-            <a:schemeClr val="lt1"/>
-          </a:fillRef>
-          <a:effectRef idx="0">
-            <a:schemeClr val="accent2"/>
-          </a:effectRef>
-          <a:fontRef idx="minor">
-            <a:schemeClr val="dk1"/>
-          </a:fontRef>
-        </p:style>
-        <p:txBody>
-          <a:bodyPr anchor="ctr"/>
-          <a:lstStyle/>
-          <a:p>
-            <a:pPr algn="ctr" eaLnBrk="1" hangingPunct="1">
-              <a:defRPr/>
-            </a:pPr>
-            <a:r>
-              <a:rPr lang="en-GB" dirty="0"/>
-              <a:t>Common interface for both classes</a:t>
-            </a:r>
-          </a:p>
-        </p:txBody>
-      </p:sp>
-    </p:spTree>
-    <p:extLst>
-      <p:ext uri="{BB962C8B-B14F-4D97-AF65-F5344CB8AC3E}">
-        <p14:creationId xmlns:p14="http://schemas.microsoft.com/office/powerpoint/2010/main" val="3224248356"/>
-      </p:ext>
-    </p:extLst>
-  </p:cSld>
-  <p:clrMapOvr>
-    <a:masterClrMapping/>
-  </p:clrMapOvr>
-  <p:timing>
-    <p:tnLst>
-      <p:par>
-        <p:cTn id="1" dur="indefinite" restart="never" nodeType="tmRoot">
-          <p:childTnLst>
-            <p:seq concurrent="1" nextAc="seek">
-              <p:cTn id="2" dur="indefinite" nodeType="mainSeq">
-                <p:childTnLst>
-                  <p:par>
-                    <p:cTn id="3" fill="hold">
-                      <p:stCondLst>
-                        <p:cond delay="indefinite"/>
-                      </p:stCondLst>
-                      <p:childTnLst>
-                        <p:par>
-                          <p:cTn id="4" fill="hold">
-                            <p:stCondLst>
-                              <p:cond delay="0"/>
-                            </p:stCondLst>
-                            <p:childTnLst>
-                              <p:par>
-                                <p:cTn id="5" presetID="1" presetClass="entr" presetSubtype="0" fill="hold" nodeType="clickEffect">
-                                  <p:stCondLst>
-                                    <p:cond delay="0"/>
-                                  </p:stCondLst>
-                                  <p:childTnLst>
-                                    <p:set>
-                                      <p:cBhvr>
-                                        <p:cTn id="6" dur="1" fill="hold">
-                                          <p:stCondLst>
-                                            <p:cond delay="0"/>
-                                          </p:stCondLst>
-                                        </p:cTn>
-                                        <p:tgtEl>
-                                          <p:spTgt spid="20483">
-                                            <p:txEl>
-                                              <p:pRg st="0" end="0"/>
-                                            </p:txEl>
-                                          </p:spTgt>
-                                        </p:tgtEl>
-                                        <p:attrNameLst>
-                                          <p:attrName>style.visibility</p:attrName>
-                                        </p:attrNameLst>
-                                      </p:cBhvr>
-                                      <p:to>
-                                        <p:strVal val="visible"/>
-                                      </p:to>
-                                    </p:set>
-                                  </p:childTnLst>
-                                </p:cTn>
-                              </p:par>
-                            </p:childTnLst>
-                          </p:cTn>
-                        </p:par>
-                      </p:childTnLst>
-                    </p:cTn>
-                  </p:par>
-                  <p:par>
-                    <p:cTn id="7" fill="hold">
-                      <p:stCondLst>
-                        <p:cond delay="indefinite"/>
-                      </p:stCondLst>
-                      <p:childTnLst>
-                        <p:par>
-                          <p:cTn id="8" fill="hold">
-                            <p:stCondLst>
-                              <p:cond delay="0"/>
-                            </p:stCondLst>
-                            <p:childTnLst>
-                              <p:par>
-                                <p:cTn id="9" presetID="1" presetClass="entr" presetSubtype="0" fill="hold" nodeType="clickEffect">
-                                  <p:stCondLst>
-                                    <p:cond delay="0"/>
-                                  </p:stCondLst>
-                                  <p:childTnLst>
-                                    <p:set>
-                                      <p:cBhvr>
-                                        <p:cTn id="10" dur="1" fill="hold">
-                                          <p:stCondLst>
-                                            <p:cond delay="0"/>
-                                          </p:stCondLst>
-                                        </p:cTn>
-                                        <p:tgtEl>
-                                          <p:spTgt spid="20483">
-                                            <p:txEl>
-                                              <p:pRg st="1" end="1"/>
-                                            </p:txEl>
-                                          </p:spTgt>
-                                        </p:tgtEl>
-                                        <p:attrNameLst>
-                                          <p:attrName>style.visibility</p:attrName>
-                                        </p:attrNameLst>
-                                      </p:cBhvr>
-                                      <p:to>
-                                        <p:strVal val="visible"/>
-                                      </p:to>
-                                    </p:set>
-                                  </p:childTnLst>
-                                </p:cTn>
-                              </p:par>
-                            </p:childTnLst>
-                          </p:cTn>
-                        </p:par>
-                      </p:childTnLst>
-                    </p:cTn>
-                  </p:par>
-                  <p:par>
-                    <p:cTn id="11" fill="hold">
-                      <p:stCondLst>
-                        <p:cond delay="indefinite"/>
-                      </p:stCondLst>
-                      <p:childTnLst>
-                        <p:par>
-                          <p:cTn id="12" fill="hold">
-                            <p:stCondLst>
-                              <p:cond delay="0"/>
-                            </p:stCondLst>
-                            <p:childTnLst>
-                              <p:par>
-                                <p:cTn id="13" presetID="1" presetClass="entr" presetSubtype="0" fill="hold" nodeType="clickEffect">
-                                  <p:stCondLst>
-                                    <p:cond delay="0"/>
-                                  </p:stCondLst>
-                                  <p:childTnLst>
-                                    <p:set>
-                                      <p:cBhvr>
-                                        <p:cTn id="14" dur="1" fill="hold">
-                                          <p:stCondLst>
-                                            <p:cond delay="0"/>
-                                          </p:stCondLst>
-                                        </p:cTn>
-                                        <p:tgtEl>
-                                          <p:spTgt spid="20483">
-                                            <p:txEl>
-                                              <p:pRg st="2" end="2"/>
-                                            </p:txEl>
-                                          </p:spTgt>
-                                        </p:tgtEl>
-                                        <p:attrNameLst>
-                                          <p:attrName>style.visibility</p:attrName>
-                                        </p:attrNameLst>
-                                      </p:cBhvr>
-                                      <p:to>
-                                        <p:strVal val="visible"/>
-                                      </p:to>
-                                    </p:set>
-                                  </p:childTnLst>
-                                </p:cTn>
-                              </p:par>
-                            </p:childTnLst>
-                          </p:cTn>
-                        </p:par>
-                      </p:childTnLst>
-                    </p:cTn>
-                  </p:par>
-                  <p:par>
-                    <p:cTn id="15" fill="hold">
-                      <p:stCondLst>
-                        <p:cond delay="indefinite"/>
-                      </p:stCondLst>
-                      <p:childTnLst>
-                        <p:par>
-                          <p:cTn id="16" fill="hold">
-                            <p:stCondLst>
-                              <p:cond delay="0"/>
-                            </p:stCondLst>
-                            <p:childTnLst>
-                              <p:par>
-                                <p:cTn id="17" presetID="1" presetClass="entr" presetSubtype="0" fill="hold" nodeType="clickEffect">
-                                  <p:stCondLst>
-                                    <p:cond delay="0"/>
-                                  </p:stCondLst>
-                                  <p:childTnLst>
-                                    <p:set>
-                                      <p:cBhvr>
-                                        <p:cTn id="18" dur="1" fill="hold">
-                                          <p:stCondLst>
-                                            <p:cond delay="0"/>
-                                          </p:stCondLst>
-                                        </p:cTn>
-                                        <p:tgtEl>
-                                          <p:spTgt spid="20483">
-                                            <p:txEl>
-                                              <p:pRg st="3" end="3"/>
-                                            </p:txEl>
-                                          </p:spTgt>
-                                        </p:tgtEl>
-                                        <p:attrNameLst>
-                                          <p:attrName>style.visibility</p:attrName>
-                                        </p:attrNameLst>
-                                      </p:cBhvr>
-                                      <p:to>
-                                        <p:strVal val="visible"/>
-                                      </p:to>
-                                    </p:set>
-                                  </p:childTnLst>
-                                </p:cTn>
-                              </p:par>
-                            </p:childTnLst>
-                          </p:cTn>
-                        </p:par>
-                      </p:childTnLst>
-                    </p:cTn>
-                  </p:par>
-                  <p:par>
-                    <p:cTn id="19" fill="hold">
-                      <p:stCondLst>
-                        <p:cond delay="indefinite"/>
-                      </p:stCondLst>
-                      <p:childTnLst>
-                        <p:par>
-                          <p:cTn id="20" fill="hold">
-                            <p:stCondLst>
-                              <p:cond delay="0"/>
-                            </p:stCondLst>
-                            <p:childTnLst>
-                              <p:par>
-                                <p:cTn id="21" presetID="1" presetClass="entr" presetSubtype="0" fill="hold" nodeType="clickEffect">
-                                  <p:stCondLst>
-                                    <p:cond delay="0"/>
-                                  </p:stCondLst>
-                                  <p:childTnLst>
-                                    <p:set>
-                                      <p:cBhvr>
-                                        <p:cTn id="22" dur="1" fill="hold">
-                                          <p:stCondLst>
-                                            <p:cond delay="0"/>
-                                          </p:stCondLst>
-                                        </p:cTn>
-                                        <p:tgtEl>
-                                          <p:spTgt spid="20483">
-                                            <p:txEl>
-                                              <p:pRg st="4" end="4"/>
-                                            </p:txEl>
-                                          </p:spTgt>
-                                        </p:tgtEl>
-                                        <p:attrNameLst>
-                                          <p:attrName>style.visibility</p:attrName>
-                                        </p:attrNameLst>
-                                      </p:cBhvr>
-                                      <p:to>
-                                        <p:strVal val="visible"/>
-                                      </p:to>
-                                    </p:set>
-                                  </p:childTnLst>
-                                </p:cTn>
-                              </p:par>
-                            </p:childTnLst>
-                          </p:cTn>
-                        </p:par>
-                      </p:childTnLst>
-                    </p:cTn>
-                  </p:par>
-                  <p:par>
-                    <p:cTn id="23" fill="hold">
-                      <p:stCondLst>
-                        <p:cond delay="indefinite"/>
-                      </p:stCondLst>
-                      <p:childTnLst>
-                        <p:par>
-                          <p:cTn id="24" fill="hold">
-                            <p:stCondLst>
-                              <p:cond delay="0"/>
-                            </p:stCondLst>
-                            <p:childTnLst>
-                              <p:par>
-                                <p:cTn id="25" presetID="1" presetClass="entr" presetSubtype="0" fill="hold" nodeType="clickEffect">
-                                  <p:stCondLst>
-                                    <p:cond delay="0"/>
-                                  </p:stCondLst>
-                                  <p:childTnLst>
-                                    <p:set>
-                                      <p:cBhvr>
-                                        <p:cTn id="26" dur="1" fill="hold">
-                                          <p:stCondLst>
-                                            <p:cond delay="0"/>
-                                          </p:stCondLst>
-                                        </p:cTn>
-                                        <p:tgtEl>
-                                          <p:spTgt spid="20483">
-                                            <p:txEl>
-                                              <p:pRg st="8" end="8"/>
-                                            </p:txEl>
-                                          </p:spTgt>
-                                        </p:tgtEl>
-                                        <p:attrNameLst>
-                                          <p:attrName>style.visibility</p:attrName>
-                                        </p:attrNameLst>
-                                      </p:cBhvr>
-                                      <p:to>
-                                        <p:strVal val="visible"/>
-                                      </p:to>
-                                    </p:set>
-                                  </p:childTnLst>
-                                </p:cTn>
-                              </p:par>
-                            </p:childTnLst>
-                          </p:cTn>
-                        </p:par>
-                      </p:childTnLst>
-                    </p:cTn>
-                  </p:par>
-                  <p:par>
-                    <p:cTn id="27" fill="hold">
-                      <p:stCondLst>
-                        <p:cond delay="indefinite"/>
-                      </p:stCondLst>
-                      <p:childTnLst>
-                        <p:par>
-                          <p:cTn id="28" fill="hold">
-                            <p:stCondLst>
-                              <p:cond delay="0"/>
-                            </p:stCondLst>
-                            <p:childTnLst>
-                              <p:par>
-                                <p:cTn id="29" presetID="1" presetClass="entr" presetSubtype="0" fill="hold" nodeType="clickEffect">
-                                  <p:stCondLst>
-                                    <p:cond delay="0"/>
-                                  </p:stCondLst>
-                                  <p:childTnLst>
-                                    <p:set>
-                                      <p:cBhvr>
-                                        <p:cTn id="30" dur="1" fill="hold">
-                                          <p:stCondLst>
-                                            <p:cond delay="0"/>
-                                          </p:stCondLst>
-                                        </p:cTn>
-                                        <p:tgtEl>
-                                          <p:spTgt spid="20483">
-                                            <p:txEl>
-                                              <p:pRg st="9" end="9"/>
-                                            </p:txEl>
-                                          </p:spTgt>
-                                        </p:tgtEl>
-                                        <p:attrNameLst>
-                                          <p:attrName>style.visibility</p:attrName>
-                                        </p:attrNameLst>
-                                      </p:cBhvr>
-                                      <p:to>
-                                        <p:strVal val="visible"/>
-                                      </p:to>
-                                    </p:set>
-                                  </p:childTnLst>
-                                </p:cTn>
-                              </p:par>
-                            </p:childTnLst>
-                          </p:cTn>
-                        </p:par>
-                      </p:childTnLst>
-                    </p:cTn>
-                  </p:par>
-                  <p:par>
-                    <p:cTn id="31" fill="hold">
-                      <p:stCondLst>
-                        <p:cond delay="indefinite"/>
-                      </p:stCondLst>
-                      <p:childTnLst>
-                        <p:par>
-                          <p:cTn id="32" fill="hold">
-                            <p:stCondLst>
-                              <p:cond delay="0"/>
-                            </p:stCondLst>
-                            <p:childTnLst>
-                              <p:par>
-                                <p:cTn id="33" presetID="1" presetClass="entr" presetSubtype="0" fill="hold" grpId="0" nodeType="clickEffect">
-                                  <p:stCondLst>
-                                    <p:cond delay="0"/>
-                                  </p:stCondLst>
-                                  <p:childTnLst>
-                                    <p:set>
-                                      <p:cBhvr>
-                                        <p:cTn id="34" dur="1" fill="hold">
-                                          <p:stCondLst>
-                                            <p:cond delay="0"/>
-                                          </p:stCondLst>
-                                        </p:cTn>
-                                        <p:tgtEl>
-                                          <p:spTgt spid="9"/>
-                                        </p:tgtEl>
-                                        <p:attrNameLst>
-                                          <p:attrName>style.visibility</p:attrName>
-                                        </p:attrNameLst>
-                                      </p:cBhvr>
-                                      <p:to>
-                                        <p:strVal val="visible"/>
-                                      </p:to>
-                                    </p:set>
-                                  </p:childTnLst>
-                                </p:cTn>
-                              </p:par>
-                            </p:childTnLst>
-                          </p:cTn>
-                        </p:par>
-                      </p:childTnLst>
-                    </p:cTn>
-                  </p:par>
-                </p:childTnLst>
-              </p:cTn>
-              <p:prevCondLst>
-                <p:cond evt="onPrev" delay="0">
-                  <p:tgtEl>
-                    <p:sldTgt/>
-                  </p:tgtEl>
-                </p:cond>
-              </p:prevCondLst>
-              <p:nextCondLst>
-                <p:cond evt="onNext" delay="0">
-                  <p:tgtEl>
-                    <p:sldTgt/>
-                  </p:tgtEl>
-                </p:cond>
-              </p:nextCondLst>
-            </p:seq>
-          </p:childTnLst>
-        </p:cTn>
-      </p:par>
-    </p:tnLst>
-    <p:bldLst>
-      <p:bldP spid="9" grpId="0" animBg="1"/>
-    </p:bldLst>
-  </p:timing>
-</p:sld>
-</file>
-
-<file path=ppt/slides/slide37.xml><?xml version="1.0" encoding="utf-8"?>
-<p:sld xmlns:a="http://schemas.openxmlformats.org/drawingml/2006/main" xmlns:r="http://schemas.openxmlformats.org/officeDocument/2006/relationships" xmlns:p="http://schemas.openxmlformats.org/presentationml/2006/main">
-  <p:cSld>
-    <p:spTree>
-      <p:nvGrpSpPr>
-        <p:cNvPr id="1" name=""/>
-        <p:cNvGrpSpPr/>
-        <p:nvPr/>
-      </p:nvGrpSpPr>
-      <p:grpSpPr>
-        <a:xfrm>
-          <a:off x="0" y="0"/>
-          <a:ext cx="0" cy="0"/>
-          <a:chOff x="0" y="0"/>
-          <a:chExt cx="0" cy="0"/>
-        </a:xfrm>
-      </p:grpSpPr>
-      <p:sp>
-        <p:nvSpPr>
-          <p:cNvPr id="20482" name="Title 1"/>
-          <p:cNvSpPr>
-            <a:spLocks noGrp="1"/>
-          </p:cNvSpPr>
-          <p:nvPr>
-            <p:ph type="title" idx="4294967295"/>
-          </p:nvPr>
-        </p:nvSpPr>
-        <p:spPr>
-          <a:xfrm>
-            <a:off x="374650" y="274638"/>
-            <a:ext cx="8229600" cy="1143000"/>
-          </a:xfrm>
-        </p:spPr>
-        <p:txBody>
-          <a:bodyPr/>
-          <a:lstStyle/>
-          <a:p>
-            <a:r>
-              <a:rPr lang="en-GB" altLang="en-US" dirty="0"/>
-              <a:t>Inheritance</a:t>
-            </a:r>
-          </a:p>
-        </p:txBody>
-      </p:sp>
-      <p:sp>
-        <p:nvSpPr>
-          <p:cNvPr id="20483" name="Text Box 2"/>
-          <p:cNvSpPr txBox="1">
-            <a:spLocks noChangeArrowheads="1"/>
-          </p:cNvSpPr>
-          <p:nvPr/>
-        </p:nvSpPr>
-        <p:spPr bwMode="auto">
-          <a:xfrm>
-            <a:off x="374650" y="1417638"/>
-            <a:ext cx="7920038" cy="4171602"/>
-          </a:xfrm>
-          <a:prstGeom prst="rect">
-            <a:avLst/>
-          </a:prstGeom>
-          <a:noFill/>
-          <a:ln>
-            <a:noFill/>
-          </a:ln>
-          <a:extLst>
-            <a:ext uri="{909E8E84-426E-40DD-AFC4-6F175D3DCCD1}">
-              <a14:hiddenFill xmlns:a14="http://schemas.microsoft.com/office/drawing/2010/main">
-                <a:solidFill>
-                  <a:srgbClr val="FFFFFF"/>
-                </a:solidFill>
-              </a14:hiddenFill>
-            </a:ext>
-            <a:ext uri="{91240B29-F687-4F45-9708-019B960494DF}">
-              <a14:hiddenLine xmlns:a14="http://schemas.microsoft.com/office/drawing/2010/main" w="9525">
-                <a:solidFill>
-                  <a:srgbClr val="000000"/>
-                </a:solidFill>
-                <a:round/>
-                <a:headEnd/>
-                <a:tailEnd/>
-              </a14:hiddenLine>
-            </a:ext>
-          </a:extLst>
-        </p:spPr>
-        <p:txBody>
-          <a:bodyPr wrap="none" lIns="81639" tIns="40820" rIns="81639" bIns="40820"/>
-          <a:lstStyle>
-            <a:lvl1pPr>
-              <a:lnSpc>
-                <a:spcPct val="90000"/>
-              </a:lnSpc>
-              <a:spcBef>
-                <a:spcPts val="1000"/>
-              </a:spcBef>
-              <a:buFont typeface="Arial" panose="020B0604020202020204" pitchFamily="34" charset="0"/>
-              <a:buChar char="•"/>
-              <a:tabLst>
-                <a:tab pos="655638" algn="l"/>
-                <a:tab pos="1312863" algn="l"/>
-                <a:tab pos="1968500" algn="l"/>
-                <a:tab pos="2625725" algn="l"/>
-                <a:tab pos="3282950" algn="l"/>
-                <a:tab pos="3938588" algn="l"/>
-                <a:tab pos="4595813" algn="l"/>
-                <a:tab pos="5253038" algn="l"/>
-                <a:tab pos="5908675" algn="l"/>
-                <a:tab pos="6565900" algn="l"/>
-                <a:tab pos="7223125" algn="l"/>
-              </a:tabLst>
-              <a:defRPr sz="2800">
-                <a:solidFill>
-                  <a:schemeClr val="tx1"/>
-                </a:solidFill>
-                <a:latin typeface="Calibri" panose="020F0502020204030204" pitchFamily="34" charset="0"/>
-              </a:defRPr>
-            </a:lvl1pPr>
-            <a:lvl2pPr marL="742950" indent="-285750">
-              <a:lnSpc>
-                <a:spcPct val="90000"/>
-              </a:lnSpc>
-              <a:spcBef>
-                <a:spcPts val="500"/>
-              </a:spcBef>
-              <a:buFont typeface="Arial" panose="020B0604020202020204" pitchFamily="34" charset="0"/>
-              <a:buChar char="•"/>
-              <a:tabLst>
-                <a:tab pos="655638" algn="l"/>
-                <a:tab pos="1312863" algn="l"/>
-                <a:tab pos="1968500" algn="l"/>
-                <a:tab pos="2625725" algn="l"/>
-                <a:tab pos="3282950" algn="l"/>
-                <a:tab pos="3938588" algn="l"/>
-                <a:tab pos="4595813" algn="l"/>
-                <a:tab pos="5253038" algn="l"/>
-                <a:tab pos="5908675" algn="l"/>
-                <a:tab pos="6565900" algn="l"/>
-                <a:tab pos="7223125" algn="l"/>
-              </a:tabLst>
-              <a:defRPr sz="2400">
-                <a:solidFill>
-                  <a:schemeClr val="tx1"/>
-                </a:solidFill>
-                <a:latin typeface="Calibri" panose="020F0502020204030204" pitchFamily="34" charset="0"/>
-              </a:defRPr>
-            </a:lvl2pPr>
-            <a:lvl3pPr marL="1143000" indent="-228600">
-              <a:lnSpc>
-                <a:spcPct val="90000"/>
-              </a:lnSpc>
-              <a:spcBef>
-                <a:spcPts val="500"/>
-              </a:spcBef>
-              <a:buFont typeface="Arial" panose="020B0604020202020204" pitchFamily="34" charset="0"/>
-              <a:buChar char="•"/>
-              <a:tabLst>
-                <a:tab pos="655638" algn="l"/>
-                <a:tab pos="1312863" algn="l"/>
-                <a:tab pos="1968500" algn="l"/>
-                <a:tab pos="2625725" algn="l"/>
-                <a:tab pos="3282950" algn="l"/>
-                <a:tab pos="3938588" algn="l"/>
-                <a:tab pos="4595813" algn="l"/>
-                <a:tab pos="5253038" algn="l"/>
-                <a:tab pos="5908675" algn="l"/>
-                <a:tab pos="6565900" algn="l"/>
-                <a:tab pos="7223125" algn="l"/>
-              </a:tabLst>
-              <a:defRPr sz="2000">
-                <a:solidFill>
-                  <a:schemeClr val="tx1"/>
-                </a:solidFill>
-                <a:latin typeface="Calibri" panose="020F0502020204030204" pitchFamily="34" charset="0"/>
-              </a:defRPr>
-            </a:lvl3pPr>
-            <a:lvl4pPr marL="1600200" indent="-228600">
-              <a:lnSpc>
-                <a:spcPct val="90000"/>
-              </a:lnSpc>
-              <a:spcBef>
-                <a:spcPts val="500"/>
-              </a:spcBef>
-              <a:buFont typeface="Arial" panose="020B0604020202020204" pitchFamily="34" charset="0"/>
-              <a:buChar char="•"/>
-              <a:tabLst>
-                <a:tab pos="655638" algn="l"/>
-                <a:tab pos="1312863" algn="l"/>
-                <a:tab pos="1968500" algn="l"/>
-                <a:tab pos="2625725" algn="l"/>
-                <a:tab pos="3282950" algn="l"/>
-                <a:tab pos="3938588" algn="l"/>
-                <a:tab pos="4595813" algn="l"/>
-                <a:tab pos="5253038" algn="l"/>
-                <a:tab pos="5908675" algn="l"/>
-                <a:tab pos="6565900" algn="l"/>
-                <a:tab pos="7223125" algn="l"/>
-              </a:tabLst>
-              <a:defRPr>
-                <a:solidFill>
-                  <a:schemeClr val="tx1"/>
-                </a:solidFill>
-                <a:latin typeface="Calibri" panose="020F0502020204030204" pitchFamily="34" charset="0"/>
-              </a:defRPr>
-            </a:lvl4pPr>
-            <a:lvl5pPr marL="2057400" indent="-228600">
-              <a:lnSpc>
-                <a:spcPct val="90000"/>
-              </a:lnSpc>
-              <a:spcBef>
-                <a:spcPts val="500"/>
-              </a:spcBef>
-              <a:buFont typeface="Arial" panose="020B0604020202020204" pitchFamily="34" charset="0"/>
-              <a:buChar char="•"/>
-              <a:tabLst>
-                <a:tab pos="655638" algn="l"/>
-                <a:tab pos="1312863" algn="l"/>
-                <a:tab pos="1968500" algn="l"/>
-                <a:tab pos="2625725" algn="l"/>
-                <a:tab pos="3282950" algn="l"/>
-                <a:tab pos="3938588" algn="l"/>
-                <a:tab pos="4595813" algn="l"/>
-                <a:tab pos="5253038" algn="l"/>
-                <a:tab pos="5908675" algn="l"/>
-                <a:tab pos="6565900" algn="l"/>
-                <a:tab pos="7223125" algn="l"/>
-              </a:tabLst>
-              <a:defRPr>
-                <a:solidFill>
-                  <a:schemeClr val="tx1"/>
-                </a:solidFill>
-                <a:latin typeface="Calibri" panose="020F0502020204030204" pitchFamily="34" charset="0"/>
-              </a:defRPr>
-            </a:lvl5pPr>
-            <a:lvl6pPr marL="2514600" indent="-228600" fontAlgn="base">
-              <a:lnSpc>
-                <a:spcPct val="90000"/>
-              </a:lnSpc>
-              <a:spcBef>
-                <a:spcPts val="500"/>
-              </a:spcBef>
-              <a:spcAft>
-                <a:spcPct val="0"/>
-              </a:spcAft>
-              <a:buFont typeface="Arial" panose="020B0604020202020204" pitchFamily="34" charset="0"/>
-              <a:buChar char="•"/>
-              <a:tabLst>
-                <a:tab pos="655638" algn="l"/>
-                <a:tab pos="1312863" algn="l"/>
-                <a:tab pos="1968500" algn="l"/>
-                <a:tab pos="2625725" algn="l"/>
-                <a:tab pos="3282950" algn="l"/>
-                <a:tab pos="3938588" algn="l"/>
-                <a:tab pos="4595813" algn="l"/>
-                <a:tab pos="5253038" algn="l"/>
-                <a:tab pos="5908675" algn="l"/>
-                <a:tab pos="6565900" algn="l"/>
-                <a:tab pos="7223125" algn="l"/>
-              </a:tabLst>
-              <a:defRPr>
-                <a:solidFill>
-                  <a:schemeClr val="tx1"/>
-                </a:solidFill>
-                <a:latin typeface="Calibri" panose="020F0502020204030204" pitchFamily="34" charset="0"/>
-              </a:defRPr>
-            </a:lvl6pPr>
-            <a:lvl7pPr marL="2971800" indent="-228600" fontAlgn="base">
-              <a:lnSpc>
-                <a:spcPct val="90000"/>
-              </a:lnSpc>
-              <a:spcBef>
-                <a:spcPts val="500"/>
-              </a:spcBef>
-              <a:spcAft>
-                <a:spcPct val="0"/>
-              </a:spcAft>
-              <a:buFont typeface="Arial" panose="020B0604020202020204" pitchFamily="34" charset="0"/>
-              <a:buChar char="•"/>
-              <a:tabLst>
-                <a:tab pos="655638" algn="l"/>
-                <a:tab pos="1312863" algn="l"/>
-                <a:tab pos="1968500" algn="l"/>
-                <a:tab pos="2625725" algn="l"/>
-                <a:tab pos="3282950" algn="l"/>
-                <a:tab pos="3938588" algn="l"/>
-                <a:tab pos="4595813" algn="l"/>
-                <a:tab pos="5253038" algn="l"/>
-                <a:tab pos="5908675" algn="l"/>
-                <a:tab pos="6565900" algn="l"/>
-                <a:tab pos="7223125" algn="l"/>
-              </a:tabLst>
-              <a:defRPr>
-                <a:solidFill>
-                  <a:schemeClr val="tx1"/>
-                </a:solidFill>
-                <a:latin typeface="Calibri" panose="020F0502020204030204" pitchFamily="34" charset="0"/>
-              </a:defRPr>
-            </a:lvl7pPr>
-            <a:lvl8pPr marL="3429000" indent="-228600" fontAlgn="base">
-              <a:lnSpc>
-                <a:spcPct val="90000"/>
-              </a:lnSpc>
-              <a:spcBef>
-                <a:spcPts val="500"/>
-              </a:spcBef>
-              <a:spcAft>
-                <a:spcPct val="0"/>
-              </a:spcAft>
-              <a:buFont typeface="Arial" panose="020B0604020202020204" pitchFamily="34" charset="0"/>
-              <a:buChar char="•"/>
-              <a:tabLst>
-                <a:tab pos="655638" algn="l"/>
-                <a:tab pos="1312863" algn="l"/>
-                <a:tab pos="1968500" algn="l"/>
-                <a:tab pos="2625725" algn="l"/>
-                <a:tab pos="3282950" algn="l"/>
-                <a:tab pos="3938588" algn="l"/>
-                <a:tab pos="4595813" algn="l"/>
-                <a:tab pos="5253038" algn="l"/>
-                <a:tab pos="5908675" algn="l"/>
-                <a:tab pos="6565900" algn="l"/>
-                <a:tab pos="7223125" algn="l"/>
-              </a:tabLst>
-              <a:defRPr>
-                <a:solidFill>
-                  <a:schemeClr val="tx1"/>
-                </a:solidFill>
-                <a:latin typeface="Calibri" panose="020F0502020204030204" pitchFamily="34" charset="0"/>
-              </a:defRPr>
-            </a:lvl8pPr>
-            <a:lvl9pPr marL="3886200" indent="-228600" fontAlgn="base">
-              <a:lnSpc>
-                <a:spcPct val="90000"/>
-              </a:lnSpc>
-              <a:spcBef>
-                <a:spcPts val="500"/>
-              </a:spcBef>
-              <a:spcAft>
-                <a:spcPct val="0"/>
-              </a:spcAft>
-              <a:buFont typeface="Arial" panose="020B0604020202020204" pitchFamily="34" charset="0"/>
-              <a:buChar char="•"/>
-              <a:tabLst>
-                <a:tab pos="655638" algn="l"/>
-                <a:tab pos="1312863" algn="l"/>
-                <a:tab pos="1968500" algn="l"/>
-                <a:tab pos="2625725" algn="l"/>
-                <a:tab pos="3282950" algn="l"/>
-                <a:tab pos="3938588" algn="l"/>
-                <a:tab pos="4595813" algn="l"/>
-                <a:tab pos="5253038" algn="l"/>
-                <a:tab pos="5908675" algn="l"/>
-                <a:tab pos="6565900" algn="l"/>
-                <a:tab pos="7223125" algn="l"/>
-              </a:tabLst>
-              <a:defRPr>
-                <a:solidFill>
-                  <a:schemeClr val="tx1"/>
-                </a:solidFill>
-                <a:latin typeface="Calibri" panose="020F0502020204030204" pitchFamily="34" charset="0"/>
-              </a:defRPr>
-            </a:lvl9pPr>
-          </a:lstStyle>
-          <a:p>
-            <a:pPr eaLnBrk="1" hangingPunct="1">
-              <a:lnSpc>
-                <a:spcPct val="125000"/>
-              </a:lnSpc>
-              <a:spcBef>
-                <a:spcPct val="0"/>
-              </a:spcBef>
-              <a:buFontTx/>
-              <a:buNone/>
-            </a:pPr>
-            <a:r>
-              <a:rPr lang="en-US" altLang="en-US" sz="1800" dirty="0">
-                <a:latin typeface="Courier New" panose="02070309020205020404" pitchFamily="49" charset="0"/>
-                <a:cs typeface="Courier New" panose="02070309020205020404" pitchFamily="49" charset="0"/>
-              </a:rPr>
-              <a:t>&gt;&gt;&gt; from </a:t>
-            </a:r>
-            <a:r>
-              <a:rPr lang="en-US" altLang="en-US" sz="1800" dirty="0" err="1">
-                <a:latin typeface="Courier New" panose="02070309020205020404" pitchFamily="49" charset="0"/>
-                <a:cs typeface="Courier New" panose="02070309020205020404" pitchFamily="49" charset="0"/>
-              </a:rPr>
-              <a:t>data_store</a:t>
-            </a:r>
-            <a:r>
-              <a:rPr lang="en-US" altLang="en-US" sz="1800" dirty="0">
-                <a:latin typeface="Courier New" panose="02070309020205020404" pitchFamily="49" charset="0"/>
-                <a:cs typeface="Courier New" panose="02070309020205020404" pitchFamily="49" charset="0"/>
-              </a:rPr>
-              <a:t> import </a:t>
-            </a:r>
-            <a:r>
-              <a:rPr lang="en-US" altLang="en-US" sz="1800" dirty="0" err="1">
-                <a:latin typeface="Courier New" panose="02070309020205020404" pitchFamily="49" charset="0"/>
-                <a:cs typeface="Courier New" panose="02070309020205020404" pitchFamily="49" charset="0"/>
-              </a:rPr>
-              <a:t>DataStore</a:t>
-            </a:r>
-            <a:endParaRPr lang="en-US" altLang="en-US" sz="1800" dirty="0">
-              <a:latin typeface="Courier New" panose="02070309020205020404" pitchFamily="49" charset="0"/>
-              <a:cs typeface="Courier New" panose="02070309020205020404" pitchFamily="49" charset="0"/>
-            </a:endParaRPr>
-          </a:p>
-          <a:p>
-            <a:pPr eaLnBrk="1" hangingPunct="1">
-              <a:lnSpc>
-                <a:spcPct val="125000"/>
-              </a:lnSpc>
-              <a:spcBef>
-                <a:spcPct val="0"/>
-              </a:spcBef>
-              <a:buFontTx/>
-              <a:buNone/>
-            </a:pPr>
-            <a:r>
-              <a:rPr lang="en-US" altLang="en-US" sz="1800" dirty="0">
-                <a:latin typeface="Courier New" panose="02070309020205020404" pitchFamily="49" charset="0"/>
-                <a:cs typeface="Courier New" panose="02070309020205020404" pitchFamily="49" charset="0"/>
-              </a:rPr>
-              <a:t>&gt;&gt;&gt; ds = </a:t>
-            </a:r>
-            <a:r>
-              <a:rPr lang="en-US" altLang="en-US" sz="1800" dirty="0" err="1">
-                <a:latin typeface="Courier New" panose="02070309020205020404" pitchFamily="49" charset="0"/>
-                <a:cs typeface="Courier New" panose="02070309020205020404" pitchFamily="49" charset="0"/>
-              </a:rPr>
-              <a:t>DataStore</a:t>
-            </a:r>
-            <a:r>
-              <a:rPr lang="en-US" altLang="en-US" sz="1800" dirty="0">
-                <a:latin typeface="Courier New" panose="02070309020205020404" pitchFamily="49" charset="0"/>
-                <a:cs typeface="Courier New" panose="02070309020205020404" pitchFamily="49" charset="0"/>
-              </a:rPr>
-              <a:t>()</a:t>
-            </a:r>
-          </a:p>
-          <a:p>
-            <a:pPr eaLnBrk="1" hangingPunct="1">
-              <a:lnSpc>
-                <a:spcPct val="125000"/>
-              </a:lnSpc>
-              <a:spcBef>
-                <a:spcPct val="0"/>
-              </a:spcBef>
-              <a:buFontTx/>
-              <a:buNone/>
-            </a:pPr>
-            <a:r>
-              <a:rPr lang="en-US" altLang="en-US" sz="1800" dirty="0">
-                <a:latin typeface="Courier New" panose="02070309020205020404" pitchFamily="49" charset="0"/>
-                <a:cs typeface="Courier New" panose="02070309020205020404" pitchFamily="49" charset="0"/>
-              </a:rPr>
-              <a:t>&gt;&gt;&gt; </a:t>
-            </a:r>
-            <a:r>
-              <a:rPr lang="en-US" altLang="en-US" sz="1800" dirty="0" err="1">
-                <a:latin typeface="Courier New" panose="02070309020205020404" pitchFamily="49" charset="0"/>
-                <a:cs typeface="Courier New" panose="02070309020205020404" pitchFamily="49" charset="0"/>
-              </a:rPr>
-              <a:t>ds.add_measurement</a:t>
-            </a:r>
-            <a:r>
-              <a:rPr lang="en-US" altLang="en-US" sz="1800" dirty="0">
-                <a:latin typeface="Courier New" panose="02070309020205020404" pitchFamily="49" charset="0"/>
-                <a:cs typeface="Courier New" panose="02070309020205020404" pitchFamily="49" charset="0"/>
-              </a:rPr>
-              <a:t>(</a:t>
-            </a:r>
-            <a:r>
-              <a:rPr lang="en-US" altLang="en-US" sz="1800" dirty="0">
-                <a:solidFill>
-                  <a:srgbClr val="009900"/>
-                </a:solidFill>
-                <a:latin typeface="Courier New" panose="02070309020205020404" pitchFamily="49" charset="0"/>
-                <a:cs typeface="Courier New" panose="02070309020205020404" pitchFamily="49" charset="0"/>
-              </a:rPr>
-              <a:t>'2021-05-01'</a:t>
-            </a:r>
-            <a:r>
-              <a:rPr lang="en-US" altLang="en-US" sz="1800" dirty="0">
-                <a:latin typeface="Courier New" panose="02070309020205020404" pitchFamily="49" charset="0"/>
-                <a:cs typeface="Courier New" panose="02070309020205020404" pitchFamily="49" charset="0"/>
-              </a:rPr>
-              <a:t>,</a:t>
-            </a:r>
-            <a:r>
-              <a:rPr lang="en-US" altLang="en-US" sz="1800" dirty="0">
-                <a:solidFill>
-                  <a:srgbClr val="0070C0"/>
-                </a:solidFill>
-                <a:latin typeface="Courier New" panose="02070309020205020404" pitchFamily="49" charset="0"/>
-                <a:cs typeface="Courier New" panose="02070309020205020404" pitchFamily="49" charset="0"/>
-              </a:rPr>
-              <a:t>5</a:t>
-            </a:r>
-            <a:r>
-              <a:rPr lang="en-US" altLang="en-US" sz="1800" dirty="0">
-                <a:latin typeface="Courier New" panose="02070309020205020404" pitchFamily="49" charset="0"/>
-                <a:cs typeface="Courier New" panose="02070309020205020404" pitchFamily="49" charset="0"/>
-              </a:rPr>
-              <a:t>)</a:t>
-            </a:r>
-          </a:p>
-          <a:p>
-            <a:pPr eaLnBrk="1" hangingPunct="1">
-              <a:lnSpc>
-                <a:spcPct val="125000"/>
-              </a:lnSpc>
-              <a:spcBef>
-                <a:spcPct val="0"/>
-              </a:spcBef>
-              <a:buFontTx/>
-              <a:buNone/>
-            </a:pPr>
-            <a:r>
-              <a:rPr lang="en-US" altLang="en-US" sz="1800" dirty="0">
-                <a:latin typeface="Courier New" panose="02070309020205020404" pitchFamily="49" charset="0"/>
-                <a:cs typeface="Courier New" panose="02070309020205020404" pitchFamily="49" charset="0"/>
-              </a:rPr>
-              <a:t>&gt;&gt;&gt; </a:t>
-            </a:r>
-            <a:r>
-              <a:rPr lang="en-US" altLang="en-US" sz="1800" dirty="0" err="1">
-                <a:latin typeface="Courier New" panose="02070309020205020404" pitchFamily="49" charset="0"/>
-                <a:cs typeface="Courier New" panose="02070309020205020404" pitchFamily="49" charset="0"/>
-              </a:rPr>
-              <a:t>ds.print_measurements</a:t>
-            </a:r>
-            <a:r>
-              <a:rPr lang="en-US" altLang="en-US" sz="1800" dirty="0">
-                <a:latin typeface="Courier New" panose="02070309020205020404" pitchFamily="49" charset="0"/>
-                <a:cs typeface="Courier New" panose="02070309020205020404" pitchFamily="49" charset="0"/>
-              </a:rPr>
-              <a:t>()</a:t>
-            </a:r>
-          </a:p>
-          <a:p>
-            <a:pPr eaLnBrk="1" hangingPunct="1">
-              <a:lnSpc>
-                <a:spcPct val="125000"/>
-              </a:lnSpc>
-              <a:spcBef>
-                <a:spcPct val="0"/>
-              </a:spcBef>
-              <a:buFontTx/>
-              <a:buNone/>
-            </a:pPr>
-            <a:r>
-              <a:rPr lang="en-US" altLang="en-US" sz="1800" dirty="0">
-                <a:latin typeface="Courier New" panose="02070309020205020404" pitchFamily="49" charset="0"/>
-                <a:cs typeface="Courier New" panose="02070309020205020404" pitchFamily="49" charset="0"/>
-              </a:rPr>
-              <a:t>2021-05-01 5</a:t>
-            </a:r>
-          </a:p>
-          <a:p>
-            <a:pPr eaLnBrk="1" hangingPunct="1">
-              <a:lnSpc>
-                <a:spcPct val="125000"/>
-              </a:lnSpc>
-              <a:spcBef>
-                <a:spcPct val="0"/>
-              </a:spcBef>
-              <a:buFontTx/>
-              <a:buNone/>
-            </a:pPr>
-            <a:endParaRPr lang="en-US" altLang="en-US" sz="1800" dirty="0">
-              <a:latin typeface="Courier New" panose="02070309020205020404" pitchFamily="49" charset="0"/>
-              <a:cs typeface="Courier New" panose="02070309020205020404" pitchFamily="49" charset="0"/>
-            </a:endParaRPr>
-          </a:p>
-          <a:p>
-            <a:pPr eaLnBrk="1" hangingPunct="1">
-              <a:lnSpc>
-                <a:spcPct val="125000"/>
-              </a:lnSpc>
-              <a:spcBef>
-                <a:spcPct val="0"/>
-              </a:spcBef>
-              <a:buFontTx/>
-              <a:buNone/>
-            </a:pPr>
-            <a:endParaRPr lang="en-US" altLang="en-US" sz="1800" dirty="0">
-              <a:latin typeface="Courier New" panose="02070309020205020404" pitchFamily="49" charset="0"/>
-              <a:cs typeface="Courier New" panose="02070309020205020404" pitchFamily="49" charset="0"/>
-            </a:endParaRPr>
-          </a:p>
-          <a:p>
-            <a:pPr eaLnBrk="1" hangingPunct="1">
-              <a:lnSpc>
-                <a:spcPct val="125000"/>
-              </a:lnSpc>
-              <a:spcBef>
-                <a:spcPct val="0"/>
-              </a:spcBef>
-              <a:buFontTx/>
-              <a:buNone/>
-            </a:pPr>
-            <a:endParaRPr lang="en-US" altLang="en-US" sz="1800" dirty="0">
-              <a:latin typeface="Courier New" panose="02070309020205020404" pitchFamily="49" charset="0"/>
-              <a:cs typeface="Courier New" panose="02070309020205020404" pitchFamily="49" charset="0"/>
-            </a:endParaRPr>
-          </a:p>
-          <a:p>
-            <a:pPr eaLnBrk="1" hangingPunct="1">
-              <a:lnSpc>
-                <a:spcPct val="125000"/>
-              </a:lnSpc>
-              <a:spcBef>
-                <a:spcPct val="0"/>
-              </a:spcBef>
-              <a:buFontTx/>
-              <a:buNone/>
-            </a:pPr>
-            <a:r>
-              <a:rPr lang="en-US" altLang="en-US" sz="1800" dirty="0">
-                <a:latin typeface="Courier New" panose="02070309020205020404" pitchFamily="49" charset="0"/>
-                <a:cs typeface="Courier New" panose="02070309020205020404" pitchFamily="49" charset="0"/>
-              </a:rPr>
-              <a:t>&gt;&gt;&gt; </a:t>
-            </a:r>
-            <a:r>
-              <a:rPr lang="en-US" altLang="en-US" sz="1800" dirty="0" err="1">
-                <a:latin typeface="Courier New" panose="02070309020205020404" pitchFamily="49" charset="0"/>
-                <a:cs typeface="Courier New" panose="02070309020205020404" pitchFamily="49" charset="0"/>
-              </a:rPr>
-              <a:t>ts</a:t>
-            </a:r>
-            <a:r>
-              <a:rPr lang="en-US" altLang="en-US" sz="1800" dirty="0">
-                <a:latin typeface="Courier New" panose="02070309020205020404" pitchFamily="49" charset="0"/>
-                <a:cs typeface="Courier New" panose="02070309020205020404" pitchFamily="49" charset="0"/>
-              </a:rPr>
-              <a:t> = </a:t>
-            </a:r>
-            <a:r>
-              <a:rPr lang="en-US" altLang="en-US" sz="1800" dirty="0" err="1">
-                <a:latin typeface="Courier New" panose="02070309020205020404" pitchFamily="49" charset="0"/>
-                <a:cs typeface="Courier New" panose="02070309020205020404" pitchFamily="49" charset="0"/>
-              </a:rPr>
-              <a:t>TemperatureStore</a:t>
-            </a:r>
-            <a:r>
-              <a:rPr lang="en-US" altLang="en-US" sz="1800" dirty="0">
-                <a:latin typeface="Courier New" panose="02070309020205020404" pitchFamily="49" charset="0"/>
-                <a:cs typeface="Courier New" panose="02070309020205020404" pitchFamily="49" charset="0"/>
-              </a:rPr>
-              <a:t>()</a:t>
-            </a:r>
-          </a:p>
-          <a:p>
-            <a:pPr eaLnBrk="1" hangingPunct="1">
-              <a:lnSpc>
-                <a:spcPct val="125000"/>
-              </a:lnSpc>
-              <a:spcBef>
-                <a:spcPct val="0"/>
-              </a:spcBef>
-              <a:buFontTx/>
-              <a:buNone/>
-            </a:pPr>
-            <a:r>
-              <a:rPr lang="en-US" altLang="en-US" sz="1800" dirty="0">
-                <a:latin typeface="Courier New" panose="02070309020205020404" pitchFamily="49" charset="0"/>
-                <a:cs typeface="Courier New" panose="02070309020205020404" pitchFamily="49" charset="0"/>
-              </a:rPr>
-              <a:t>&gt;&gt;&gt; </a:t>
-            </a:r>
-            <a:r>
-              <a:rPr lang="en-US" altLang="en-US" sz="1800" dirty="0" err="1">
-                <a:latin typeface="Courier New" panose="02070309020205020404" pitchFamily="49" charset="0"/>
-                <a:cs typeface="Courier New" panose="02070309020205020404" pitchFamily="49" charset="0"/>
-              </a:rPr>
-              <a:t>ts.add_measurement</a:t>
-            </a:r>
-            <a:r>
-              <a:rPr lang="en-US" altLang="en-US" sz="1800" dirty="0">
-                <a:latin typeface="Courier New" panose="02070309020205020404" pitchFamily="49" charset="0"/>
-                <a:cs typeface="Courier New" panose="02070309020205020404" pitchFamily="49" charset="0"/>
-              </a:rPr>
-              <a:t>(</a:t>
-            </a:r>
-            <a:r>
-              <a:rPr lang="en-US" altLang="en-US" sz="1800" dirty="0">
-                <a:solidFill>
-                  <a:srgbClr val="00B050"/>
-                </a:solidFill>
-                <a:latin typeface="Courier New" panose="02070309020205020404" pitchFamily="49" charset="0"/>
-                <a:cs typeface="Courier New" panose="02070309020205020404" pitchFamily="49" charset="0"/>
-              </a:rPr>
-              <a:t>'2021-05-01'</a:t>
-            </a:r>
-            <a:r>
-              <a:rPr lang="en-US" altLang="en-US" sz="1800" dirty="0">
-                <a:latin typeface="Courier New" panose="02070309020205020404" pitchFamily="49" charset="0"/>
-                <a:cs typeface="Courier New" panose="02070309020205020404" pitchFamily="49" charset="0"/>
-              </a:rPr>
-              <a:t>,</a:t>
-            </a:r>
-            <a:r>
-              <a:rPr lang="en-US" altLang="en-US" sz="1800" dirty="0">
-                <a:solidFill>
-                  <a:srgbClr val="0070C0"/>
-                </a:solidFill>
-                <a:latin typeface="Courier New" panose="02070309020205020404" pitchFamily="49" charset="0"/>
-                <a:cs typeface="Courier New" panose="02070309020205020404" pitchFamily="49" charset="0"/>
-              </a:rPr>
-              <a:t>5</a:t>
-            </a:r>
-            <a:r>
-              <a:rPr lang="en-US" altLang="en-US" sz="1800" dirty="0">
-                <a:latin typeface="Courier New" panose="02070309020205020404" pitchFamily="49" charset="0"/>
-                <a:cs typeface="Courier New" panose="02070309020205020404" pitchFamily="49" charset="0"/>
-              </a:rPr>
-              <a:t>)</a:t>
-            </a:r>
-          </a:p>
-          <a:p>
-            <a:pPr eaLnBrk="1" hangingPunct="1">
-              <a:lnSpc>
-                <a:spcPct val="125000"/>
-              </a:lnSpc>
-              <a:spcBef>
-                <a:spcPct val="0"/>
-              </a:spcBef>
-              <a:buFontTx/>
-              <a:buNone/>
-            </a:pPr>
-            <a:r>
-              <a:rPr lang="en-US" altLang="en-US" sz="1800" dirty="0">
-                <a:latin typeface="Courier New" panose="02070309020205020404" pitchFamily="49" charset="0"/>
-                <a:cs typeface="Courier New" panose="02070309020205020404" pitchFamily="49" charset="0"/>
-              </a:rPr>
-              <a:t>&gt;&gt;&gt; </a:t>
-            </a:r>
-            <a:r>
-              <a:rPr lang="en-US" altLang="en-US" sz="1800" dirty="0" err="1">
-                <a:latin typeface="Courier New" panose="02070309020205020404" pitchFamily="49" charset="0"/>
-                <a:cs typeface="Courier New" panose="02070309020205020404" pitchFamily="49" charset="0"/>
-              </a:rPr>
-              <a:t>ts.print_measurements</a:t>
-            </a:r>
-            <a:r>
-              <a:rPr lang="en-US" altLang="en-US" sz="1800" dirty="0">
-                <a:latin typeface="Courier New" panose="02070309020205020404" pitchFamily="49" charset="0"/>
-                <a:cs typeface="Courier New" panose="02070309020205020404" pitchFamily="49" charset="0"/>
-              </a:rPr>
-              <a:t>()</a:t>
-            </a:r>
-          </a:p>
-          <a:p>
-            <a:pPr eaLnBrk="1" hangingPunct="1">
-              <a:lnSpc>
-                <a:spcPct val="125000"/>
-              </a:lnSpc>
-              <a:spcBef>
-                <a:spcPct val="0"/>
-              </a:spcBef>
-              <a:buFontTx/>
-              <a:buNone/>
-            </a:pPr>
-            <a:r>
-              <a:rPr lang="en-US" altLang="en-US" sz="1800" dirty="0">
-                <a:latin typeface="Courier New" panose="02070309020205020404" pitchFamily="49" charset="0"/>
-                <a:cs typeface="Courier New" panose="02070309020205020404" pitchFamily="49" charset="0"/>
-              </a:rPr>
-              <a:t>2021-05-01 277.15</a:t>
-            </a:r>
-          </a:p>
-          <a:p>
-            <a:pPr eaLnBrk="1" hangingPunct="1">
-              <a:lnSpc>
-                <a:spcPct val="125000"/>
-              </a:lnSpc>
-              <a:spcBef>
-                <a:spcPct val="0"/>
-              </a:spcBef>
-              <a:buFontTx/>
-              <a:buNone/>
-            </a:pPr>
-            <a:endParaRPr lang="en-US" altLang="en-US" sz="1800" dirty="0"/>
-          </a:p>
-        </p:txBody>
-      </p:sp>
-      <p:sp>
-        <p:nvSpPr>
-          <p:cNvPr id="7" name="Rectangular Callout 6">
-            <a:extLst>
-              <a:ext uri="{FF2B5EF4-FFF2-40B4-BE49-F238E27FC236}">
-                <a16:creationId xmlns:a16="http://schemas.microsoft.com/office/drawing/2014/main" id="{F4AEA946-F620-2244-BDD9-A6EBCFCCC261}"/>
-              </a:ext>
-            </a:extLst>
-          </p:cNvPr>
-          <p:cNvSpPr/>
-          <p:nvPr/>
-        </p:nvSpPr>
-        <p:spPr>
-          <a:xfrm>
-            <a:off x="6156176" y="4297362"/>
-            <a:ext cx="2880320" cy="1143000"/>
-          </a:xfrm>
-          <a:prstGeom prst="wedgeRectCallout">
-            <a:avLst>
-              <a:gd name="adj1" fmla="val -84969"/>
-              <a:gd name="adj2" fmla="val 21408"/>
-            </a:avLst>
-          </a:prstGeom>
-        </p:spPr>
-        <p:style>
-          <a:lnRef idx="2">
-            <a:schemeClr val="accent2"/>
-          </a:lnRef>
-          <a:fillRef idx="1">
-            <a:schemeClr val="lt1"/>
-          </a:fillRef>
-          <a:effectRef idx="0">
-            <a:schemeClr val="accent2"/>
-          </a:effectRef>
-          <a:fontRef idx="minor">
-            <a:schemeClr val="dk1"/>
-          </a:fontRef>
-        </p:style>
-        <p:txBody>
-          <a:bodyPr anchor="ctr"/>
-          <a:lstStyle/>
-          <a:p>
-            <a:pPr algn="ctr" eaLnBrk="1" hangingPunct="1">
-              <a:defRPr/>
-            </a:pPr>
-            <a:r>
-              <a:rPr lang="en-GB" dirty="0"/>
-              <a:t>Can still use </a:t>
-            </a:r>
-            <a:r>
-              <a:rPr lang="en-GB" i="1" dirty="0" err="1"/>
-              <a:t>print_measurements</a:t>
-            </a:r>
-            <a:r>
-              <a:rPr lang="en-GB" i="1" dirty="0"/>
-              <a:t> </a:t>
-            </a:r>
-            <a:r>
-              <a:rPr lang="en-GB" dirty="0"/>
-              <a:t>from </a:t>
-            </a:r>
-            <a:r>
-              <a:rPr lang="en-GB" dirty="0" err="1"/>
-              <a:t>DataStore</a:t>
-            </a:r>
-            <a:endParaRPr lang="en-GB" dirty="0"/>
-          </a:p>
-        </p:txBody>
-      </p:sp>
-    </p:spTree>
-    <p:extLst>
-      <p:ext uri="{BB962C8B-B14F-4D97-AF65-F5344CB8AC3E}">
-        <p14:creationId xmlns:p14="http://schemas.microsoft.com/office/powerpoint/2010/main" val="3014404909"/>
-      </p:ext>
-    </p:extLst>
-  </p:cSld>
-  <p:clrMapOvr>
-    <a:masterClrMapping/>
-  </p:clrMapOvr>
-</p:sld>
-</file>
-
-<file path=ppt/slides/slide38.xml><?xml version="1.0" encoding="utf-8"?>
-<p:sld xmlns:a="http://schemas.openxmlformats.org/drawingml/2006/main" xmlns:r="http://schemas.openxmlformats.org/officeDocument/2006/relationships" xmlns:p="http://schemas.openxmlformats.org/presentationml/2006/main">
-  <p:cSld>
-    <p:spTree>
-      <p:nvGrpSpPr>
-        <p:cNvPr id="1" name=""/>
-        <p:cNvGrpSpPr/>
-        <p:nvPr/>
-      </p:nvGrpSpPr>
-      <p:grpSpPr>
-        <a:xfrm>
-          <a:off x="0" y="0"/>
-          <a:ext cx="0" cy="0"/>
-          <a:chOff x="0" y="0"/>
-          <a:chExt cx="0" cy="0"/>
-        </a:xfrm>
-      </p:grpSpPr>
-      <p:sp>
-        <p:nvSpPr>
-          <p:cNvPr id="20482" name="Title 1"/>
-          <p:cNvSpPr>
-            <a:spLocks noGrp="1"/>
-          </p:cNvSpPr>
-          <p:nvPr>
-            <p:ph type="title" idx="4294967295"/>
-          </p:nvPr>
-        </p:nvSpPr>
-        <p:spPr>
-          <a:xfrm>
-            <a:off x="374650" y="274638"/>
-            <a:ext cx="8229600" cy="1143000"/>
-          </a:xfrm>
-        </p:spPr>
-        <p:txBody>
-          <a:bodyPr/>
-          <a:lstStyle/>
-          <a:p>
-            <a:r>
-              <a:rPr lang="en-GB" altLang="en-US" dirty="0"/>
-              <a:t>Inheritance</a:t>
-            </a:r>
-          </a:p>
-        </p:txBody>
-      </p:sp>
-      <p:sp>
-        <p:nvSpPr>
-          <p:cNvPr id="20483" name="Text Box 2"/>
-          <p:cNvSpPr txBox="1">
-            <a:spLocks noChangeArrowheads="1"/>
-          </p:cNvSpPr>
-          <p:nvPr/>
-        </p:nvSpPr>
-        <p:spPr bwMode="auto">
-          <a:xfrm>
-            <a:off x="374650" y="1417638"/>
-            <a:ext cx="7920038" cy="4171602"/>
-          </a:xfrm>
-          <a:prstGeom prst="rect">
-            <a:avLst/>
-          </a:prstGeom>
-          <a:noFill/>
-          <a:ln>
-            <a:noFill/>
-          </a:ln>
-          <a:extLst>
-            <a:ext uri="{909E8E84-426E-40DD-AFC4-6F175D3DCCD1}">
-              <a14:hiddenFill xmlns:a14="http://schemas.microsoft.com/office/drawing/2010/main">
-                <a:solidFill>
-                  <a:srgbClr val="FFFFFF"/>
-                </a:solidFill>
-              </a14:hiddenFill>
-            </a:ext>
-            <a:ext uri="{91240B29-F687-4F45-9708-019B960494DF}">
-              <a14:hiddenLine xmlns:a14="http://schemas.microsoft.com/office/drawing/2010/main" w="9525">
-                <a:solidFill>
-                  <a:srgbClr val="000000"/>
-                </a:solidFill>
-                <a:round/>
-                <a:headEnd/>
-                <a:tailEnd/>
-              </a14:hiddenLine>
-            </a:ext>
-          </a:extLst>
-        </p:spPr>
-        <p:txBody>
-          <a:bodyPr wrap="none" lIns="81639" tIns="40820" rIns="81639" bIns="40820"/>
-          <a:lstStyle>
-            <a:lvl1pPr>
-              <a:lnSpc>
-                <a:spcPct val="90000"/>
-              </a:lnSpc>
-              <a:spcBef>
-                <a:spcPts val="1000"/>
-              </a:spcBef>
-              <a:buFont typeface="Arial" panose="020B0604020202020204" pitchFamily="34" charset="0"/>
-              <a:buChar char="•"/>
-              <a:tabLst>
-                <a:tab pos="655638" algn="l"/>
-                <a:tab pos="1312863" algn="l"/>
-                <a:tab pos="1968500" algn="l"/>
-                <a:tab pos="2625725" algn="l"/>
-                <a:tab pos="3282950" algn="l"/>
-                <a:tab pos="3938588" algn="l"/>
-                <a:tab pos="4595813" algn="l"/>
-                <a:tab pos="5253038" algn="l"/>
-                <a:tab pos="5908675" algn="l"/>
-                <a:tab pos="6565900" algn="l"/>
-                <a:tab pos="7223125" algn="l"/>
-              </a:tabLst>
-              <a:defRPr sz="2800">
-                <a:solidFill>
-                  <a:schemeClr val="tx1"/>
-                </a:solidFill>
-                <a:latin typeface="Calibri" panose="020F0502020204030204" pitchFamily="34" charset="0"/>
-              </a:defRPr>
-            </a:lvl1pPr>
-            <a:lvl2pPr marL="742950" indent="-285750">
-              <a:lnSpc>
-                <a:spcPct val="90000"/>
-              </a:lnSpc>
-              <a:spcBef>
-                <a:spcPts val="500"/>
-              </a:spcBef>
-              <a:buFont typeface="Arial" panose="020B0604020202020204" pitchFamily="34" charset="0"/>
-              <a:buChar char="•"/>
-              <a:tabLst>
-                <a:tab pos="655638" algn="l"/>
-                <a:tab pos="1312863" algn="l"/>
-                <a:tab pos="1968500" algn="l"/>
-                <a:tab pos="2625725" algn="l"/>
-                <a:tab pos="3282950" algn="l"/>
-                <a:tab pos="3938588" algn="l"/>
-                <a:tab pos="4595813" algn="l"/>
-                <a:tab pos="5253038" algn="l"/>
-                <a:tab pos="5908675" algn="l"/>
-                <a:tab pos="6565900" algn="l"/>
-                <a:tab pos="7223125" algn="l"/>
-              </a:tabLst>
-              <a:defRPr sz="2400">
-                <a:solidFill>
-                  <a:schemeClr val="tx1"/>
-                </a:solidFill>
-                <a:latin typeface="Calibri" panose="020F0502020204030204" pitchFamily="34" charset="0"/>
-              </a:defRPr>
-            </a:lvl2pPr>
-            <a:lvl3pPr marL="1143000" indent="-228600">
-              <a:lnSpc>
-                <a:spcPct val="90000"/>
-              </a:lnSpc>
-              <a:spcBef>
-                <a:spcPts val="500"/>
-              </a:spcBef>
-              <a:buFont typeface="Arial" panose="020B0604020202020204" pitchFamily="34" charset="0"/>
-              <a:buChar char="•"/>
-              <a:tabLst>
-                <a:tab pos="655638" algn="l"/>
-                <a:tab pos="1312863" algn="l"/>
-                <a:tab pos="1968500" algn="l"/>
-                <a:tab pos="2625725" algn="l"/>
-                <a:tab pos="3282950" algn="l"/>
-                <a:tab pos="3938588" algn="l"/>
-                <a:tab pos="4595813" algn="l"/>
-                <a:tab pos="5253038" algn="l"/>
-                <a:tab pos="5908675" algn="l"/>
-                <a:tab pos="6565900" algn="l"/>
-                <a:tab pos="7223125" algn="l"/>
-              </a:tabLst>
-              <a:defRPr sz="2000">
-                <a:solidFill>
-                  <a:schemeClr val="tx1"/>
-                </a:solidFill>
-                <a:latin typeface="Calibri" panose="020F0502020204030204" pitchFamily="34" charset="0"/>
-              </a:defRPr>
-            </a:lvl3pPr>
-            <a:lvl4pPr marL="1600200" indent="-228600">
-              <a:lnSpc>
-                <a:spcPct val="90000"/>
-              </a:lnSpc>
-              <a:spcBef>
-                <a:spcPts val="500"/>
-              </a:spcBef>
-              <a:buFont typeface="Arial" panose="020B0604020202020204" pitchFamily="34" charset="0"/>
-              <a:buChar char="•"/>
-              <a:tabLst>
-                <a:tab pos="655638" algn="l"/>
-                <a:tab pos="1312863" algn="l"/>
-                <a:tab pos="1968500" algn="l"/>
-                <a:tab pos="2625725" algn="l"/>
-                <a:tab pos="3282950" algn="l"/>
-                <a:tab pos="3938588" algn="l"/>
-                <a:tab pos="4595813" algn="l"/>
-                <a:tab pos="5253038" algn="l"/>
-                <a:tab pos="5908675" algn="l"/>
-                <a:tab pos="6565900" algn="l"/>
-                <a:tab pos="7223125" algn="l"/>
-              </a:tabLst>
-              <a:defRPr>
-                <a:solidFill>
-                  <a:schemeClr val="tx1"/>
-                </a:solidFill>
-                <a:latin typeface="Calibri" panose="020F0502020204030204" pitchFamily="34" charset="0"/>
-              </a:defRPr>
-            </a:lvl4pPr>
-            <a:lvl5pPr marL="2057400" indent="-228600">
-              <a:lnSpc>
-                <a:spcPct val="90000"/>
-              </a:lnSpc>
-              <a:spcBef>
-                <a:spcPts val="500"/>
-              </a:spcBef>
-              <a:buFont typeface="Arial" panose="020B0604020202020204" pitchFamily="34" charset="0"/>
-              <a:buChar char="•"/>
-              <a:tabLst>
-                <a:tab pos="655638" algn="l"/>
-                <a:tab pos="1312863" algn="l"/>
-                <a:tab pos="1968500" algn="l"/>
-                <a:tab pos="2625725" algn="l"/>
-                <a:tab pos="3282950" algn="l"/>
-                <a:tab pos="3938588" algn="l"/>
-                <a:tab pos="4595813" algn="l"/>
-                <a:tab pos="5253038" algn="l"/>
-                <a:tab pos="5908675" algn="l"/>
-                <a:tab pos="6565900" algn="l"/>
-                <a:tab pos="7223125" algn="l"/>
-              </a:tabLst>
-              <a:defRPr>
-                <a:solidFill>
-                  <a:schemeClr val="tx1"/>
-                </a:solidFill>
-                <a:latin typeface="Calibri" panose="020F0502020204030204" pitchFamily="34" charset="0"/>
-              </a:defRPr>
-            </a:lvl5pPr>
-            <a:lvl6pPr marL="2514600" indent="-228600" fontAlgn="base">
-              <a:lnSpc>
-                <a:spcPct val="90000"/>
-              </a:lnSpc>
-              <a:spcBef>
-                <a:spcPts val="500"/>
-              </a:spcBef>
-              <a:spcAft>
-                <a:spcPct val="0"/>
-              </a:spcAft>
-              <a:buFont typeface="Arial" panose="020B0604020202020204" pitchFamily="34" charset="0"/>
-              <a:buChar char="•"/>
-              <a:tabLst>
-                <a:tab pos="655638" algn="l"/>
-                <a:tab pos="1312863" algn="l"/>
-                <a:tab pos="1968500" algn="l"/>
-                <a:tab pos="2625725" algn="l"/>
-                <a:tab pos="3282950" algn="l"/>
-                <a:tab pos="3938588" algn="l"/>
-                <a:tab pos="4595813" algn="l"/>
-                <a:tab pos="5253038" algn="l"/>
-                <a:tab pos="5908675" algn="l"/>
-                <a:tab pos="6565900" algn="l"/>
-                <a:tab pos="7223125" algn="l"/>
-              </a:tabLst>
-              <a:defRPr>
-                <a:solidFill>
-                  <a:schemeClr val="tx1"/>
-                </a:solidFill>
-                <a:latin typeface="Calibri" panose="020F0502020204030204" pitchFamily="34" charset="0"/>
-              </a:defRPr>
-            </a:lvl6pPr>
-            <a:lvl7pPr marL="2971800" indent="-228600" fontAlgn="base">
-              <a:lnSpc>
-                <a:spcPct val="90000"/>
-              </a:lnSpc>
-              <a:spcBef>
-                <a:spcPts val="500"/>
-              </a:spcBef>
-              <a:spcAft>
-                <a:spcPct val="0"/>
-              </a:spcAft>
-              <a:buFont typeface="Arial" panose="020B0604020202020204" pitchFamily="34" charset="0"/>
-              <a:buChar char="•"/>
-              <a:tabLst>
-                <a:tab pos="655638" algn="l"/>
-                <a:tab pos="1312863" algn="l"/>
-                <a:tab pos="1968500" algn="l"/>
-                <a:tab pos="2625725" algn="l"/>
-                <a:tab pos="3282950" algn="l"/>
-                <a:tab pos="3938588" algn="l"/>
-                <a:tab pos="4595813" algn="l"/>
-                <a:tab pos="5253038" algn="l"/>
-                <a:tab pos="5908675" algn="l"/>
-                <a:tab pos="6565900" algn="l"/>
-                <a:tab pos="7223125" algn="l"/>
-              </a:tabLst>
-              <a:defRPr>
-                <a:solidFill>
-                  <a:schemeClr val="tx1"/>
-                </a:solidFill>
-                <a:latin typeface="Calibri" panose="020F0502020204030204" pitchFamily="34" charset="0"/>
-              </a:defRPr>
-            </a:lvl7pPr>
-            <a:lvl8pPr marL="3429000" indent="-228600" fontAlgn="base">
-              <a:lnSpc>
-                <a:spcPct val="90000"/>
-              </a:lnSpc>
-              <a:spcBef>
-                <a:spcPts val="500"/>
-              </a:spcBef>
-              <a:spcAft>
-                <a:spcPct val="0"/>
-              </a:spcAft>
-              <a:buFont typeface="Arial" panose="020B0604020202020204" pitchFamily="34" charset="0"/>
-              <a:buChar char="•"/>
-              <a:tabLst>
-                <a:tab pos="655638" algn="l"/>
-                <a:tab pos="1312863" algn="l"/>
-                <a:tab pos="1968500" algn="l"/>
-                <a:tab pos="2625725" algn="l"/>
-                <a:tab pos="3282950" algn="l"/>
-                <a:tab pos="3938588" algn="l"/>
-                <a:tab pos="4595813" algn="l"/>
-                <a:tab pos="5253038" algn="l"/>
-                <a:tab pos="5908675" algn="l"/>
-                <a:tab pos="6565900" algn="l"/>
-                <a:tab pos="7223125" algn="l"/>
-              </a:tabLst>
-              <a:defRPr>
-                <a:solidFill>
-                  <a:schemeClr val="tx1"/>
-                </a:solidFill>
-                <a:latin typeface="Calibri" panose="020F0502020204030204" pitchFamily="34" charset="0"/>
-              </a:defRPr>
-            </a:lvl8pPr>
-            <a:lvl9pPr marL="3886200" indent="-228600" fontAlgn="base">
-              <a:lnSpc>
-                <a:spcPct val="90000"/>
-              </a:lnSpc>
-              <a:spcBef>
-                <a:spcPts val="500"/>
-              </a:spcBef>
-              <a:spcAft>
-                <a:spcPct val="0"/>
-              </a:spcAft>
-              <a:buFont typeface="Arial" panose="020B0604020202020204" pitchFamily="34" charset="0"/>
-              <a:buChar char="•"/>
-              <a:tabLst>
-                <a:tab pos="655638" algn="l"/>
-                <a:tab pos="1312863" algn="l"/>
-                <a:tab pos="1968500" algn="l"/>
-                <a:tab pos="2625725" algn="l"/>
-                <a:tab pos="3282950" algn="l"/>
-                <a:tab pos="3938588" algn="l"/>
-                <a:tab pos="4595813" algn="l"/>
-                <a:tab pos="5253038" algn="l"/>
-                <a:tab pos="5908675" algn="l"/>
-                <a:tab pos="6565900" algn="l"/>
-                <a:tab pos="7223125" algn="l"/>
-              </a:tabLst>
-              <a:defRPr>
-                <a:solidFill>
-                  <a:schemeClr val="tx1"/>
-                </a:solidFill>
-                <a:latin typeface="Calibri" panose="020F0502020204030204" pitchFamily="34" charset="0"/>
-              </a:defRPr>
-            </a:lvl9pPr>
-          </a:lstStyle>
-          <a:p>
-            <a:pPr eaLnBrk="1" hangingPunct="1">
-              <a:lnSpc>
-                <a:spcPct val="125000"/>
-              </a:lnSpc>
-              <a:spcBef>
-                <a:spcPct val="0"/>
-              </a:spcBef>
-              <a:buFontTx/>
-              <a:buNone/>
-            </a:pPr>
-            <a:r>
-              <a:rPr lang="en-US" altLang="en-US" sz="1800" dirty="0">
-                <a:latin typeface="Courier New" panose="02070309020205020404" pitchFamily="49" charset="0"/>
-                <a:cs typeface="Courier New" panose="02070309020205020404" pitchFamily="49" charset="0"/>
-              </a:rPr>
-              <a:t>&gt;&gt;&gt; from </a:t>
-            </a:r>
-            <a:r>
-              <a:rPr lang="en-US" altLang="en-US" sz="1800" dirty="0" err="1">
-                <a:latin typeface="Courier New" panose="02070309020205020404" pitchFamily="49" charset="0"/>
-                <a:cs typeface="Courier New" panose="02070309020205020404" pitchFamily="49" charset="0"/>
-              </a:rPr>
-              <a:t>data_store</a:t>
-            </a:r>
-            <a:r>
-              <a:rPr lang="en-US" altLang="en-US" sz="1800" dirty="0">
-                <a:latin typeface="Courier New" panose="02070309020205020404" pitchFamily="49" charset="0"/>
-                <a:cs typeface="Courier New" panose="02070309020205020404" pitchFamily="49" charset="0"/>
-              </a:rPr>
-              <a:t> import </a:t>
-            </a:r>
-            <a:r>
-              <a:rPr lang="en-US" altLang="en-US" sz="1800" dirty="0" err="1">
-                <a:latin typeface="Courier New" panose="02070309020205020404" pitchFamily="49" charset="0"/>
-                <a:cs typeface="Courier New" panose="02070309020205020404" pitchFamily="49" charset="0"/>
-              </a:rPr>
-              <a:t>DataStore</a:t>
-            </a:r>
-            <a:endParaRPr lang="en-US" altLang="en-US" sz="1800" dirty="0">
-              <a:latin typeface="Courier New" panose="02070309020205020404" pitchFamily="49" charset="0"/>
-              <a:cs typeface="Courier New" panose="02070309020205020404" pitchFamily="49" charset="0"/>
-            </a:endParaRPr>
-          </a:p>
-          <a:p>
-            <a:pPr eaLnBrk="1" hangingPunct="1">
-              <a:lnSpc>
-                <a:spcPct val="125000"/>
-              </a:lnSpc>
-              <a:spcBef>
-                <a:spcPct val="0"/>
-              </a:spcBef>
-              <a:buFontTx/>
-              <a:buNone/>
-            </a:pPr>
-            <a:r>
-              <a:rPr lang="en-US" altLang="en-US" sz="1800" dirty="0">
-                <a:latin typeface="Courier New" panose="02070309020205020404" pitchFamily="49" charset="0"/>
-                <a:cs typeface="Courier New" panose="02070309020205020404" pitchFamily="49" charset="0"/>
-              </a:rPr>
-              <a:t>&gt;&gt;&gt; ds = </a:t>
-            </a:r>
-            <a:r>
-              <a:rPr lang="en-US" altLang="en-US" sz="1800" dirty="0" err="1">
-                <a:latin typeface="Courier New" panose="02070309020205020404" pitchFamily="49" charset="0"/>
-                <a:cs typeface="Courier New" panose="02070309020205020404" pitchFamily="49" charset="0"/>
-              </a:rPr>
-              <a:t>DataStore</a:t>
-            </a:r>
-            <a:r>
-              <a:rPr lang="en-US" altLang="en-US" sz="1800" dirty="0">
-                <a:latin typeface="Courier New" panose="02070309020205020404" pitchFamily="49" charset="0"/>
-                <a:cs typeface="Courier New" panose="02070309020205020404" pitchFamily="49" charset="0"/>
-              </a:rPr>
-              <a:t>()</a:t>
-            </a:r>
-          </a:p>
-          <a:p>
-            <a:pPr eaLnBrk="1" hangingPunct="1">
-              <a:lnSpc>
-                <a:spcPct val="125000"/>
-              </a:lnSpc>
-              <a:spcBef>
-                <a:spcPct val="0"/>
-              </a:spcBef>
-              <a:buFontTx/>
-              <a:buNone/>
-            </a:pPr>
-            <a:r>
-              <a:rPr lang="en-US" altLang="en-US" sz="1800" dirty="0">
-                <a:latin typeface="Courier New" panose="02070309020205020404" pitchFamily="49" charset="0"/>
-                <a:cs typeface="Courier New" panose="02070309020205020404" pitchFamily="49" charset="0"/>
-              </a:rPr>
-              <a:t>&gt;&gt;&gt; </a:t>
-            </a:r>
-            <a:r>
-              <a:rPr lang="en-US" altLang="en-US" sz="1800" dirty="0" err="1">
-                <a:latin typeface="Courier New" panose="02070309020205020404" pitchFamily="49" charset="0"/>
-                <a:cs typeface="Courier New" panose="02070309020205020404" pitchFamily="49" charset="0"/>
-              </a:rPr>
-              <a:t>ds.add_measurement</a:t>
-            </a:r>
-            <a:r>
-              <a:rPr lang="en-US" altLang="en-US" sz="1800" dirty="0">
-                <a:latin typeface="Courier New" panose="02070309020205020404" pitchFamily="49" charset="0"/>
-                <a:cs typeface="Courier New" panose="02070309020205020404" pitchFamily="49" charset="0"/>
-              </a:rPr>
-              <a:t>(</a:t>
-            </a:r>
-            <a:r>
-              <a:rPr lang="en-US" altLang="en-US" sz="1800" dirty="0">
-                <a:solidFill>
-                  <a:srgbClr val="009900"/>
-                </a:solidFill>
-                <a:latin typeface="Courier New" panose="02070309020205020404" pitchFamily="49" charset="0"/>
-                <a:cs typeface="Courier New" panose="02070309020205020404" pitchFamily="49" charset="0"/>
-              </a:rPr>
-              <a:t>'2021-05-01'</a:t>
-            </a:r>
-            <a:r>
-              <a:rPr lang="en-US" altLang="en-US" sz="1800" dirty="0">
-                <a:latin typeface="Courier New" panose="02070309020205020404" pitchFamily="49" charset="0"/>
-                <a:cs typeface="Courier New" panose="02070309020205020404" pitchFamily="49" charset="0"/>
-              </a:rPr>
-              <a:t>,</a:t>
-            </a:r>
-            <a:r>
-              <a:rPr lang="en-US" altLang="en-US" sz="1800" dirty="0">
-                <a:solidFill>
-                  <a:srgbClr val="0070C0"/>
-                </a:solidFill>
-                <a:latin typeface="Courier New" panose="02070309020205020404" pitchFamily="49" charset="0"/>
-                <a:cs typeface="Courier New" panose="02070309020205020404" pitchFamily="49" charset="0"/>
-              </a:rPr>
-              <a:t>5</a:t>
-            </a:r>
-            <a:r>
-              <a:rPr lang="en-US" altLang="en-US" sz="1800" dirty="0">
-                <a:latin typeface="Courier New" panose="02070309020205020404" pitchFamily="49" charset="0"/>
-                <a:cs typeface="Courier New" panose="02070309020205020404" pitchFamily="49" charset="0"/>
-              </a:rPr>
-              <a:t>)</a:t>
-            </a:r>
-          </a:p>
-          <a:p>
-            <a:pPr eaLnBrk="1" hangingPunct="1">
-              <a:lnSpc>
-                <a:spcPct val="125000"/>
-              </a:lnSpc>
-              <a:spcBef>
-                <a:spcPct val="0"/>
-              </a:spcBef>
-              <a:buFontTx/>
-              <a:buNone/>
-            </a:pPr>
-            <a:r>
-              <a:rPr lang="en-US" altLang="en-US" sz="1800" dirty="0">
-                <a:latin typeface="Courier New" panose="02070309020205020404" pitchFamily="49" charset="0"/>
-                <a:cs typeface="Courier New" panose="02070309020205020404" pitchFamily="49" charset="0"/>
-              </a:rPr>
-              <a:t>&gt;&gt;&gt; </a:t>
-            </a:r>
-            <a:r>
-              <a:rPr lang="en-US" altLang="en-US" sz="1800" dirty="0" err="1">
-                <a:latin typeface="Courier New" panose="02070309020205020404" pitchFamily="49" charset="0"/>
-                <a:cs typeface="Courier New" panose="02070309020205020404" pitchFamily="49" charset="0"/>
-              </a:rPr>
-              <a:t>ds.print_measurements</a:t>
-            </a:r>
-            <a:r>
-              <a:rPr lang="en-US" altLang="en-US" sz="1800" dirty="0">
-                <a:latin typeface="Courier New" panose="02070309020205020404" pitchFamily="49" charset="0"/>
-                <a:cs typeface="Courier New" panose="02070309020205020404" pitchFamily="49" charset="0"/>
-              </a:rPr>
-              <a:t>()</a:t>
-            </a:r>
-          </a:p>
-          <a:p>
-            <a:pPr eaLnBrk="1" hangingPunct="1">
-              <a:lnSpc>
-                <a:spcPct val="125000"/>
-              </a:lnSpc>
-              <a:spcBef>
-                <a:spcPct val="0"/>
-              </a:spcBef>
-              <a:buFontTx/>
-              <a:buNone/>
-            </a:pPr>
-            <a:r>
-              <a:rPr lang="en-US" altLang="en-US" sz="1800" dirty="0">
-                <a:latin typeface="Courier New" panose="02070309020205020404" pitchFamily="49" charset="0"/>
-                <a:cs typeface="Courier New" panose="02070309020205020404" pitchFamily="49" charset="0"/>
-              </a:rPr>
-              <a:t>2021-05-01 5</a:t>
-            </a:r>
-          </a:p>
-          <a:p>
-            <a:pPr eaLnBrk="1" hangingPunct="1">
-              <a:lnSpc>
-                <a:spcPct val="125000"/>
-              </a:lnSpc>
-              <a:spcBef>
-                <a:spcPct val="0"/>
-              </a:spcBef>
-              <a:buFontTx/>
-              <a:buNone/>
-            </a:pPr>
-            <a:endParaRPr lang="en-US" altLang="en-US" sz="1800" dirty="0">
-              <a:latin typeface="Courier New" panose="02070309020205020404" pitchFamily="49" charset="0"/>
-              <a:cs typeface="Courier New" panose="02070309020205020404" pitchFamily="49" charset="0"/>
-            </a:endParaRPr>
-          </a:p>
-          <a:p>
-            <a:pPr eaLnBrk="1" hangingPunct="1">
-              <a:lnSpc>
-                <a:spcPct val="125000"/>
-              </a:lnSpc>
-              <a:spcBef>
-                <a:spcPct val="0"/>
-              </a:spcBef>
-              <a:buFontTx/>
-              <a:buNone/>
-            </a:pPr>
-            <a:endParaRPr lang="en-US" altLang="en-US" sz="1800" dirty="0">
-              <a:latin typeface="Courier New" panose="02070309020205020404" pitchFamily="49" charset="0"/>
-              <a:cs typeface="Courier New" panose="02070309020205020404" pitchFamily="49" charset="0"/>
-            </a:endParaRPr>
-          </a:p>
-          <a:p>
-            <a:pPr eaLnBrk="1" hangingPunct="1">
-              <a:lnSpc>
-                <a:spcPct val="125000"/>
-              </a:lnSpc>
-              <a:spcBef>
-                <a:spcPct val="0"/>
-              </a:spcBef>
-              <a:buFontTx/>
-              <a:buNone/>
-            </a:pPr>
-            <a:endParaRPr lang="en-US" altLang="en-US" sz="1800" dirty="0">
-              <a:latin typeface="Courier New" panose="02070309020205020404" pitchFamily="49" charset="0"/>
-              <a:cs typeface="Courier New" panose="02070309020205020404" pitchFamily="49" charset="0"/>
-            </a:endParaRPr>
-          </a:p>
-          <a:p>
-            <a:pPr eaLnBrk="1" hangingPunct="1">
-              <a:lnSpc>
-                <a:spcPct val="125000"/>
-              </a:lnSpc>
-              <a:spcBef>
-                <a:spcPct val="0"/>
-              </a:spcBef>
-              <a:buFontTx/>
-              <a:buNone/>
-            </a:pPr>
-            <a:r>
-              <a:rPr lang="en-US" altLang="en-US" sz="1800" dirty="0">
-                <a:latin typeface="Courier New" panose="02070309020205020404" pitchFamily="49" charset="0"/>
-                <a:cs typeface="Courier New" panose="02070309020205020404" pitchFamily="49" charset="0"/>
-              </a:rPr>
-              <a:t>&gt;&gt;&gt; </a:t>
-            </a:r>
-            <a:r>
-              <a:rPr lang="en-US" altLang="en-US" sz="1800" dirty="0" err="1">
-                <a:latin typeface="Courier New" panose="02070309020205020404" pitchFamily="49" charset="0"/>
-                <a:cs typeface="Courier New" panose="02070309020205020404" pitchFamily="49" charset="0"/>
-              </a:rPr>
-              <a:t>ts</a:t>
-            </a:r>
-            <a:r>
-              <a:rPr lang="en-US" altLang="en-US" sz="1800" dirty="0">
-                <a:latin typeface="Courier New" panose="02070309020205020404" pitchFamily="49" charset="0"/>
-                <a:cs typeface="Courier New" panose="02070309020205020404" pitchFamily="49" charset="0"/>
-              </a:rPr>
-              <a:t> = </a:t>
-            </a:r>
-            <a:r>
-              <a:rPr lang="en-US" altLang="en-US" sz="1800" dirty="0" err="1">
-                <a:latin typeface="Courier New" panose="02070309020205020404" pitchFamily="49" charset="0"/>
-                <a:cs typeface="Courier New" panose="02070309020205020404" pitchFamily="49" charset="0"/>
-              </a:rPr>
-              <a:t>TemperatureStore</a:t>
-            </a:r>
-            <a:r>
-              <a:rPr lang="en-US" altLang="en-US" sz="1800" dirty="0">
-                <a:latin typeface="Courier New" panose="02070309020205020404" pitchFamily="49" charset="0"/>
-                <a:cs typeface="Courier New" panose="02070309020205020404" pitchFamily="49" charset="0"/>
-              </a:rPr>
-              <a:t>()</a:t>
-            </a:r>
-          </a:p>
-          <a:p>
-            <a:pPr eaLnBrk="1" hangingPunct="1">
-              <a:lnSpc>
-                <a:spcPct val="125000"/>
-              </a:lnSpc>
-              <a:spcBef>
-                <a:spcPct val="0"/>
-              </a:spcBef>
-              <a:buFontTx/>
-              <a:buNone/>
-            </a:pPr>
-            <a:r>
-              <a:rPr lang="en-US" altLang="en-US" sz="1800" dirty="0">
-                <a:latin typeface="Courier New" panose="02070309020205020404" pitchFamily="49" charset="0"/>
-                <a:cs typeface="Courier New" panose="02070309020205020404" pitchFamily="49" charset="0"/>
-              </a:rPr>
-              <a:t>&gt;&gt;&gt; </a:t>
-            </a:r>
-            <a:r>
-              <a:rPr lang="en-US" altLang="en-US" sz="1800" dirty="0" err="1">
-                <a:latin typeface="Courier New" panose="02070309020205020404" pitchFamily="49" charset="0"/>
-                <a:cs typeface="Courier New" panose="02070309020205020404" pitchFamily="49" charset="0"/>
-              </a:rPr>
-              <a:t>ts.add_measurement</a:t>
-            </a:r>
-            <a:r>
-              <a:rPr lang="en-US" altLang="en-US" sz="1800" dirty="0">
-                <a:latin typeface="Courier New" panose="02070309020205020404" pitchFamily="49" charset="0"/>
-                <a:cs typeface="Courier New" panose="02070309020205020404" pitchFamily="49" charset="0"/>
-              </a:rPr>
-              <a:t>(</a:t>
-            </a:r>
-            <a:r>
-              <a:rPr lang="en-US" altLang="en-US" sz="1800" dirty="0">
-                <a:solidFill>
-                  <a:srgbClr val="00B050"/>
-                </a:solidFill>
-                <a:latin typeface="Courier New" panose="02070309020205020404" pitchFamily="49" charset="0"/>
-                <a:cs typeface="Courier New" panose="02070309020205020404" pitchFamily="49" charset="0"/>
-              </a:rPr>
-              <a:t>'2021-05-01'</a:t>
-            </a:r>
-            <a:r>
-              <a:rPr lang="en-US" altLang="en-US" sz="1800" dirty="0">
-                <a:latin typeface="Courier New" panose="02070309020205020404" pitchFamily="49" charset="0"/>
-                <a:cs typeface="Courier New" panose="02070309020205020404" pitchFamily="49" charset="0"/>
-              </a:rPr>
-              <a:t>,</a:t>
-            </a:r>
-            <a:r>
-              <a:rPr lang="en-US" altLang="en-US" sz="1800" dirty="0">
-                <a:solidFill>
-                  <a:srgbClr val="0070C0"/>
-                </a:solidFill>
-                <a:latin typeface="Courier New" panose="02070309020205020404" pitchFamily="49" charset="0"/>
-                <a:cs typeface="Courier New" panose="02070309020205020404" pitchFamily="49" charset="0"/>
-              </a:rPr>
-              <a:t>5</a:t>
-            </a:r>
-            <a:r>
-              <a:rPr lang="en-US" altLang="en-US" sz="1800" dirty="0">
-                <a:latin typeface="Courier New" panose="02070309020205020404" pitchFamily="49" charset="0"/>
-                <a:cs typeface="Courier New" panose="02070309020205020404" pitchFamily="49" charset="0"/>
-              </a:rPr>
-              <a:t>)</a:t>
-            </a:r>
-          </a:p>
-          <a:p>
-            <a:pPr eaLnBrk="1" hangingPunct="1">
-              <a:lnSpc>
-                <a:spcPct val="125000"/>
-              </a:lnSpc>
-              <a:spcBef>
-                <a:spcPct val="0"/>
-              </a:spcBef>
-              <a:buFontTx/>
-              <a:buNone/>
-            </a:pPr>
-            <a:r>
-              <a:rPr lang="en-US" altLang="en-US" sz="1800" dirty="0">
-                <a:latin typeface="Courier New" panose="02070309020205020404" pitchFamily="49" charset="0"/>
-                <a:cs typeface="Courier New" panose="02070309020205020404" pitchFamily="49" charset="0"/>
-              </a:rPr>
-              <a:t>&gt;&gt;&gt; </a:t>
-            </a:r>
-            <a:r>
-              <a:rPr lang="en-US" altLang="en-US" sz="1800" dirty="0" err="1">
-                <a:latin typeface="Courier New" panose="02070309020205020404" pitchFamily="49" charset="0"/>
-                <a:cs typeface="Courier New" panose="02070309020205020404" pitchFamily="49" charset="0"/>
-              </a:rPr>
-              <a:t>ts.print_measurements</a:t>
-            </a:r>
-            <a:r>
-              <a:rPr lang="en-US" altLang="en-US" sz="1800" dirty="0">
-                <a:latin typeface="Courier New" panose="02070309020205020404" pitchFamily="49" charset="0"/>
-                <a:cs typeface="Courier New" panose="02070309020205020404" pitchFamily="49" charset="0"/>
-              </a:rPr>
-              <a:t>()</a:t>
-            </a:r>
-          </a:p>
-          <a:p>
-            <a:pPr eaLnBrk="1" hangingPunct="1">
-              <a:lnSpc>
-                <a:spcPct val="125000"/>
-              </a:lnSpc>
-              <a:spcBef>
-                <a:spcPct val="0"/>
-              </a:spcBef>
-              <a:buFontTx/>
-              <a:buNone/>
-            </a:pPr>
-            <a:r>
-              <a:rPr lang="en-US" altLang="en-US" sz="1800" dirty="0">
-                <a:latin typeface="Courier New" panose="02070309020205020404" pitchFamily="49" charset="0"/>
-                <a:cs typeface="Courier New" panose="02070309020205020404" pitchFamily="49" charset="0"/>
-              </a:rPr>
-              <a:t>2021-05-01 277.15</a:t>
-            </a:r>
-          </a:p>
-          <a:p>
-            <a:pPr eaLnBrk="1" hangingPunct="1">
-              <a:lnSpc>
-                <a:spcPct val="125000"/>
-              </a:lnSpc>
-              <a:spcBef>
-                <a:spcPct val="0"/>
-              </a:spcBef>
-              <a:buFontTx/>
-              <a:buNone/>
-            </a:pPr>
-            <a:endParaRPr lang="en-US" altLang="en-US" sz="1800" dirty="0"/>
-          </a:p>
-        </p:txBody>
-      </p:sp>
-      <p:sp>
-        <p:nvSpPr>
-          <p:cNvPr id="10" name="Rectangular Callout 9">
-            <a:extLst>
-              <a:ext uri="{FF2B5EF4-FFF2-40B4-BE49-F238E27FC236}">
-                <a16:creationId xmlns:a16="http://schemas.microsoft.com/office/drawing/2014/main" id="{F55A9221-4550-0446-88CE-B2B64D814BDA}"/>
-              </a:ext>
-            </a:extLst>
-          </p:cNvPr>
-          <p:cNvSpPr/>
-          <p:nvPr/>
-        </p:nvSpPr>
-        <p:spPr>
-          <a:xfrm>
-            <a:off x="5436096" y="4868862"/>
-            <a:ext cx="3600400" cy="1143000"/>
-          </a:xfrm>
-          <a:prstGeom prst="wedgeRectCallout">
-            <a:avLst>
-              <a:gd name="adj1" fmla="val -86681"/>
-              <a:gd name="adj2" fmla="val -1064"/>
-            </a:avLst>
-          </a:prstGeom>
-        </p:spPr>
-        <p:style>
-          <a:lnRef idx="2">
-            <a:schemeClr val="accent2"/>
-          </a:lnRef>
-          <a:fillRef idx="1">
-            <a:schemeClr val="lt1"/>
-          </a:fillRef>
-          <a:effectRef idx="0">
-            <a:schemeClr val="accent2"/>
-          </a:effectRef>
-          <a:fontRef idx="minor">
-            <a:schemeClr val="dk1"/>
-          </a:fontRef>
-        </p:style>
-        <p:txBody>
-          <a:bodyPr anchor="ctr"/>
-          <a:lstStyle/>
-          <a:p>
-            <a:pPr algn="ctr" eaLnBrk="1" hangingPunct="1">
-              <a:defRPr/>
-            </a:pPr>
-            <a:r>
-              <a:rPr lang="en-GB" i="1" dirty="0" err="1"/>
-              <a:t>add_measurement</a:t>
-            </a:r>
-            <a:r>
-              <a:rPr lang="en-GB" i="1" dirty="0"/>
-              <a:t> </a:t>
-            </a:r>
-            <a:r>
-              <a:rPr lang="en-GB" dirty="0"/>
-              <a:t>from </a:t>
-            </a:r>
-            <a:r>
-              <a:rPr lang="en-GB" dirty="0" err="1"/>
-              <a:t>TemperatureStore</a:t>
-            </a:r>
-            <a:r>
-              <a:rPr lang="en-GB" dirty="0"/>
-              <a:t> class overrides behaviour of </a:t>
-            </a:r>
-            <a:r>
-              <a:rPr lang="en-GB" i="1" dirty="0" err="1"/>
-              <a:t>DataStore.add_measurement</a:t>
-            </a:r>
-            <a:endParaRPr lang="en-GB" i="1" dirty="0"/>
-          </a:p>
-        </p:txBody>
-      </p:sp>
-    </p:spTree>
-    <p:extLst>
-      <p:ext uri="{BB962C8B-B14F-4D97-AF65-F5344CB8AC3E}">
-        <p14:creationId xmlns:p14="http://schemas.microsoft.com/office/powerpoint/2010/main" val="3624117384"/>
-      </p:ext>
-    </p:extLst>
-  </p:cSld>
-  <p:clrMapOvr>
-    <a:masterClrMapping/>
-  </p:clrMapOvr>
-</p:sld>
-</file>
-
-<file path=ppt/slides/slide39.xml><?xml version="1.0" encoding="utf-8"?>
-<p:sld xmlns:a="http://schemas.openxmlformats.org/drawingml/2006/main" xmlns:r="http://schemas.openxmlformats.org/officeDocument/2006/relationships" xmlns:p="http://schemas.openxmlformats.org/presentationml/2006/main">
-  <p:cSld>
-    <p:spTree>
-      <p:nvGrpSpPr>
-        <p:cNvPr id="1" name=""/>
-        <p:cNvGrpSpPr/>
-        <p:nvPr/>
-      </p:nvGrpSpPr>
-      <p:grpSpPr>
-        <a:xfrm>
-          <a:off x="0" y="0"/>
-          <a:ext cx="0" cy="0"/>
-          <a:chOff x="0" y="0"/>
-          <a:chExt cx="0" cy="0"/>
-        </a:xfrm>
-      </p:grpSpPr>
-      <p:sp>
-        <p:nvSpPr>
-          <p:cNvPr id="20482" name="Title 1"/>
-          <p:cNvSpPr>
-            <a:spLocks noGrp="1"/>
-          </p:cNvSpPr>
-          <p:nvPr>
-            <p:ph type="title" idx="4294967295"/>
-          </p:nvPr>
-        </p:nvSpPr>
-        <p:spPr>
-          <a:xfrm>
-            <a:off x="374650" y="274638"/>
-            <a:ext cx="8229600" cy="1143000"/>
-          </a:xfrm>
-        </p:spPr>
-        <p:txBody>
-          <a:bodyPr/>
-          <a:lstStyle/>
-          <a:p>
-            <a:r>
-              <a:rPr lang="en-GB" altLang="en-US" dirty="0"/>
-              <a:t>Inheritance</a:t>
-            </a:r>
-          </a:p>
-        </p:txBody>
-      </p:sp>
-      <p:sp>
-        <p:nvSpPr>
-          <p:cNvPr id="2" name="TextBox 1">
-            <a:extLst>
-              <a:ext uri="{FF2B5EF4-FFF2-40B4-BE49-F238E27FC236}">
-                <a16:creationId xmlns:a16="http://schemas.microsoft.com/office/drawing/2014/main" id="{CCAF7DE5-65F1-0F47-95DF-34A90AFE23CF}"/>
-              </a:ext>
-            </a:extLst>
-          </p:cNvPr>
-          <p:cNvSpPr txBox="1"/>
-          <p:nvPr/>
-        </p:nvSpPr>
-        <p:spPr>
-          <a:xfrm>
-            <a:off x="467544" y="1700808"/>
-            <a:ext cx="8352928" cy="2123658"/>
-          </a:xfrm>
-          <a:prstGeom prst="rect">
-            <a:avLst/>
-          </a:prstGeom>
-          <a:noFill/>
-        </p:spPr>
-        <p:txBody>
-          <a:bodyPr wrap="square" rtlCol="0">
-            <a:spAutoFit/>
-          </a:bodyPr>
-          <a:lstStyle/>
-          <a:p>
-            <a:r>
-              <a:rPr lang="en-GB" sz="2200" dirty="0"/>
-              <a:t>Inheritance is powerful and allows you to write re-useable components</a:t>
-            </a:r>
-          </a:p>
-          <a:p>
-            <a:endParaRPr lang="en-GB" sz="2200" dirty="0"/>
-          </a:p>
-          <a:p>
-            <a:r>
-              <a:rPr lang="en-GB" sz="2200" dirty="0"/>
-              <a:t>Reducing duplication reduces chance of bugs:</a:t>
-            </a:r>
-          </a:p>
-          <a:p>
-            <a:pPr marL="285750" indent="-285750">
-              <a:buFontTx/>
-              <a:buChar char="-"/>
-            </a:pPr>
-            <a:r>
-              <a:rPr lang="en-GB" sz="2200" dirty="0"/>
-              <a:t>Code that is repeated in 2 or more places will eventually be wrong in at least one</a:t>
-            </a:r>
-          </a:p>
-        </p:txBody>
-      </p:sp>
-    </p:spTree>
-    <p:extLst>
-      <p:ext uri="{BB962C8B-B14F-4D97-AF65-F5344CB8AC3E}">
-        <p14:creationId xmlns:p14="http://schemas.microsoft.com/office/powerpoint/2010/main" val="4194482474"/>
-      </p:ext>
-    </p:extLst>
-  </p:cSld>
-  <p:clrMapOvr>
-    <a:masterClrMapping/>
-  </p:clrMapOvr>
-</p:sld>
-</file>
-
 <file path=ppt/slides/slide4.xml><?xml version="1.0" encoding="utf-8"?>
 <p:sld xmlns:a="http://schemas.openxmlformats.org/drawingml/2006/main" xmlns:r="http://schemas.openxmlformats.org/officeDocument/2006/relationships" xmlns:p="http://schemas.openxmlformats.org/presentationml/2006/main">
   <p:cSld>
@@ -31853,2305 +25696,6 @@
         <p14:creationId xmlns:p14="http://schemas.microsoft.com/office/powerpoint/2010/main" val="2677586260"/>
       </p:ext>
     </p:extLst>
-  </p:cSld>
-  <p:clrMapOvr>
-    <a:masterClrMapping/>
-  </p:clrMapOvr>
-  <p:transition spd="med"/>
-  <p:timing>
-    <p:tnLst>
-      <p:par>
-        <p:cTn id="1" dur="indefinite" restart="never" nodeType="tmRoot">
-          <p:childTnLst>
-            <p:seq concurrent="1" nextAc="seek">
-              <p:cTn id="2" dur="0" nodeType="mainSeq"/>
-              <p:prevCondLst>
-                <p:cond evt="onPrev" delay="0">
-                  <p:tgtEl>
-                    <p:sldTgt/>
-                  </p:tgtEl>
-                </p:cond>
-              </p:prevCondLst>
-              <p:nextCondLst>
-                <p:cond evt="onNext" delay="0">
-                  <p:tgtEl>
-                    <p:sldTgt/>
-                  </p:tgtEl>
-                </p:cond>
-              </p:nextCondLst>
-            </p:seq>
-          </p:childTnLst>
-        </p:cTn>
-      </p:par>
-    </p:tnLst>
-  </p:timing>
-</p:sld>
-</file>
-
-<file path=ppt/slides/slide40.xml><?xml version="1.0" encoding="utf-8"?>
-<p:sld xmlns:a="http://schemas.openxmlformats.org/drawingml/2006/main" xmlns:r="http://schemas.openxmlformats.org/officeDocument/2006/relationships" xmlns:p="http://schemas.openxmlformats.org/presentationml/2006/main">
-  <p:cSld>
-    <p:spTree>
-      <p:nvGrpSpPr>
-        <p:cNvPr id="1" name=""/>
-        <p:cNvGrpSpPr/>
-        <p:nvPr/>
-      </p:nvGrpSpPr>
-      <p:grpSpPr>
-        <a:xfrm>
-          <a:off x="0" y="0"/>
-          <a:ext cx="0" cy="0"/>
-          <a:chOff x="0" y="0"/>
-          <a:chExt cx="0" cy="0"/>
-        </a:xfrm>
-      </p:grpSpPr>
-      <p:sp>
-        <p:nvSpPr>
-          <p:cNvPr id="20482" name="Title 1"/>
-          <p:cNvSpPr>
-            <a:spLocks noGrp="1"/>
-          </p:cNvSpPr>
-          <p:nvPr>
-            <p:ph type="title" idx="4294967295"/>
-          </p:nvPr>
-        </p:nvSpPr>
-        <p:spPr>
-          <a:xfrm>
-            <a:off x="374650" y="274638"/>
-            <a:ext cx="8229600" cy="1143000"/>
-          </a:xfrm>
-        </p:spPr>
-        <p:txBody>
-          <a:bodyPr/>
-          <a:lstStyle/>
-          <a:p>
-            <a:r>
-              <a:rPr lang="en-GB" altLang="en-US" dirty="0"/>
-              <a:t>Inheritance</a:t>
-            </a:r>
-          </a:p>
-        </p:txBody>
-      </p:sp>
-      <p:sp>
-        <p:nvSpPr>
-          <p:cNvPr id="2" name="TextBox 1">
-            <a:extLst>
-              <a:ext uri="{FF2B5EF4-FFF2-40B4-BE49-F238E27FC236}">
-                <a16:creationId xmlns:a16="http://schemas.microsoft.com/office/drawing/2014/main" id="{CCAF7DE5-65F1-0F47-95DF-34A90AFE23CF}"/>
-              </a:ext>
-            </a:extLst>
-          </p:cNvPr>
-          <p:cNvSpPr txBox="1"/>
-          <p:nvPr/>
-        </p:nvSpPr>
-        <p:spPr>
-          <a:xfrm>
-            <a:off x="467544" y="1700808"/>
-            <a:ext cx="8352928" cy="1446550"/>
-          </a:xfrm>
-          <a:prstGeom prst="rect">
-            <a:avLst/>
-          </a:prstGeom>
-          <a:noFill/>
-        </p:spPr>
-        <p:txBody>
-          <a:bodyPr wrap="square" rtlCol="0">
-            <a:spAutoFit/>
-          </a:bodyPr>
-          <a:lstStyle/>
-          <a:p>
-            <a:r>
-              <a:rPr lang="en-GB" sz="2200" dirty="0"/>
-              <a:t>Nothing is free</a:t>
-            </a:r>
-          </a:p>
-          <a:p>
-            <a:r>
-              <a:rPr lang="en-GB" sz="2200" dirty="0"/>
-              <a:t>Simple programs become slightly more complex</a:t>
-            </a:r>
-          </a:p>
-          <a:p>
-            <a:r>
-              <a:rPr lang="en-GB" sz="2200" dirty="0"/>
-              <a:t>And too much abstraction creates as big a mental</a:t>
-            </a:r>
-          </a:p>
-          <a:p>
-            <a:r>
-              <a:rPr lang="en-GB" sz="2200" dirty="0"/>
-              <a:t>burden as too little</a:t>
-            </a:r>
-          </a:p>
-        </p:txBody>
-      </p:sp>
-      <p:grpSp>
-        <p:nvGrpSpPr>
-          <p:cNvPr id="16" name="Group 15">
-            <a:extLst>
-              <a:ext uri="{FF2B5EF4-FFF2-40B4-BE49-F238E27FC236}">
-                <a16:creationId xmlns:a16="http://schemas.microsoft.com/office/drawing/2014/main" id="{25F23679-C4BD-6742-B457-C7C2B1770398}"/>
-              </a:ext>
-            </a:extLst>
-          </p:cNvPr>
-          <p:cNvGrpSpPr/>
-          <p:nvPr/>
-        </p:nvGrpSpPr>
-        <p:grpSpPr>
-          <a:xfrm>
-            <a:off x="1833562" y="3147358"/>
-            <a:ext cx="6770688" cy="3306763"/>
-            <a:chOff x="2905125" y="3527425"/>
-            <a:chExt cx="6770688" cy="3306763"/>
-          </a:xfrm>
-        </p:grpSpPr>
-        <p:sp>
-          <p:nvSpPr>
-            <p:cNvPr id="17" name="Line 3">
-              <a:extLst>
-                <a:ext uri="{FF2B5EF4-FFF2-40B4-BE49-F238E27FC236}">
-                  <a16:creationId xmlns:a16="http://schemas.microsoft.com/office/drawing/2014/main" id="{A022DF91-31E9-8F49-A3E8-D4EF8B0C0E75}"/>
-                </a:ext>
-              </a:extLst>
-            </p:cNvPr>
-            <p:cNvSpPr>
-              <a:spLocks noChangeShapeType="1"/>
-            </p:cNvSpPr>
-            <p:nvPr/>
-          </p:nvSpPr>
-          <p:spPr bwMode="auto">
-            <a:xfrm>
-              <a:off x="3311525" y="6445250"/>
-              <a:ext cx="3744913" cy="0"/>
-            </a:xfrm>
-            <a:prstGeom prst="line">
-              <a:avLst/>
-            </a:prstGeom>
-            <a:noFill/>
-            <a:ln w="9525">
-              <a:solidFill>
-                <a:schemeClr val="tx1"/>
-              </a:solidFill>
-              <a:round/>
-              <a:headEnd/>
-              <a:tailEnd type="triangle" w="med" len="med"/>
-            </a:ln>
-            <a:extLst>
-              <a:ext uri="{909E8E84-426E-40DD-AFC4-6F175D3DCCD1}">
-                <a14:hiddenFill xmlns:a14="http://schemas.microsoft.com/office/drawing/2010/main">
-                  <a:noFill/>
-                </a14:hiddenFill>
-              </a:ext>
-            </a:extLst>
-          </p:spPr>
-          <p:txBody>
-            <a:bodyPr/>
-            <a:lstStyle/>
-            <a:p>
-              <a:endParaRPr lang="en-GB"/>
-            </a:p>
-          </p:txBody>
-        </p:sp>
-        <p:sp>
-          <p:nvSpPr>
-            <p:cNvPr id="18" name="Line 4">
-              <a:extLst>
-                <a:ext uri="{FF2B5EF4-FFF2-40B4-BE49-F238E27FC236}">
-                  <a16:creationId xmlns:a16="http://schemas.microsoft.com/office/drawing/2014/main" id="{87017565-C6CF-5D4A-A55F-4AAAFA116385}"/>
-                </a:ext>
-              </a:extLst>
-            </p:cNvPr>
-            <p:cNvSpPr>
-              <a:spLocks noChangeShapeType="1"/>
-            </p:cNvSpPr>
-            <p:nvPr/>
-          </p:nvSpPr>
-          <p:spPr bwMode="auto">
-            <a:xfrm flipV="1">
-              <a:off x="3311525" y="3968750"/>
-              <a:ext cx="0" cy="2476500"/>
-            </a:xfrm>
-            <a:prstGeom prst="line">
-              <a:avLst/>
-            </a:prstGeom>
-            <a:noFill/>
-            <a:ln w="9525">
-              <a:solidFill>
-                <a:schemeClr val="tx1"/>
-              </a:solidFill>
-              <a:round/>
-              <a:headEnd/>
-              <a:tailEnd type="triangle" w="med" len="med"/>
-            </a:ln>
-            <a:extLst>
-              <a:ext uri="{909E8E84-426E-40DD-AFC4-6F175D3DCCD1}">
-                <a14:hiddenFill xmlns:a14="http://schemas.microsoft.com/office/drawing/2010/main">
-                  <a:noFill/>
-                </a14:hiddenFill>
-              </a:ext>
-            </a:extLst>
-          </p:spPr>
-          <p:txBody>
-            <a:bodyPr/>
-            <a:lstStyle/>
-            <a:p>
-              <a:endParaRPr lang="en-GB"/>
-            </a:p>
-          </p:txBody>
-        </p:sp>
-        <p:sp>
-          <p:nvSpPr>
-            <p:cNvPr id="19" name="Text Box 5">
-              <a:extLst>
-                <a:ext uri="{FF2B5EF4-FFF2-40B4-BE49-F238E27FC236}">
-                  <a16:creationId xmlns:a16="http://schemas.microsoft.com/office/drawing/2014/main" id="{23E36954-9CC7-674D-8338-C61D8A38E491}"/>
-                </a:ext>
-              </a:extLst>
-            </p:cNvPr>
-            <p:cNvSpPr txBox="1">
-              <a:spLocks noChangeArrowheads="1"/>
-            </p:cNvSpPr>
-            <p:nvPr/>
-          </p:nvSpPr>
-          <p:spPr bwMode="auto">
-            <a:xfrm>
-              <a:off x="3970338" y="6484938"/>
-              <a:ext cx="2233612" cy="349250"/>
-            </a:xfrm>
-            <a:prstGeom prst="rect">
-              <a:avLst/>
-            </a:prstGeom>
-            <a:noFill/>
-            <a:ln>
-              <a:noFill/>
-            </a:ln>
-            <a:extLst>
-              <a:ext uri="{909E8E84-426E-40DD-AFC4-6F175D3DCCD1}">
-                <a14:hiddenFill xmlns:a14="http://schemas.microsoft.com/office/drawing/2010/main">
-                  <a:solidFill>
-                    <a:srgbClr val="FFFFFF"/>
-                  </a:solidFill>
-                </a14:hiddenFill>
-              </a:ext>
-              <a:ext uri="{91240B29-F687-4F45-9708-019B960494DF}">
-                <a14:hiddenLine xmlns:a14="http://schemas.microsoft.com/office/drawing/2010/main" w="9525">
-                  <a:solidFill>
-                    <a:srgbClr val="000000"/>
-                  </a:solidFill>
-                  <a:miter lim="800000"/>
-                  <a:headEnd/>
-                  <a:tailEnd/>
-                </a14:hiddenLine>
-              </a:ext>
-            </a:extLst>
-          </p:spPr>
-          <p:txBody>
-            <a:bodyPr wrap="none">
-              <a:spAutoFit/>
-            </a:bodyPr>
-            <a:lstStyle/>
-            <a:p>
-              <a:pPr eaLnBrk="1">
-                <a:lnSpc>
-                  <a:spcPct val="93000"/>
-                </a:lnSpc>
-                <a:buClr>
-                  <a:srgbClr val="000000"/>
-                </a:buClr>
-                <a:buSzPct val="100000"/>
-                <a:buFont typeface="Times New Roman" panose="02020603050405020304" pitchFamily="18" charset="0"/>
-                <a:buNone/>
-              </a:pPr>
-              <a:r>
-                <a:rPr lang="en-CA" altLang="en-US">
-                  <a:latin typeface="Calibri" panose="020F0502020204030204" pitchFamily="34" charset="0"/>
-                </a:rPr>
-                <a:t>Degree of Abstraction</a:t>
-              </a:r>
-            </a:p>
-          </p:txBody>
-        </p:sp>
-        <p:sp>
-          <p:nvSpPr>
-            <p:cNvPr id="20" name="Text Box 6">
-              <a:extLst>
-                <a:ext uri="{FF2B5EF4-FFF2-40B4-BE49-F238E27FC236}">
-                  <a16:creationId xmlns:a16="http://schemas.microsoft.com/office/drawing/2014/main" id="{B8F8B428-041F-0A40-A23E-D7B0096CD279}"/>
-                </a:ext>
-              </a:extLst>
-            </p:cNvPr>
-            <p:cNvSpPr txBox="1">
-              <a:spLocks noChangeArrowheads="1"/>
-            </p:cNvSpPr>
-            <p:nvPr/>
-          </p:nvSpPr>
-          <p:spPr bwMode="auto">
-            <a:xfrm rot="-5400000">
-              <a:off x="1890713" y="4978400"/>
-              <a:ext cx="2379662" cy="350838"/>
-            </a:xfrm>
-            <a:prstGeom prst="rect">
-              <a:avLst/>
-            </a:prstGeom>
-            <a:noFill/>
-            <a:ln>
-              <a:noFill/>
-            </a:ln>
-            <a:extLst>
-              <a:ext uri="{909E8E84-426E-40DD-AFC4-6F175D3DCCD1}">
-                <a14:hiddenFill xmlns:a14="http://schemas.microsoft.com/office/drawing/2010/main">
-                  <a:solidFill>
-                    <a:srgbClr val="FFFFFF"/>
-                  </a:solidFill>
-                </a14:hiddenFill>
-              </a:ext>
-              <a:ext uri="{91240B29-F687-4F45-9708-019B960494DF}">
-                <a14:hiddenLine xmlns:a14="http://schemas.microsoft.com/office/drawing/2010/main" w="9525">
-                  <a:solidFill>
-                    <a:srgbClr val="000000"/>
-                  </a:solidFill>
-                  <a:miter lim="800000"/>
-                  <a:headEnd/>
-                  <a:tailEnd/>
-                </a14:hiddenLine>
-              </a:ext>
-            </a:extLst>
-          </p:spPr>
-          <p:txBody>
-            <a:bodyPr wrap="none">
-              <a:spAutoFit/>
-            </a:bodyPr>
-            <a:lstStyle/>
-            <a:p>
-              <a:pPr eaLnBrk="1">
-                <a:lnSpc>
-                  <a:spcPct val="93000"/>
-                </a:lnSpc>
-                <a:buClr>
-                  <a:srgbClr val="000000"/>
-                </a:buClr>
-                <a:buSzPct val="100000"/>
-                <a:buFont typeface="Times New Roman" panose="02020603050405020304" pitchFamily="18" charset="0"/>
-                <a:buNone/>
-              </a:pPr>
-              <a:r>
-                <a:rPr lang="en-CA" altLang="en-US">
-                  <a:latin typeface="Calibri" panose="020F0502020204030204" pitchFamily="34" charset="0"/>
-                </a:rPr>
-                <a:t>Mental Effort Required </a:t>
-              </a:r>
-            </a:p>
-          </p:txBody>
-        </p:sp>
-        <p:grpSp>
-          <p:nvGrpSpPr>
-            <p:cNvPr id="21" name="Group 7">
-              <a:extLst>
-                <a:ext uri="{FF2B5EF4-FFF2-40B4-BE49-F238E27FC236}">
-                  <a16:creationId xmlns:a16="http://schemas.microsoft.com/office/drawing/2014/main" id="{9C4A98E2-0D91-B949-BB79-76EC114BF18B}"/>
-                </a:ext>
-              </a:extLst>
-            </p:cNvPr>
-            <p:cNvGrpSpPr>
-              <a:grpSpLocks/>
-            </p:cNvGrpSpPr>
-            <p:nvPr/>
-          </p:nvGrpSpPr>
-          <p:grpSpPr bwMode="auto">
-            <a:xfrm flipV="1">
-              <a:off x="3714750" y="4775200"/>
-              <a:ext cx="3167063" cy="1152525"/>
-              <a:chOff x="18" y="3324"/>
-              <a:chExt cx="1306" cy="472"/>
-            </a:xfrm>
-          </p:grpSpPr>
-          <p:sp>
-            <p:nvSpPr>
-              <p:cNvPr id="22" name="Arc 8">
-                <a:extLst>
-                  <a:ext uri="{FF2B5EF4-FFF2-40B4-BE49-F238E27FC236}">
-                    <a16:creationId xmlns:a16="http://schemas.microsoft.com/office/drawing/2014/main" id="{7E247F9B-3548-4949-B6DC-25354C129CE9}"/>
-                  </a:ext>
-                </a:extLst>
-              </p:cNvPr>
-              <p:cNvSpPr>
-                <a:spLocks/>
-              </p:cNvSpPr>
-              <p:nvPr/>
-            </p:nvSpPr>
-            <p:spPr bwMode="auto">
-              <a:xfrm>
-                <a:off x="671" y="3324"/>
-                <a:ext cx="653" cy="472"/>
-              </a:xfrm>
-              <a:custGeom>
-                <a:avLst/>
-                <a:gdLst>
-                  <a:gd name="T0" fmla="*/ 0 w 21600"/>
-                  <a:gd name="T1" fmla="*/ 0 h 21600"/>
-                  <a:gd name="T2" fmla="*/ 0 w 21600"/>
-                  <a:gd name="T3" fmla="*/ 0 h 21600"/>
-                  <a:gd name="T4" fmla="*/ 0 w 21600"/>
-                  <a:gd name="T5" fmla="*/ 0 h 21600"/>
-                  <a:gd name="T6" fmla="*/ 0 60000 65536"/>
-                  <a:gd name="T7" fmla="*/ 0 60000 65536"/>
-                  <a:gd name="T8" fmla="*/ 0 60000 65536"/>
-                  <a:gd name="T9" fmla="*/ 0 w 21600"/>
-                  <a:gd name="T10" fmla="*/ 0 h 21600"/>
-                  <a:gd name="T11" fmla="*/ 21600 w 21600"/>
-                  <a:gd name="T12" fmla="*/ 21600 h 21600"/>
-                </a:gdLst>
-                <a:ahLst/>
-                <a:cxnLst>
-                  <a:cxn ang="T6">
-                    <a:pos x="T0" y="T1"/>
-                  </a:cxn>
-                  <a:cxn ang="T7">
-                    <a:pos x="T2" y="T3"/>
-                  </a:cxn>
-                  <a:cxn ang="T8">
-                    <a:pos x="T4" y="T5"/>
-                  </a:cxn>
-                </a:cxnLst>
-                <a:rect l="T9" t="T10" r="T11" b="T12"/>
-                <a:pathLst>
-                  <a:path w="21600" h="21600" fill="none" extrusionOk="0">
-                    <a:moveTo>
-                      <a:pt x="-1" y="0"/>
-                    </a:moveTo>
-                    <a:cubicBezTo>
-                      <a:pt x="11929" y="0"/>
-                      <a:pt x="21600" y="9670"/>
-                      <a:pt x="21600" y="21600"/>
-                    </a:cubicBezTo>
-                  </a:path>
-                  <a:path w="21600" h="21600" stroke="0" extrusionOk="0">
-                    <a:moveTo>
-                      <a:pt x="-1" y="0"/>
-                    </a:moveTo>
-                    <a:cubicBezTo>
-                      <a:pt x="11929" y="0"/>
-                      <a:pt x="21600" y="9670"/>
-                      <a:pt x="21600" y="21600"/>
-                    </a:cubicBezTo>
-                    <a:lnTo>
-                      <a:pt x="0" y="21600"/>
-                    </a:lnTo>
-                    <a:lnTo>
-                      <a:pt x="-1" y="0"/>
-                    </a:lnTo>
-                    <a:close/>
-                  </a:path>
-                </a:pathLst>
-              </a:custGeom>
-              <a:noFill/>
-              <a:ln w="9525">
-                <a:solidFill>
-                  <a:schemeClr val="tx1"/>
-                </a:solidFill>
-                <a:round/>
-                <a:headEnd/>
-                <a:tailEnd/>
-              </a:ln>
-              <a:extLst>
-                <a:ext uri="{909E8E84-426E-40DD-AFC4-6F175D3DCCD1}">
-                  <a14:hiddenFill xmlns:a14="http://schemas.microsoft.com/office/drawing/2010/main">
-                    <a:solidFill>
-                      <a:srgbClr val="FFFFFF"/>
-                    </a:solidFill>
-                  </a14:hiddenFill>
-                </a:ext>
-              </a:extLst>
-            </p:spPr>
-            <p:txBody>
-              <a:bodyPr wrap="none" anchor="ctr"/>
-              <a:lstStyle/>
-              <a:p>
-                <a:endParaRPr lang="en-GB"/>
-              </a:p>
-            </p:txBody>
-          </p:sp>
-          <p:sp>
-            <p:nvSpPr>
-              <p:cNvPr id="23" name="Arc 9">
-                <a:extLst>
-                  <a:ext uri="{FF2B5EF4-FFF2-40B4-BE49-F238E27FC236}">
-                    <a16:creationId xmlns:a16="http://schemas.microsoft.com/office/drawing/2014/main" id="{95C01D51-DC53-AD44-A3B4-3D50ABD471C5}"/>
-                  </a:ext>
-                </a:extLst>
-              </p:cNvPr>
-              <p:cNvSpPr>
-                <a:spLocks/>
-              </p:cNvSpPr>
-              <p:nvPr/>
-            </p:nvSpPr>
-            <p:spPr bwMode="auto">
-              <a:xfrm flipH="1">
-                <a:off x="18" y="3324"/>
-                <a:ext cx="653" cy="472"/>
-              </a:xfrm>
-              <a:custGeom>
-                <a:avLst/>
-                <a:gdLst>
-                  <a:gd name="T0" fmla="*/ 0 w 21600"/>
-                  <a:gd name="T1" fmla="*/ 0 h 21600"/>
-                  <a:gd name="T2" fmla="*/ 0 w 21600"/>
-                  <a:gd name="T3" fmla="*/ 0 h 21600"/>
-                  <a:gd name="T4" fmla="*/ 0 w 21600"/>
-                  <a:gd name="T5" fmla="*/ 0 h 21600"/>
-                  <a:gd name="T6" fmla="*/ 0 60000 65536"/>
-                  <a:gd name="T7" fmla="*/ 0 60000 65536"/>
-                  <a:gd name="T8" fmla="*/ 0 60000 65536"/>
-                  <a:gd name="T9" fmla="*/ 0 w 21600"/>
-                  <a:gd name="T10" fmla="*/ 0 h 21600"/>
-                  <a:gd name="T11" fmla="*/ 21600 w 21600"/>
-                  <a:gd name="T12" fmla="*/ 21600 h 21600"/>
-                </a:gdLst>
-                <a:ahLst/>
-                <a:cxnLst>
-                  <a:cxn ang="T6">
-                    <a:pos x="T0" y="T1"/>
-                  </a:cxn>
-                  <a:cxn ang="T7">
-                    <a:pos x="T2" y="T3"/>
-                  </a:cxn>
-                  <a:cxn ang="T8">
-                    <a:pos x="T4" y="T5"/>
-                  </a:cxn>
-                </a:cxnLst>
-                <a:rect l="T9" t="T10" r="T11" b="T12"/>
-                <a:pathLst>
-                  <a:path w="21600" h="21600" fill="none" extrusionOk="0">
-                    <a:moveTo>
-                      <a:pt x="-1" y="0"/>
-                    </a:moveTo>
-                    <a:cubicBezTo>
-                      <a:pt x="11929" y="0"/>
-                      <a:pt x="21600" y="9670"/>
-                      <a:pt x="21600" y="21600"/>
-                    </a:cubicBezTo>
-                  </a:path>
-                  <a:path w="21600" h="21600" stroke="0" extrusionOk="0">
-                    <a:moveTo>
-                      <a:pt x="-1" y="0"/>
-                    </a:moveTo>
-                    <a:cubicBezTo>
-                      <a:pt x="11929" y="0"/>
-                      <a:pt x="21600" y="9670"/>
-                      <a:pt x="21600" y="21600"/>
-                    </a:cubicBezTo>
-                    <a:lnTo>
-                      <a:pt x="0" y="21600"/>
-                    </a:lnTo>
-                    <a:lnTo>
-                      <a:pt x="-1" y="0"/>
-                    </a:lnTo>
-                    <a:close/>
-                  </a:path>
-                </a:pathLst>
-              </a:custGeom>
-              <a:noFill/>
-              <a:ln w="9525">
-                <a:solidFill>
-                  <a:schemeClr val="tx1"/>
-                </a:solidFill>
-                <a:round/>
-                <a:headEnd/>
-                <a:tailEnd/>
-              </a:ln>
-              <a:extLst>
-                <a:ext uri="{909E8E84-426E-40DD-AFC4-6F175D3DCCD1}">
-                  <a14:hiddenFill xmlns:a14="http://schemas.microsoft.com/office/drawing/2010/main">
-                    <a:solidFill>
-                      <a:srgbClr val="FFFFFF"/>
-                    </a:solidFill>
-                  </a14:hiddenFill>
-                </a:ext>
-              </a:extLst>
-            </p:spPr>
-            <p:txBody>
-              <a:bodyPr wrap="none" anchor="ctr"/>
-              <a:lstStyle/>
-              <a:p>
-                <a:endParaRPr lang="en-GB"/>
-              </a:p>
-            </p:txBody>
-          </p:sp>
-        </p:grpSp>
-        <p:sp>
-          <p:nvSpPr>
-            <p:cNvPr id="24" name="Text Box 10">
-              <a:extLst>
-                <a:ext uri="{FF2B5EF4-FFF2-40B4-BE49-F238E27FC236}">
-                  <a16:creationId xmlns:a16="http://schemas.microsoft.com/office/drawing/2014/main" id="{42A66A7B-1F58-CB4D-9FA7-F3427E6E6139}"/>
-                </a:ext>
-              </a:extLst>
-            </p:cNvPr>
-            <p:cNvSpPr txBox="1">
-              <a:spLocks noChangeArrowheads="1"/>
-            </p:cNvSpPr>
-            <p:nvPr/>
-          </p:nvSpPr>
-          <p:spPr bwMode="auto">
-            <a:xfrm>
-              <a:off x="3576638" y="3527425"/>
-              <a:ext cx="2500312" cy="665163"/>
-            </a:xfrm>
-            <a:prstGeom prst="rect">
-              <a:avLst/>
-            </a:prstGeom>
-            <a:noFill/>
-            <a:ln>
-              <a:noFill/>
-            </a:ln>
-            <a:extLst>
-              <a:ext uri="{909E8E84-426E-40DD-AFC4-6F175D3DCCD1}">
-                <a14:hiddenFill xmlns:a14="http://schemas.microsoft.com/office/drawing/2010/main">
-                  <a:solidFill>
-                    <a:srgbClr val="FFFFFF"/>
-                  </a:solidFill>
-                </a14:hiddenFill>
-              </a:ext>
-              <a:ext uri="{91240B29-F687-4F45-9708-019B960494DF}">
-                <a14:hiddenLine xmlns:a14="http://schemas.microsoft.com/office/drawing/2010/main" w="9525">
-                  <a:solidFill>
-                    <a:srgbClr val="000000"/>
-                  </a:solidFill>
-                  <a:miter lim="800000"/>
-                  <a:headEnd/>
-                  <a:tailEnd/>
-                </a14:hiddenLine>
-              </a:ext>
-            </a:extLst>
-          </p:spPr>
-          <p:txBody>
-            <a:bodyPr wrap="none">
-              <a:spAutoFit/>
-            </a:bodyPr>
-            <a:lstStyle/>
-            <a:p>
-              <a:pPr algn="ctr" eaLnBrk="1">
-                <a:lnSpc>
-                  <a:spcPct val="93000"/>
-                </a:lnSpc>
-                <a:buClr>
-                  <a:srgbClr val="000000"/>
-                </a:buClr>
-                <a:buSzPct val="100000"/>
-                <a:buFont typeface="Times New Roman" panose="02020603050405020304" pitchFamily="18" charset="0"/>
-                <a:buNone/>
-              </a:pPr>
-              <a:r>
-                <a:rPr lang="en-CA" altLang="en-US" sz="2000">
-                  <a:solidFill>
-                    <a:srgbClr val="000066"/>
-                  </a:solidFill>
-                  <a:latin typeface="Calibri" panose="020F0502020204030204" pitchFamily="34" charset="0"/>
-                </a:rPr>
-                <a:t>Putting steps together</a:t>
-              </a:r>
-            </a:p>
-            <a:p>
-              <a:pPr algn="ctr" eaLnBrk="1">
-                <a:lnSpc>
-                  <a:spcPct val="93000"/>
-                </a:lnSpc>
-                <a:buClr>
-                  <a:srgbClr val="000000"/>
-                </a:buClr>
-                <a:buSzPct val="100000"/>
-                <a:buFont typeface="Times New Roman" panose="02020603050405020304" pitchFamily="18" charset="0"/>
-                <a:buNone/>
-              </a:pPr>
-              <a:r>
-                <a:rPr lang="en-CA" altLang="en-US" sz="2000">
-                  <a:solidFill>
-                    <a:srgbClr val="000066"/>
-                  </a:solidFill>
-                  <a:latin typeface="Calibri" panose="020F0502020204030204" pitchFamily="34" charset="0"/>
-                </a:rPr>
-                <a:t>to get big picture</a:t>
-              </a:r>
-            </a:p>
-          </p:txBody>
-        </p:sp>
-        <p:sp>
-          <p:nvSpPr>
-            <p:cNvPr id="25" name="Line 11">
-              <a:extLst>
-                <a:ext uri="{FF2B5EF4-FFF2-40B4-BE49-F238E27FC236}">
-                  <a16:creationId xmlns:a16="http://schemas.microsoft.com/office/drawing/2014/main" id="{23A83298-B980-AE48-8ED9-2321FA35722E}"/>
-                </a:ext>
-              </a:extLst>
-            </p:cNvPr>
-            <p:cNvSpPr>
-              <a:spLocks noChangeShapeType="1"/>
-            </p:cNvSpPr>
-            <p:nvPr/>
-          </p:nvSpPr>
-          <p:spPr bwMode="auto">
-            <a:xfrm flipH="1">
-              <a:off x="3946525" y="4183063"/>
-              <a:ext cx="517525" cy="576262"/>
-            </a:xfrm>
-            <a:prstGeom prst="line">
-              <a:avLst/>
-            </a:prstGeom>
-            <a:noFill/>
-            <a:ln w="19050">
-              <a:solidFill>
-                <a:srgbClr val="000066"/>
-              </a:solidFill>
-              <a:round/>
-              <a:headEnd/>
-              <a:tailEnd type="triangle" w="med" len="med"/>
-            </a:ln>
-            <a:extLst>
-              <a:ext uri="{909E8E84-426E-40DD-AFC4-6F175D3DCCD1}">
-                <a14:hiddenFill xmlns:a14="http://schemas.microsoft.com/office/drawing/2010/main">
-                  <a:noFill/>
-                </a14:hiddenFill>
-              </a:ext>
-            </a:extLst>
-          </p:spPr>
-          <p:txBody>
-            <a:bodyPr/>
-            <a:lstStyle/>
-            <a:p>
-              <a:endParaRPr lang="en-GB"/>
-            </a:p>
-          </p:txBody>
-        </p:sp>
-        <p:sp>
-          <p:nvSpPr>
-            <p:cNvPr id="26" name="Text Box 12">
-              <a:extLst>
-                <a:ext uri="{FF2B5EF4-FFF2-40B4-BE49-F238E27FC236}">
-                  <a16:creationId xmlns:a16="http://schemas.microsoft.com/office/drawing/2014/main" id="{972A1EB2-B06F-684F-9EE4-33213056EB93}"/>
-                </a:ext>
-              </a:extLst>
-            </p:cNvPr>
-            <p:cNvSpPr txBox="1">
-              <a:spLocks noChangeArrowheads="1"/>
-            </p:cNvSpPr>
-            <p:nvPr/>
-          </p:nvSpPr>
-          <p:spPr bwMode="auto">
-            <a:xfrm>
-              <a:off x="6794500" y="5543550"/>
-              <a:ext cx="2881313" cy="665163"/>
-            </a:xfrm>
-            <a:prstGeom prst="rect">
-              <a:avLst/>
-            </a:prstGeom>
-            <a:noFill/>
-            <a:ln>
-              <a:noFill/>
-            </a:ln>
-            <a:extLst>
-              <a:ext uri="{909E8E84-426E-40DD-AFC4-6F175D3DCCD1}">
-                <a14:hiddenFill xmlns:a14="http://schemas.microsoft.com/office/drawing/2010/main">
-                  <a:solidFill>
-                    <a:srgbClr val="FFFFFF"/>
-                  </a:solidFill>
-                </a14:hiddenFill>
-              </a:ext>
-              <a:ext uri="{91240B29-F687-4F45-9708-019B960494DF}">
-                <a14:hiddenLine xmlns:a14="http://schemas.microsoft.com/office/drawing/2010/main" w="9525">
-                  <a:solidFill>
-                    <a:srgbClr val="000000"/>
-                  </a:solidFill>
-                  <a:miter lim="800000"/>
-                  <a:headEnd/>
-                  <a:tailEnd/>
-                </a14:hiddenLine>
-              </a:ext>
-            </a:extLst>
-          </p:spPr>
-          <p:txBody>
-            <a:bodyPr wrap="none">
-              <a:spAutoFit/>
-            </a:bodyPr>
-            <a:lstStyle/>
-            <a:p>
-              <a:pPr algn="ctr" eaLnBrk="1">
-                <a:lnSpc>
-                  <a:spcPct val="93000"/>
-                </a:lnSpc>
-                <a:buClr>
-                  <a:srgbClr val="000000"/>
-                </a:buClr>
-                <a:buSzPct val="100000"/>
-                <a:buFont typeface="Times New Roman" panose="02020603050405020304" pitchFamily="18" charset="0"/>
-                <a:buNone/>
-              </a:pPr>
-              <a:r>
-                <a:rPr lang="en-CA" altLang="en-US" sz="2000">
-                  <a:solidFill>
-                    <a:srgbClr val="660066"/>
-                  </a:solidFill>
-                  <a:latin typeface="Calibri" panose="020F0502020204030204" pitchFamily="34" charset="0"/>
-                </a:rPr>
-                <a:t>Tracing steps to figure out</a:t>
-              </a:r>
-            </a:p>
-            <a:p>
-              <a:pPr algn="ctr" eaLnBrk="1">
-                <a:lnSpc>
-                  <a:spcPct val="93000"/>
-                </a:lnSpc>
-                <a:buClr>
-                  <a:srgbClr val="000000"/>
-                </a:buClr>
-                <a:buSzPct val="100000"/>
-                <a:buFont typeface="Times New Roman" panose="02020603050405020304" pitchFamily="18" charset="0"/>
-                <a:buNone/>
-              </a:pPr>
-              <a:r>
-                <a:rPr lang="en-CA" altLang="en-US" sz="2000">
-                  <a:solidFill>
-                    <a:srgbClr val="660066"/>
-                  </a:solidFill>
-                  <a:latin typeface="Calibri" panose="020F0502020204030204" pitchFamily="34" charset="0"/>
-                </a:rPr>
-                <a:t>what actually happens</a:t>
-              </a:r>
-            </a:p>
-          </p:txBody>
-        </p:sp>
-        <p:sp>
-          <p:nvSpPr>
-            <p:cNvPr id="27" name="Line 13">
-              <a:extLst>
-                <a:ext uri="{FF2B5EF4-FFF2-40B4-BE49-F238E27FC236}">
-                  <a16:creationId xmlns:a16="http://schemas.microsoft.com/office/drawing/2014/main" id="{5DE05344-9A53-F947-A699-9CE0554E6F63}"/>
-                </a:ext>
-              </a:extLst>
-            </p:cNvPr>
-            <p:cNvSpPr>
-              <a:spLocks noChangeShapeType="1"/>
-            </p:cNvSpPr>
-            <p:nvPr/>
-          </p:nvSpPr>
-          <p:spPr bwMode="auto">
-            <a:xfrm flipH="1" flipV="1">
-              <a:off x="6999288" y="5046663"/>
-              <a:ext cx="749300" cy="461962"/>
-            </a:xfrm>
-            <a:prstGeom prst="line">
-              <a:avLst/>
-            </a:prstGeom>
-            <a:noFill/>
-            <a:ln w="19050">
-              <a:solidFill>
-                <a:srgbClr val="660066"/>
-              </a:solidFill>
-              <a:round/>
-              <a:headEnd/>
-              <a:tailEnd type="triangle" w="med" len="med"/>
-            </a:ln>
-            <a:extLst>
-              <a:ext uri="{909E8E84-426E-40DD-AFC4-6F175D3DCCD1}">
-                <a14:hiddenFill xmlns:a14="http://schemas.microsoft.com/office/drawing/2010/main">
-                  <a:noFill/>
-                </a14:hiddenFill>
-              </a:ext>
-            </a:extLst>
-          </p:spPr>
-          <p:txBody>
-            <a:bodyPr/>
-            <a:lstStyle/>
-            <a:p>
-              <a:endParaRPr lang="en-GB"/>
-            </a:p>
-          </p:txBody>
-        </p:sp>
-      </p:grpSp>
-      <p:pic>
-        <p:nvPicPr>
-          <p:cNvPr id="29" name="Picture 1">
-            <a:extLst>
-              <a:ext uri="{FF2B5EF4-FFF2-40B4-BE49-F238E27FC236}">
-                <a16:creationId xmlns:a16="http://schemas.microsoft.com/office/drawing/2014/main" id="{FD97EF72-75C2-B84B-A93F-0FC44814FA69}"/>
-              </a:ext>
-            </a:extLst>
-          </p:cNvPr>
-          <p:cNvPicPr>
-            <a:picLocks noChangeAspect="1" noChangeArrowheads="1"/>
-          </p:cNvPicPr>
-          <p:nvPr/>
-        </p:nvPicPr>
-        <p:blipFill>
-          <a:blip r:embed="rId2">
-            <a:extLst>
-              <a:ext uri="{28A0092B-C50C-407E-A947-70E740481C1C}">
-                <a14:useLocalDpi xmlns:a14="http://schemas.microsoft.com/office/drawing/2010/main" val="0"/>
-              </a:ext>
-            </a:extLst>
-          </a:blip>
-          <a:srcRect/>
-          <a:stretch>
-            <a:fillRect/>
-          </a:stretch>
-        </p:blipFill>
-        <p:spPr bwMode="auto">
-          <a:xfrm>
-            <a:off x="1534882" y="6215847"/>
-            <a:ext cx="1343191" cy="250729"/>
-          </a:xfrm>
-          <a:prstGeom prst="rect">
-            <a:avLst/>
-          </a:prstGeom>
-          <a:noFill/>
-          <a:ln>
-            <a:noFill/>
-          </a:ln>
-          <a:extLst>
-            <a:ext uri="{909E8E84-426E-40DD-AFC4-6F175D3DCCD1}">
-              <a14:hiddenFill xmlns:a14="http://schemas.microsoft.com/office/drawing/2010/main">
-                <a:solidFill>
-                  <a:srgbClr val="FFFFFF"/>
-                </a:solidFill>
-              </a14:hiddenFill>
-            </a:ext>
-            <a:ext uri="{91240B29-F687-4F45-9708-019B960494DF}">
-              <a14:hiddenLine xmlns:a14="http://schemas.microsoft.com/office/drawing/2010/main" w="9525">
-                <a:solidFill>
-                  <a:srgbClr val="000000"/>
-                </a:solidFill>
-                <a:round/>
-                <a:headEnd/>
-                <a:tailEnd/>
-              </a14:hiddenLine>
-            </a:ext>
-          </a:extLst>
-        </p:spPr>
-      </p:pic>
-    </p:spTree>
-    <p:extLst>
-      <p:ext uri="{BB962C8B-B14F-4D97-AF65-F5344CB8AC3E}">
-        <p14:creationId xmlns:p14="http://schemas.microsoft.com/office/powerpoint/2010/main" val="4002403685"/>
-      </p:ext>
-    </p:extLst>
-  </p:cSld>
-  <p:clrMapOvr>
-    <a:masterClrMapping/>
-  </p:clrMapOvr>
-  <p:timing>
-    <p:tnLst>
-      <p:par>
-        <p:cTn id="1" dur="indefinite" restart="never" nodeType="tmRoot">
-          <p:childTnLst>
-            <p:seq concurrent="1" nextAc="seek">
-              <p:cTn id="2" dur="indefinite" nodeType="mainSeq">
-                <p:childTnLst>
-                  <p:par>
-                    <p:cTn id="3" fill="hold">
-                      <p:stCondLst>
-                        <p:cond delay="indefinite"/>
-                      </p:stCondLst>
-                      <p:childTnLst>
-                        <p:par>
-                          <p:cTn id="4" fill="hold">
-                            <p:stCondLst>
-                              <p:cond delay="0"/>
-                            </p:stCondLst>
-                            <p:childTnLst>
-                              <p:par>
-                                <p:cTn id="5" presetID="1" presetClass="entr" presetSubtype="0" fill="hold" grpId="0" nodeType="clickEffect">
-                                  <p:stCondLst>
-                                    <p:cond delay="0"/>
-                                  </p:stCondLst>
-                                  <p:childTnLst>
-                                    <p:set>
-                                      <p:cBhvr>
-                                        <p:cTn id="6" dur="1" fill="hold">
-                                          <p:stCondLst>
-                                            <p:cond delay="0"/>
-                                          </p:stCondLst>
-                                        </p:cTn>
-                                        <p:tgtEl>
-                                          <p:spTgt spid="2">
-                                            <p:txEl>
-                                              <p:pRg st="1" end="1"/>
-                                            </p:txEl>
-                                          </p:spTgt>
-                                        </p:tgtEl>
-                                        <p:attrNameLst>
-                                          <p:attrName>style.visibility</p:attrName>
-                                        </p:attrNameLst>
-                                      </p:cBhvr>
-                                      <p:to>
-                                        <p:strVal val="visible"/>
-                                      </p:to>
-                                    </p:set>
-                                  </p:childTnLst>
-                                </p:cTn>
-                              </p:par>
-                            </p:childTnLst>
-                          </p:cTn>
-                        </p:par>
-                      </p:childTnLst>
-                    </p:cTn>
-                  </p:par>
-                  <p:par>
-                    <p:cTn id="7" fill="hold">
-                      <p:stCondLst>
-                        <p:cond delay="indefinite"/>
-                      </p:stCondLst>
-                      <p:childTnLst>
-                        <p:par>
-                          <p:cTn id="8" fill="hold">
-                            <p:stCondLst>
-                              <p:cond delay="0"/>
-                            </p:stCondLst>
-                            <p:childTnLst>
-                              <p:par>
-                                <p:cTn id="9" presetID="1" presetClass="entr" presetSubtype="0" fill="hold" grpId="0" nodeType="clickEffect">
-                                  <p:stCondLst>
-                                    <p:cond delay="0"/>
-                                  </p:stCondLst>
-                                  <p:childTnLst>
-                                    <p:set>
-                                      <p:cBhvr>
-                                        <p:cTn id="10" dur="1" fill="hold">
-                                          <p:stCondLst>
-                                            <p:cond delay="0"/>
-                                          </p:stCondLst>
-                                        </p:cTn>
-                                        <p:tgtEl>
-                                          <p:spTgt spid="2">
-                                            <p:txEl>
-                                              <p:pRg st="2" end="2"/>
-                                            </p:txEl>
-                                          </p:spTgt>
-                                        </p:tgtEl>
-                                        <p:attrNameLst>
-                                          <p:attrName>style.visibility</p:attrName>
-                                        </p:attrNameLst>
-                                      </p:cBhvr>
-                                      <p:to>
-                                        <p:strVal val="visible"/>
-                                      </p:to>
-                                    </p:set>
-                                  </p:childTnLst>
-                                </p:cTn>
-                              </p:par>
-                              <p:par>
-                                <p:cTn id="11" presetID="1" presetClass="entr" presetSubtype="0" fill="hold" grpId="0" nodeType="withEffect">
-                                  <p:stCondLst>
-                                    <p:cond delay="0"/>
-                                  </p:stCondLst>
-                                  <p:childTnLst>
-                                    <p:set>
-                                      <p:cBhvr>
-                                        <p:cTn id="12" dur="1" fill="hold">
-                                          <p:stCondLst>
-                                            <p:cond delay="0"/>
-                                          </p:stCondLst>
-                                        </p:cTn>
-                                        <p:tgtEl>
-                                          <p:spTgt spid="2">
-                                            <p:txEl>
-                                              <p:pRg st="3" end="3"/>
-                                            </p:txEl>
-                                          </p:spTgt>
-                                        </p:tgtEl>
-                                        <p:attrNameLst>
-                                          <p:attrName>style.visibility</p:attrName>
-                                        </p:attrNameLst>
-                                      </p:cBhvr>
-                                      <p:to>
-                                        <p:strVal val="visible"/>
-                                      </p:to>
-                                    </p:set>
-                                  </p:childTnLst>
-                                </p:cTn>
-                              </p:par>
-                            </p:childTnLst>
-                          </p:cTn>
-                        </p:par>
-                      </p:childTnLst>
-                    </p:cTn>
-                  </p:par>
-                  <p:par>
-                    <p:cTn id="13" fill="hold">
-                      <p:stCondLst>
-                        <p:cond delay="indefinite"/>
-                      </p:stCondLst>
-                      <p:childTnLst>
-                        <p:par>
-                          <p:cTn id="14" fill="hold">
-                            <p:stCondLst>
-                              <p:cond delay="0"/>
-                            </p:stCondLst>
-                            <p:childTnLst>
-                              <p:par>
-                                <p:cTn id="15" presetID="1" presetClass="entr" presetSubtype="0" fill="hold" nodeType="clickEffect">
-                                  <p:stCondLst>
-                                    <p:cond delay="0"/>
-                                  </p:stCondLst>
-                                  <p:childTnLst>
-                                    <p:set>
-                                      <p:cBhvr>
-                                        <p:cTn id="16" dur="1" fill="hold">
-                                          <p:stCondLst>
-                                            <p:cond delay="0"/>
-                                          </p:stCondLst>
-                                        </p:cTn>
-                                        <p:tgtEl>
-                                          <p:spTgt spid="16"/>
-                                        </p:tgtEl>
-                                        <p:attrNameLst>
-                                          <p:attrName>style.visibility</p:attrName>
-                                        </p:attrNameLst>
-                                      </p:cBhvr>
-                                      <p:to>
-                                        <p:strVal val="visible"/>
-                                      </p:to>
-                                    </p:set>
-                                  </p:childTnLst>
-                                </p:cTn>
-                              </p:par>
-                            </p:childTnLst>
-                          </p:cTn>
-                        </p:par>
-                      </p:childTnLst>
-                    </p:cTn>
-                  </p:par>
-                </p:childTnLst>
-              </p:cTn>
-              <p:prevCondLst>
-                <p:cond evt="onPrev" delay="0">
-                  <p:tgtEl>
-                    <p:sldTgt/>
-                  </p:tgtEl>
-                </p:cond>
-              </p:prevCondLst>
-              <p:nextCondLst>
-                <p:cond evt="onNext" delay="0">
-                  <p:tgtEl>
-                    <p:sldTgt/>
-                  </p:tgtEl>
-                </p:cond>
-              </p:nextCondLst>
-            </p:seq>
-          </p:childTnLst>
-        </p:cTn>
-      </p:par>
-    </p:tnLst>
-    <p:bldLst>
-      <p:bldP spid="2" grpId="0" uiExpand="1" build="p"/>
-    </p:bldLst>
-  </p:timing>
-</p:sld>
-</file>
-
-<file path=ppt/slides/slide41.xml><?xml version="1.0" encoding="utf-8"?>
-<p:sld xmlns:a="http://schemas.openxmlformats.org/drawingml/2006/main" xmlns:r="http://schemas.openxmlformats.org/officeDocument/2006/relationships" xmlns:p="http://schemas.openxmlformats.org/presentationml/2006/main">
-  <p:cSld>
-    <p:spTree>
-      <p:nvGrpSpPr>
-        <p:cNvPr id="1" name=""/>
-        <p:cNvGrpSpPr/>
-        <p:nvPr/>
-      </p:nvGrpSpPr>
-      <p:grpSpPr>
-        <a:xfrm>
-          <a:off x="0" y="0"/>
-          <a:ext cx="0" cy="0"/>
-          <a:chOff x="0" y="0"/>
-          <a:chExt cx="0" cy="0"/>
-        </a:xfrm>
-      </p:grpSpPr>
-      <p:pic>
-        <p:nvPicPr>
-          <p:cNvPr id="89090" name="Picture 1"/>
-          <p:cNvPicPr>
-            <a:picLocks noChangeAspect="1" noChangeArrowheads="1"/>
-          </p:cNvPicPr>
-          <p:nvPr/>
-        </p:nvPicPr>
-        <p:blipFill>
-          <a:blip r:embed="rId3">
-            <a:extLst>
-              <a:ext uri="{28A0092B-C50C-407E-A947-70E740481C1C}">
-                <a14:useLocalDpi xmlns:a14="http://schemas.microsoft.com/office/drawing/2010/main" val="0"/>
-              </a:ext>
-            </a:extLst>
-          </a:blip>
-          <a:srcRect/>
-          <a:stretch>
-            <a:fillRect/>
-          </a:stretch>
-        </p:blipFill>
-        <p:spPr bwMode="auto">
-          <a:xfrm>
-            <a:off x="1368000" y="957961"/>
-            <a:ext cx="6480000" cy="1209600"/>
-          </a:xfrm>
-          <a:prstGeom prst="rect">
-            <a:avLst/>
-          </a:prstGeom>
-          <a:noFill/>
-          <a:ln>
-            <a:noFill/>
-          </a:ln>
-          <a:extLst>
-            <a:ext uri="{909E8E84-426E-40DD-AFC4-6F175D3DCCD1}">
-              <a14:hiddenFill xmlns:a14="http://schemas.microsoft.com/office/drawing/2010/main">
-                <a:solidFill>
-                  <a:srgbClr val="FFFFFF"/>
-                </a:solidFill>
-              </a14:hiddenFill>
-            </a:ext>
-            <a:ext uri="{91240B29-F687-4F45-9708-019B960494DF}">
-              <a14:hiddenLine xmlns:a14="http://schemas.microsoft.com/office/drawing/2010/main" w="9525">
-                <a:solidFill>
-                  <a:srgbClr val="000000"/>
-                </a:solidFill>
-                <a:round/>
-                <a:headEnd/>
-                <a:tailEnd/>
-              </a14:hiddenLine>
-            </a:ext>
-          </a:extLst>
-        </p:spPr>
-      </p:pic>
-      <p:sp>
-        <p:nvSpPr>
-          <p:cNvPr id="89091" name="Text Box 4"/>
-          <p:cNvSpPr txBox="1">
-            <a:spLocks noChangeArrowheads="1"/>
-          </p:cNvSpPr>
-          <p:nvPr/>
-        </p:nvSpPr>
-        <p:spPr bwMode="auto">
-          <a:xfrm>
-            <a:off x="3421441" y="4429801"/>
-            <a:ext cx="2404800" cy="446400"/>
-          </a:xfrm>
-          <a:prstGeom prst="rect">
-            <a:avLst/>
-          </a:prstGeom>
-          <a:noFill/>
-          <a:ln>
-            <a:noFill/>
-          </a:ln>
-          <a:extLst>
-            <a:ext uri="{909E8E84-426E-40DD-AFC4-6F175D3DCCD1}">
-              <a14:hiddenFill xmlns:a14="http://schemas.microsoft.com/office/drawing/2010/main">
-                <a:solidFill>
-                  <a:srgbClr val="FFFFFF"/>
-                </a:solidFill>
-              </a14:hiddenFill>
-            </a:ext>
-            <a:ext uri="{91240B29-F687-4F45-9708-019B960494DF}">
-              <a14:hiddenLine xmlns:a14="http://schemas.microsoft.com/office/drawing/2010/main" w="9525">
-                <a:solidFill>
-                  <a:srgbClr val="000000"/>
-                </a:solidFill>
-                <a:round/>
-                <a:headEnd/>
-                <a:tailEnd/>
-              </a14:hiddenLine>
-            </a:ext>
-          </a:extLst>
-        </p:spPr>
-        <p:txBody>
-          <a:bodyPr wrap="none" lIns="81638" tIns="40819" rIns="81638" bIns="40819"/>
-          <a:lstStyle>
-            <a:lvl1pPr>
-              <a:tabLst>
-                <a:tab pos="723900" algn="l"/>
-                <a:tab pos="1447800" algn="l"/>
-              </a:tabLst>
-              <a:defRPr>
-                <a:solidFill>
-                  <a:schemeClr val="tx1"/>
-                </a:solidFill>
-                <a:latin typeface="Arial" panose="020B0604020202020204" pitchFamily="34" charset="0"/>
-                <a:ea typeface="Arial Unicode MS" pitchFamily="34" charset="-128"/>
-              </a:defRPr>
-            </a:lvl1pPr>
-            <a:lvl2pPr>
-              <a:tabLst>
-                <a:tab pos="723900" algn="l"/>
-                <a:tab pos="1447800" algn="l"/>
-              </a:tabLst>
-              <a:defRPr>
-                <a:solidFill>
-                  <a:schemeClr val="tx1"/>
-                </a:solidFill>
-                <a:latin typeface="Arial" panose="020B0604020202020204" pitchFamily="34" charset="0"/>
-                <a:ea typeface="Arial Unicode MS" pitchFamily="34" charset="-128"/>
-              </a:defRPr>
-            </a:lvl2pPr>
-            <a:lvl3pPr>
-              <a:tabLst>
-                <a:tab pos="723900" algn="l"/>
-                <a:tab pos="1447800" algn="l"/>
-              </a:tabLst>
-              <a:defRPr>
-                <a:solidFill>
-                  <a:schemeClr val="tx1"/>
-                </a:solidFill>
-                <a:latin typeface="Arial" panose="020B0604020202020204" pitchFamily="34" charset="0"/>
-                <a:ea typeface="Arial Unicode MS" pitchFamily="34" charset="-128"/>
-              </a:defRPr>
-            </a:lvl3pPr>
-            <a:lvl4pPr>
-              <a:tabLst>
-                <a:tab pos="723900" algn="l"/>
-                <a:tab pos="1447800" algn="l"/>
-              </a:tabLst>
-              <a:defRPr>
-                <a:solidFill>
-                  <a:schemeClr val="tx1"/>
-                </a:solidFill>
-                <a:latin typeface="Arial" panose="020B0604020202020204" pitchFamily="34" charset="0"/>
-                <a:ea typeface="Arial Unicode MS" pitchFamily="34" charset="-128"/>
-              </a:defRPr>
-            </a:lvl4pPr>
-            <a:lvl5pPr>
-              <a:tabLst>
-                <a:tab pos="723900" algn="l"/>
-                <a:tab pos="1447800" algn="l"/>
-              </a:tabLst>
-              <a:defRPr>
-                <a:solidFill>
-                  <a:schemeClr val="tx1"/>
-                </a:solidFill>
-                <a:latin typeface="Arial" panose="020B0604020202020204" pitchFamily="34" charset="0"/>
-                <a:ea typeface="Arial Unicode MS" pitchFamily="34" charset="-128"/>
-              </a:defRPr>
-            </a:lvl5pPr>
-            <a:lvl6pPr marL="2514600" indent="-228600" defTabSz="457200" eaLnBrk="0" fontAlgn="base" hangingPunct="0">
-              <a:spcBef>
-                <a:spcPct val="0"/>
-              </a:spcBef>
-              <a:spcAft>
-                <a:spcPct val="0"/>
-              </a:spcAft>
-              <a:tabLst>
-                <a:tab pos="723900" algn="l"/>
-                <a:tab pos="1447800" algn="l"/>
-              </a:tabLst>
-              <a:defRPr>
-                <a:solidFill>
-                  <a:schemeClr val="tx1"/>
-                </a:solidFill>
-                <a:latin typeface="Arial" panose="020B0604020202020204" pitchFamily="34" charset="0"/>
-                <a:ea typeface="Arial Unicode MS" pitchFamily="34" charset="-128"/>
-              </a:defRPr>
-            </a:lvl6pPr>
-            <a:lvl7pPr marL="2971800" indent="-228600" defTabSz="457200" eaLnBrk="0" fontAlgn="base" hangingPunct="0">
-              <a:spcBef>
-                <a:spcPct val="0"/>
-              </a:spcBef>
-              <a:spcAft>
-                <a:spcPct val="0"/>
-              </a:spcAft>
-              <a:tabLst>
-                <a:tab pos="723900" algn="l"/>
-                <a:tab pos="1447800" algn="l"/>
-              </a:tabLst>
-              <a:defRPr>
-                <a:solidFill>
-                  <a:schemeClr val="tx1"/>
-                </a:solidFill>
-                <a:latin typeface="Arial" panose="020B0604020202020204" pitchFamily="34" charset="0"/>
-                <a:ea typeface="Arial Unicode MS" pitchFamily="34" charset="-128"/>
-              </a:defRPr>
-            </a:lvl7pPr>
-            <a:lvl8pPr marL="3429000" indent="-228600" defTabSz="457200" eaLnBrk="0" fontAlgn="base" hangingPunct="0">
-              <a:spcBef>
-                <a:spcPct val="0"/>
-              </a:spcBef>
-              <a:spcAft>
-                <a:spcPct val="0"/>
-              </a:spcAft>
-              <a:tabLst>
-                <a:tab pos="723900" algn="l"/>
-                <a:tab pos="1447800" algn="l"/>
-              </a:tabLst>
-              <a:defRPr>
-                <a:solidFill>
-                  <a:schemeClr val="tx1"/>
-                </a:solidFill>
-                <a:latin typeface="Arial" panose="020B0604020202020204" pitchFamily="34" charset="0"/>
-                <a:ea typeface="Arial Unicode MS" pitchFamily="34" charset="-128"/>
-              </a:defRPr>
-            </a:lvl8pPr>
-            <a:lvl9pPr marL="3886200" indent="-228600" defTabSz="457200" eaLnBrk="0" fontAlgn="base" hangingPunct="0">
-              <a:spcBef>
-                <a:spcPct val="0"/>
-              </a:spcBef>
-              <a:spcAft>
-                <a:spcPct val="0"/>
-              </a:spcAft>
-              <a:tabLst>
-                <a:tab pos="723900" algn="l"/>
-                <a:tab pos="1447800" algn="l"/>
-              </a:tabLst>
-              <a:defRPr>
-                <a:solidFill>
-                  <a:schemeClr val="tx1"/>
-                </a:solidFill>
-                <a:latin typeface="Arial" panose="020B0604020202020204" pitchFamily="34" charset="0"/>
-                <a:ea typeface="Arial Unicode MS" pitchFamily="34" charset="-128"/>
-              </a:defRPr>
-            </a:lvl9pPr>
-          </a:lstStyle>
-          <a:p>
-            <a:pPr algn="ctr" eaLnBrk="1">
-              <a:lnSpc>
-                <a:spcPct val="102000"/>
-              </a:lnSpc>
-              <a:buClr>
-                <a:srgbClr val="000000"/>
-              </a:buClr>
-              <a:buSzPct val="100000"/>
-              <a:buFont typeface="Times New Roman" panose="02020603050405020304" pitchFamily="18" charset="0"/>
-              <a:buNone/>
-            </a:pPr>
-            <a:r>
-              <a:rPr lang="en-US" altLang="en-US" sz="2358">
-                <a:solidFill>
-                  <a:srgbClr val="000000"/>
-                </a:solidFill>
-                <a:latin typeface="Calibri" panose="020F0502020204030204" pitchFamily="34" charset="0"/>
-              </a:rPr>
-              <a:t>January 2011</a:t>
-            </a:r>
-          </a:p>
-        </p:txBody>
-      </p:sp>
-      <p:pic>
-        <p:nvPicPr>
-          <p:cNvPr id="89092" name="Picture 4"/>
-          <p:cNvPicPr>
-            <a:picLocks noChangeAspect="1" noChangeArrowheads="1"/>
-          </p:cNvPicPr>
-          <p:nvPr/>
-        </p:nvPicPr>
-        <p:blipFill>
-          <a:blip r:embed="rId4">
-            <a:extLst>
-              <a:ext uri="{28A0092B-C50C-407E-A947-70E740481C1C}">
-                <a14:useLocalDpi xmlns:a14="http://schemas.microsoft.com/office/drawing/2010/main" val="0"/>
-              </a:ext>
-            </a:extLst>
-          </a:blip>
-          <a:srcRect/>
-          <a:stretch>
-            <a:fillRect/>
-          </a:stretch>
-        </p:blipFill>
-        <p:spPr bwMode="auto">
-          <a:xfrm>
-            <a:off x="683568" y="5247902"/>
-            <a:ext cx="2056320" cy="779040"/>
-          </a:xfrm>
-          <a:prstGeom prst="rect">
-            <a:avLst/>
-          </a:prstGeom>
-          <a:noFill/>
-          <a:ln>
-            <a:noFill/>
-          </a:ln>
-          <a:extLst>
-            <a:ext uri="{909E8E84-426E-40DD-AFC4-6F175D3DCCD1}">
-              <a14:hiddenFill xmlns:a14="http://schemas.microsoft.com/office/drawing/2010/main">
-                <a:solidFill>
-                  <a:srgbClr val="FFFFFF"/>
-                </a:solidFill>
-              </a14:hiddenFill>
-            </a:ext>
-            <a:ext uri="{91240B29-F687-4F45-9708-019B960494DF}">
-              <a14:hiddenLine xmlns:a14="http://schemas.microsoft.com/office/drawing/2010/main" w="9525">
-                <a:solidFill>
-                  <a:srgbClr val="000000"/>
-                </a:solidFill>
-                <a:round/>
-                <a:headEnd/>
-                <a:tailEnd/>
-              </a14:hiddenLine>
-            </a:ext>
-          </a:extLst>
-        </p:spPr>
-      </p:pic>
-      <p:sp>
-        <p:nvSpPr>
-          <p:cNvPr id="89093" name="Text Box 5"/>
-          <p:cNvSpPr txBox="1">
-            <a:spLocks noChangeArrowheads="1"/>
-          </p:cNvSpPr>
-          <p:nvPr/>
-        </p:nvSpPr>
-        <p:spPr bwMode="auto">
-          <a:xfrm>
-            <a:off x="2887921" y="5224681"/>
-            <a:ext cx="5876640" cy="822240"/>
-          </a:xfrm>
-          <a:prstGeom prst="rect">
-            <a:avLst/>
-          </a:prstGeom>
-          <a:noFill/>
-          <a:ln>
-            <a:noFill/>
-          </a:ln>
-          <a:extLst>
-            <a:ext uri="{909E8E84-426E-40DD-AFC4-6F175D3DCCD1}">
-              <a14:hiddenFill xmlns:a14="http://schemas.microsoft.com/office/drawing/2010/main">
-                <a:solidFill>
-                  <a:srgbClr val="FFFFFF"/>
-                </a:solidFill>
-              </a14:hiddenFill>
-            </a:ext>
-            <a:ext uri="{91240B29-F687-4F45-9708-019B960494DF}">
-              <a14:hiddenLine xmlns:a14="http://schemas.microsoft.com/office/drawing/2010/main" w="9525">
-                <a:solidFill>
-                  <a:srgbClr val="000000"/>
-                </a:solidFill>
-                <a:round/>
-                <a:headEnd/>
-                <a:tailEnd/>
-              </a14:hiddenLine>
-            </a:ext>
-          </a:extLst>
-        </p:spPr>
-        <p:txBody>
-          <a:bodyPr wrap="none" lIns="81638" tIns="40819" rIns="81638" bIns="40819"/>
-          <a:lstStyle>
-            <a:lvl1pPr>
-              <a:tabLst>
-                <a:tab pos="723900" algn="l"/>
-                <a:tab pos="1447800" algn="l"/>
-                <a:tab pos="2171700" algn="l"/>
-                <a:tab pos="2895600" algn="l"/>
-                <a:tab pos="3619500" algn="l"/>
-                <a:tab pos="4343400" algn="l"/>
-                <a:tab pos="5067300" algn="l"/>
-                <a:tab pos="5791200" algn="l"/>
-              </a:tabLst>
-              <a:defRPr>
-                <a:solidFill>
-                  <a:schemeClr val="tx1"/>
-                </a:solidFill>
-                <a:latin typeface="Arial" panose="020B0604020202020204" pitchFamily="34" charset="0"/>
-                <a:ea typeface="Arial Unicode MS" pitchFamily="34" charset="-128"/>
-              </a:defRPr>
-            </a:lvl1pPr>
-            <a:lvl2pPr>
-              <a:tabLst>
-                <a:tab pos="723900" algn="l"/>
-                <a:tab pos="1447800" algn="l"/>
-                <a:tab pos="2171700" algn="l"/>
-                <a:tab pos="2895600" algn="l"/>
-                <a:tab pos="3619500" algn="l"/>
-                <a:tab pos="4343400" algn="l"/>
-                <a:tab pos="5067300" algn="l"/>
-                <a:tab pos="5791200" algn="l"/>
-              </a:tabLst>
-              <a:defRPr>
-                <a:solidFill>
-                  <a:schemeClr val="tx1"/>
-                </a:solidFill>
-                <a:latin typeface="Arial" panose="020B0604020202020204" pitchFamily="34" charset="0"/>
-                <a:ea typeface="Arial Unicode MS" pitchFamily="34" charset="-128"/>
-              </a:defRPr>
-            </a:lvl2pPr>
-            <a:lvl3pPr>
-              <a:tabLst>
-                <a:tab pos="723900" algn="l"/>
-                <a:tab pos="1447800" algn="l"/>
-                <a:tab pos="2171700" algn="l"/>
-                <a:tab pos="2895600" algn="l"/>
-                <a:tab pos="3619500" algn="l"/>
-                <a:tab pos="4343400" algn="l"/>
-                <a:tab pos="5067300" algn="l"/>
-                <a:tab pos="5791200" algn="l"/>
-              </a:tabLst>
-              <a:defRPr>
-                <a:solidFill>
-                  <a:schemeClr val="tx1"/>
-                </a:solidFill>
-                <a:latin typeface="Arial" panose="020B0604020202020204" pitchFamily="34" charset="0"/>
-                <a:ea typeface="Arial Unicode MS" pitchFamily="34" charset="-128"/>
-              </a:defRPr>
-            </a:lvl3pPr>
-            <a:lvl4pPr>
-              <a:tabLst>
-                <a:tab pos="723900" algn="l"/>
-                <a:tab pos="1447800" algn="l"/>
-                <a:tab pos="2171700" algn="l"/>
-                <a:tab pos="2895600" algn="l"/>
-                <a:tab pos="3619500" algn="l"/>
-                <a:tab pos="4343400" algn="l"/>
-                <a:tab pos="5067300" algn="l"/>
-                <a:tab pos="5791200" algn="l"/>
-              </a:tabLst>
-              <a:defRPr>
-                <a:solidFill>
-                  <a:schemeClr val="tx1"/>
-                </a:solidFill>
-                <a:latin typeface="Arial" panose="020B0604020202020204" pitchFamily="34" charset="0"/>
-                <a:ea typeface="Arial Unicode MS" pitchFamily="34" charset="-128"/>
-              </a:defRPr>
-            </a:lvl4pPr>
-            <a:lvl5pPr>
-              <a:tabLst>
-                <a:tab pos="723900" algn="l"/>
-                <a:tab pos="1447800" algn="l"/>
-                <a:tab pos="2171700" algn="l"/>
-                <a:tab pos="2895600" algn="l"/>
-                <a:tab pos="3619500" algn="l"/>
-                <a:tab pos="4343400" algn="l"/>
-                <a:tab pos="5067300" algn="l"/>
-                <a:tab pos="5791200" algn="l"/>
-              </a:tabLst>
-              <a:defRPr>
-                <a:solidFill>
-                  <a:schemeClr val="tx1"/>
-                </a:solidFill>
-                <a:latin typeface="Arial" panose="020B0604020202020204" pitchFamily="34" charset="0"/>
-                <a:ea typeface="Arial Unicode MS" pitchFamily="34" charset="-128"/>
-              </a:defRPr>
-            </a:lvl5pPr>
-            <a:lvl6pPr marL="2514600" indent="-228600" defTabSz="457200" eaLnBrk="0" fontAlgn="base" hangingPunct="0">
-              <a:spcBef>
-                <a:spcPct val="0"/>
-              </a:spcBef>
-              <a:spcAft>
-                <a:spcPct val="0"/>
-              </a:spcAft>
-              <a:tabLst>
-                <a:tab pos="723900" algn="l"/>
-                <a:tab pos="1447800" algn="l"/>
-                <a:tab pos="2171700" algn="l"/>
-                <a:tab pos="2895600" algn="l"/>
-                <a:tab pos="3619500" algn="l"/>
-                <a:tab pos="4343400" algn="l"/>
-                <a:tab pos="5067300" algn="l"/>
-                <a:tab pos="5791200" algn="l"/>
-              </a:tabLst>
-              <a:defRPr>
-                <a:solidFill>
-                  <a:schemeClr val="tx1"/>
-                </a:solidFill>
-                <a:latin typeface="Arial" panose="020B0604020202020204" pitchFamily="34" charset="0"/>
-                <a:ea typeface="Arial Unicode MS" pitchFamily="34" charset="-128"/>
-              </a:defRPr>
-            </a:lvl6pPr>
-            <a:lvl7pPr marL="2971800" indent="-228600" defTabSz="457200" eaLnBrk="0" fontAlgn="base" hangingPunct="0">
-              <a:spcBef>
-                <a:spcPct val="0"/>
-              </a:spcBef>
-              <a:spcAft>
-                <a:spcPct val="0"/>
-              </a:spcAft>
-              <a:tabLst>
-                <a:tab pos="723900" algn="l"/>
-                <a:tab pos="1447800" algn="l"/>
-                <a:tab pos="2171700" algn="l"/>
-                <a:tab pos="2895600" algn="l"/>
-                <a:tab pos="3619500" algn="l"/>
-                <a:tab pos="4343400" algn="l"/>
-                <a:tab pos="5067300" algn="l"/>
-                <a:tab pos="5791200" algn="l"/>
-              </a:tabLst>
-              <a:defRPr>
-                <a:solidFill>
-                  <a:schemeClr val="tx1"/>
-                </a:solidFill>
-                <a:latin typeface="Arial" panose="020B0604020202020204" pitchFamily="34" charset="0"/>
-                <a:ea typeface="Arial Unicode MS" pitchFamily="34" charset="-128"/>
-              </a:defRPr>
-            </a:lvl7pPr>
-            <a:lvl8pPr marL="3429000" indent="-228600" defTabSz="457200" eaLnBrk="0" fontAlgn="base" hangingPunct="0">
-              <a:spcBef>
-                <a:spcPct val="0"/>
-              </a:spcBef>
-              <a:spcAft>
-                <a:spcPct val="0"/>
-              </a:spcAft>
-              <a:tabLst>
-                <a:tab pos="723900" algn="l"/>
-                <a:tab pos="1447800" algn="l"/>
-                <a:tab pos="2171700" algn="l"/>
-                <a:tab pos="2895600" algn="l"/>
-                <a:tab pos="3619500" algn="l"/>
-                <a:tab pos="4343400" algn="l"/>
-                <a:tab pos="5067300" algn="l"/>
-                <a:tab pos="5791200" algn="l"/>
-              </a:tabLst>
-              <a:defRPr>
-                <a:solidFill>
-                  <a:schemeClr val="tx1"/>
-                </a:solidFill>
-                <a:latin typeface="Arial" panose="020B0604020202020204" pitchFamily="34" charset="0"/>
-                <a:ea typeface="Arial Unicode MS" pitchFamily="34" charset="-128"/>
-              </a:defRPr>
-            </a:lvl8pPr>
-            <a:lvl9pPr marL="3886200" indent="-228600" defTabSz="457200" eaLnBrk="0" fontAlgn="base" hangingPunct="0">
-              <a:spcBef>
-                <a:spcPct val="0"/>
-              </a:spcBef>
-              <a:spcAft>
-                <a:spcPct val="0"/>
-              </a:spcAft>
-              <a:tabLst>
-                <a:tab pos="723900" algn="l"/>
-                <a:tab pos="1447800" algn="l"/>
-                <a:tab pos="2171700" algn="l"/>
-                <a:tab pos="2895600" algn="l"/>
-                <a:tab pos="3619500" algn="l"/>
-                <a:tab pos="4343400" algn="l"/>
-                <a:tab pos="5067300" algn="l"/>
-                <a:tab pos="5791200" algn="l"/>
-              </a:tabLst>
-              <a:defRPr>
-                <a:solidFill>
-                  <a:schemeClr val="tx1"/>
-                </a:solidFill>
-                <a:latin typeface="Arial" panose="020B0604020202020204" pitchFamily="34" charset="0"/>
-                <a:ea typeface="Arial Unicode MS" pitchFamily="34" charset="-128"/>
-              </a:defRPr>
-            </a:lvl9pPr>
-          </a:lstStyle>
-          <a:p>
-            <a:pPr eaLnBrk="1">
-              <a:lnSpc>
-                <a:spcPct val="102000"/>
-              </a:lnSpc>
-              <a:buClr>
-                <a:srgbClr val="000000"/>
-              </a:buClr>
-              <a:buSzPct val="100000"/>
-              <a:buFont typeface="Times New Roman" panose="02020603050405020304" pitchFamily="18" charset="0"/>
-              <a:buNone/>
-            </a:pPr>
-            <a:r>
-              <a:rPr lang="en-US" altLang="en-US" sz="1270" dirty="0">
-                <a:solidFill>
-                  <a:srgbClr val="000000"/>
-                </a:solidFill>
-                <a:latin typeface="Calibri" panose="020F0502020204030204" pitchFamily="34" charset="0"/>
-              </a:rPr>
-              <a:t>Copyright © Software Carpentry 2010</a:t>
-            </a:r>
-          </a:p>
-          <a:p>
-            <a:pPr eaLnBrk="1">
-              <a:lnSpc>
-                <a:spcPct val="140000"/>
-              </a:lnSpc>
-              <a:buClr>
-                <a:srgbClr val="000000"/>
-              </a:buClr>
-              <a:buSzPct val="100000"/>
-              <a:buFont typeface="Times New Roman" panose="02020603050405020304" pitchFamily="18" charset="0"/>
-              <a:buNone/>
-            </a:pPr>
-            <a:r>
-              <a:rPr lang="en-US" altLang="en-US" sz="1270" dirty="0">
-                <a:solidFill>
-                  <a:srgbClr val="000000"/>
-                </a:solidFill>
-                <a:latin typeface="Calibri" panose="020F0502020204030204" pitchFamily="34" charset="0"/>
-              </a:rPr>
-              <a:t>This work is licensed under the Creative Commons Attribution License</a:t>
-            </a:r>
-          </a:p>
-          <a:p>
-            <a:pPr eaLnBrk="1">
-              <a:lnSpc>
-                <a:spcPct val="140000"/>
-              </a:lnSpc>
-              <a:buClr>
-                <a:srgbClr val="000000"/>
-              </a:buClr>
-              <a:buSzPct val="100000"/>
-              <a:buFont typeface="Times New Roman" panose="02020603050405020304" pitchFamily="18" charset="0"/>
-              <a:buNone/>
-            </a:pPr>
-            <a:r>
-              <a:rPr lang="en-US" altLang="en-US" sz="1270" dirty="0">
-                <a:solidFill>
-                  <a:srgbClr val="000000"/>
-                </a:solidFill>
-                <a:latin typeface="Calibri" panose="020F0502020204030204" pitchFamily="34" charset="0"/>
-              </a:rPr>
-              <a:t>See http://software-</a:t>
-            </a:r>
-            <a:r>
-              <a:rPr lang="en-US" altLang="en-US" sz="1270" dirty="0" err="1">
-                <a:solidFill>
-                  <a:srgbClr val="000000"/>
-                </a:solidFill>
-                <a:latin typeface="Calibri" panose="020F0502020204030204" pitchFamily="34" charset="0"/>
-              </a:rPr>
-              <a:t>carpentry.org</a:t>
-            </a:r>
-            <a:r>
-              <a:rPr lang="en-US" altLang="en-US" sz="1270" dirty="0">
-                <a:solidFill>
-                  <a:srgbClr val="000000"/>
-                </a:solidFill>
-                <a:latin typeface="Calibri" panose="020F0502020204030204" pitchFamily="34" charset="0"/>
-              </a:rPr>
-              <a:t>/</a:t>
-            </a:r>
-            <a:r>
-              <a:rPr lang="en-US" altLang="en-US" sz="1270" dirty="0" err="1">
-                <a:solidFill>
-                  <a:srgbClr val="000000"/>
-                </a:solidFill>
-                <a:latin typeface="Calibri" panose="020F0502020204030204" pitchFamily="34" charset="0"/>
-              </a:rPr>
-              <a:t>license.html</a:t>
-            </a:r>
-            <a:r>
-              <a:rPr lang="en-US" altLang="en-US" sz="1270" dirty="0">
-                <a:solidFill>
-                  <a:srgbClr val="000000"/>
-                </a:solidFill>
-                <a:latin typeface="Calibri" panose="020F0502020204030204" pitchFamily="34" charset="0"/>
-              </a:rPr>
-              <a:t> for more information.</a:t>
-            </a:r>
-          </a:p>
-        </p:txBody>
-      </p:sp>
-      <p:sp>
-        <p:nvSpPr>
-          <p:cNvPr id="89094" name="Text Box 5"/>
-          <p:cNvSpPr txBox="1">
-            <a:spLocks noChangeArrowheads="1"/>
-          </p:cNvSpPr>
-          <p:nvPr/>
-        </p:nvSpPr>
-        <p:spPr bwMode="auto">
-          <a:xfrm>
-            <a:off x="3902401" y="2763721"/>
-            <a:ext cx="1442880" cy="446400"/>
-          </a:xfrm>
-          <a:prstGeom prst="rect">
-            <a:avLst/>
-          </a:prstGeom>
-          <a:noFill/>
-          <a:ln>
-            <a:noFill/>
-          </a:ln>
-          <a:extLst>
-            <a:ext uri="{909E8E84-426E-40DD-AFC4-6F175D3DCCD1}">
-              <a14:hiddenFill xmlns:a14="http://schemas.microsoft.com/office/drawing/2010/main">
-                <a:solidFill>
-                  <a:srgbClr val="FFFFFF"/>
-                </a:solidFill>
-              </a14:hiddenFill>
-            </a:ext>
-            <a:ext uri="{91240B29-F687-4F45-9708-019B960494DF}">
-              <a14:hiddenLine xmlns:a14="http://schemas.microsoft.com/office/drawing/2010/main" w="9525">
-                <a:solidFill>
-                  <a:srgbClr val="000000"/>
-                </a:solidFill>
-                <a:round/>
-                <a:headEnd/>
-                <a:tailEnd/>
-              </a14:hiddenLine>
-            </a:ext>
-          </a:extLst>
-        </p:spPr>
-        <p:txBody>
-          <a:bodyPr wrap="none" lIns="81638" tIns="40819" rIns="81638" bIns="40819"/>
-          <a:lstStyle>
-            <a:lvl1pPr>
-              <a:tabLst>
-                <a:tab pos="723900" algn="l"/>
-                <a:tab pos="1447800" algn="l"/>
-              </a:tabLst>
-              <a:defRPr>
-                <a:solidFill>
-                  <a:schemeClr val="tx1"/>
-                </a:solidFill>
-                <a:latin typeface="Arial" panose="020B0604020202020204" pitchFamily="34" charset="0"/>
-                <a:ea typeface="Arial Unicode MS" pitchFamily="34" charset="-128"/>
-              </a:defRPr>
-            </a:lvl1pPr>
-            <a:lvl2pPr>
-              <a:tabLst>
-                <a:tab pos="723900" algn="l"/>
-                <a:tab pos="1447800" algn="l"/>
-              </a:tabLst>
-              <a:defRPr>
-                <a:solidFill>
-                  <a:schemeClr val="tx1"/>
-                </a:solidFill>
-                <a:latin typeface="Arial" panose="020B0604020202020204" pitchFamily="34" charset="0"/>
-                <a:ea typeface="Arial Unicode MS" pitchFamily="34" charset="-128"/>
-              </a:defRPr>
-            </a:lvl2pPr>
-            <a:lvl3pPr>
-              <a:tabLst>
-                <a:tab pos="723900" algn="l"/>
-                <a:tab pos="1447800" algn="l"/>
-              </a:tabLst>
-              <a:defRPr>
-                <a:solidFill>
-                  <a:schemeClr val="tx1"/>
-                </a:solidFill>
-                <a:latin typeface="Arial" panose="020B0604020202020204" pitchFamily="34" charset="0"/>
-                <a:ea typeface="Arial Unicode MS" pitchFamily="34" charset="-128"/>
-              </a:defRPr>
-            </a:lvl3pPr>
-            <a:lvl4pPr>
-              <a:tabLst>
-                <a:tab pos="723900" algn="l"/>
-                <a:tab pos="1447800" algn="l"/>
-              </a:tabLst>
-              <a:defRPr>
-                <a:solidFill>
-                  <a:schemeClr val="tx1"/>
-                </a:solidFill>
-                <a:latin typeface="Arial" panose="020B0604020202020204" pitchFamily="34" charset="0"/>
-                <a:ea typeface="Arial Unicode MS" pitchFamily="34" charset="-128"/>
-              </a:defRPr>
-            </a:lvl4pPr>
-            <a:lvl5pPr>
-              <a:tabLst>
-                <a:tab pos="723900" algn="l"/>
-                <a:tab pos="1447800" algn="l"/>
-              </a:tabLst>
-              <a:defRPr>
-                <a:solidFill>
-                  <a:schemeClr val="tx1"/>
-                </a:solidFill>
-                <a:latin typeface="Arial" panose="020B0604020202020204" pitchFamily="34" charset="0"/>
-                <a:ea typeface="Arial Unicode MS" pitchFamily="34" charset="-128"/>
-              </a:defRPr>
-            </a:lvl5pPr>
-            <a:lvl6pPr marL="2514600" indent="-228600" defTabSz="457200" eaLnBrk="0" fontAlgn="base" hangingPunct="0">
-              <a:spcBef>
-                <a:spcPct val="0"/>
-              </a:spcBef>
-              <a:spcAft>
-                <a:spcPct val="0"/>
-              </a:spcAft>
-              <a:tabLst>
-                <a:tab pos="723900" algn="l"/>
-                <a:tab pos="1447800" algn="l"/>
-              </a:tabLst>
-              <a:defRPr>
-                <a:solidFill>
-                  <a:schemeClr val="tx1"/>
-                </a:solidFill>
-                <a:latin typeface="Arial" panose="020B0604020202020204" pitchFamily="34" charset="0"/>
-                <a:ea typeface="Arial Unicode MS" pitchFamily="34" charset="-128"/>
-              </a:defRPr>
-            </a:lvl6pPr>
-            <a:lvl7pPr marL="2971800" indent="-228600" defTabSz="457200" eaLnBrk="0" fontAlgn="base" hangingPunct="0">
-              <a:spcBef>
-                <a:spcPct val="0"/>
-              </a:spcBef>
-              <a:spcAft>
-                <a:spcPct val="0"/>
-              </a:spcAft>
-              <a:tabLst>
-                <a:tab pos="723900" algn="l"/>
-                <a:tab pos="1447800" algn="l"/>
-              </a:tabLst>
-              <a:defRPr>
-                <a:solidFill>
-                  <a:schemeClr val="tx1"/>
-                </a:solidFill>
-                <a:latin typeface="Arial" panose="020B0604020202020204" pitchFamily="34" charset="0"/>
-                <a:ea typeface="Arial Unicode MS" pitchFamily="34" charset="-128"/>
-              </a:defRPr>
-            </a:lvl7pPr>
-            <a:lvl8pPr marL="3429000" indent="-228600" defTabSz="457200" eaLnBrk="0" fontAlgn="base" hangingPunct="0">
-              <a:spcBef>
-                <a:spcPct val="0"/>
-              </a:spcBef>
-              <a:spcAft>
-                <a:spcPct val="0"/>
-              </a:spcAft>
-              <a:tabLst>
-                <a:tab pos="723900" algn="l"/>
-                <a:tab pos="1447800" algn="l"/>
-              </a:tabLst>
-              <a:defRPr>
-                <a:solidFill>
-                  <a:schemeClr val="tx1"/>
-                </a:solidFill>
-                <a:latin typeface="Arial" panose="020B0604020202020204" pitchFamily="34" charset="0"/>
-                <a:ea typeface="Arial Unicode MS" pitchFamily="34" charset="-128"/>
-              </a:defRPr>
-            </a:lvl8pPr>
-            <a:lvl9pPr marL="3886200" indent="-228600" defTabSz="457200" eaLnBrk="0" fontAlgn="base" hangingPunct="0">
-              <a:spcBef>
-                <a:spcPct val="0"/>
-              </a:spcBef>
-              <a:spcAft>
-                <a:spcPct val="0"/>
-              </a:spcAft>
-              <a:tabLst>
-                <a:tab pos="723900" algn="l"/>
-                <a:tab pos="1447800" algn="l"/>
-              </a:tabLst>
-              <a:defRPr>
-                <a:solidFill>
-                  <a:schemeClr val="tx1"/>
-                </a:solidFill>
-                <a:latin typeface="Arial" panose="020B0604020202020204" pitchFamily="34" charset="0"/>
-                <a:ea typeface="Arial Unicode MS" pitchFamily="34" charset="-128"/>
-              </a:defRPr>
-            </a:lvl9pPr>
-          </a:lstStyle>
-          <a:p>
-            <a:pPr algn="ctr" eaLnBrk="1">
-              <a:lnSpc>
-                <a:spcPct val="102000"/>
-              </a:lnSpc>
-              <a:buClr>
-                <a:srgbClr val="000000"/>
-              </a:buClr>
-              <a:buSzPct val="100000"/>
-              <a:buFont typeface="Times New Roman" panose="02020603050405020304" pitchFamily="18" charset="0"/>
-              <a:buNone/>
-            </a:pPr>
-            <a:r>
-              <a:rPr lang="en-US" altLang="en-US" sz="2358" dirty="0">
-                <a:solidFill>
-                  <a:srgbClr val="000000"/>
-                </a:solidFill>
-                <a:latin typeface="Calibri" panose="020F0502020204030204" pitchFamily="34" charset="0"/>
-              </a:rPr>
-              <a:t>Some content created by</a:t>
-            </a:r>
-          </a:p>
-        </p:txBody>
-      </p:sp>
-      <p:sp>
-        <p:nvSpPr>
-          <p:cNvPr id="89095" name="Text Box 6"/>
-          <p:cNvSpPr txBox="1">
-            <a:spLocks noChangeArrowheads="1"/>
-          </p:cNvSpPr>
-          <p:nvPr/>
-        </p:nvSpPr>
-        <p:spPr bwMode="auto">
-          <a:xfrm>
-            <a:off x="3628801" y="3548521"/>
-            <a:ext cx="1990080" cy="532800"/>
-          </a:xfrm>
-          <a:prstGeom prst="rect">
-            <a:avLst/>
-          </a:prstGeom>
-          <a:noFill/>
-          <a:ln>
-            <a:noFill/>
-          </a:ln>
-          <a:extLst>
-            <a:ext uri="{909E8E84-426E-40DD-AFC4-6F175D3DCCD1}">
-              <a14:hiddenFill xmlns:a14="http://schemas.microsoft.com/office/drawing/2010/main">
-                <a:solidFill>
-                  <a:srgbClr val="FFFFFF"/>
-                </a:solidFill>
-              </a14:hiddenFill>
-            </a:ext>
-            <a:ext uri="{91240B29-F687-4F45-9708-019B960494DF}">
-              <a14:hiddenLine xmlns:a14="http://schemas.microsoft.com/office/drawing/2010/main" w="9525">
-                <a:solidFill>
-                  <a:srgbClr val="000000"/>
-                </a:solidFill>
-                <a:round/>
-                <a:headEnd/>
-                <a:tailEnd/>
-              </a14:hiddenLine>
-            </a:ext>
-          </a:extLst>
-        </p:spPr>
-        <p:txBody>
-          <a:bodyPr wrap="none" lIns="81638" tIns="40819" rIns="81638" bIns="40819"/>
-          <a:lstStyle>
-            <a:lvl1pPr>
-              <a:tabLst>
-                <a:tab pos="723900" algn="l"/>
-                <a:tab pos="1447800" algn="l"/>
-                <a:tab pos="2171700" algn="l"/>
-              </a:tabLst>
-              <a:defRPr>
-                <a:solidFill>
-                  <a:schemeClr val="tx1"/>
-                </a:solidFill>
-                <a:latin typeface="Arial" panose="020B0604020202020204" pitchFamily="34" charset="0"/>
-                <a:ea typeface="Arial Unicode MS" pitchFamily="34" charset="-128"/>
-              </a:defRPr>
-            </a:lvl1pPr>
-            <a:lvl2pPr>
-              <a:tabLst>
-                <a:tab pos="723900" algn="l"/>
-                <a:tab pos="1447800" algn="l"/>
-                <a:tab pos="2171700" algn="l"/>
-              </a:tabLst>
-              <a:defRPr>
-                <a:solidFill>
-                  <a:schemeClr val="tx1"/>
-                </a:solidFill>
-                <a:latin typeface="Arial" panose="020B0604020202020204" pitchFamily="34" charset="0"/>
-                <a:ea typeface="Arial Unicode MS" pitchFamily="34" charset="-128"/>
-              </a:defRPr>
-            </a:lvl2pPr>
-            <a:lvl3pPr>
-              <a:tabLst>
-                <a:tab pos="723900" algn="l"/>
-                <a:tab pos="1447800" algn="l"/>
-                <a:tab pos="2171700" algn="l"/>
-              </a:tabLst>
-              <a:defRPr>
-                <a:solidFill>
-                  <a:schemeClr val="tx1"/>
-                </a:solidFill>
-                <a:latin typeface="Arial" panose="020B0604020202020204" pitchFamily="34" charset="0"/>
-                <a:ea typeface="Arial Unicode MS" pitchFamily="34" charset="-128"/>
-              </a:defRPr>
-            </a:lvl3pPr>
-            <a:lvl4pPr>
-              <a:tabLst>
-                <a:tab pos="723900" algn="l"/>
-                <a:tab pos="1447800" algn="l"/>
-                <a:tab pos="2171700" algn="l"/>
-              </a:tabLst>
-              <a:defRPr>
-                <a:solidFill>
-                  <a:schemeClr val="tx1"/>
-                </a:solidFill>
-                <a:latin typeface="Arial" panose="020B0604020202020204" pitchFamily="34" charset="0"/>
-                <a:ea typeface="Arial Unicode MS" pitchFamily="34" charset="-128"/>
-              </a:defRPr>
-            </a:lvl4pPr>
-            <a:lvl5pPr>
-              <a:tabLst>
-                <a:tab pos="723900" algn="l"/>
-                <a:tab pos="1447800" algn="l"/>
-                <a:tab pos="2171700" algn="l"/>
-              </a:tabLst>
-              <a:defRPr>
-                <a:solidFill>
-                  <a:schemeClr val="tx1"/>
-                </a:solidFill>
-                <a:latin typeface="Arial" panose="020B0604020202020204" pitchFamily="34" charset="0"/>
-                <a:ea typeface="Arial Unicode MS" pitchFamily="34" charset="-128"/>
-              </a:defRPr>
-            </a:lvl5pPr>
-            <a:lvl6pPr marL="2514600" indent="-228600" defTabSz="457200" eaLnBrk="0" fontAlgn="base" hangingPunct="0">
-              <a:spcBef>
-                <a:spcPct val="0"/>
-              </a:spcBef>
-              <a:spcAft>
-                <a:spcPct val="0"/>
-              </a:spcAft>
-              <a:tabLst>
-                <a:tab pos="723900" algn="l"/>
-                <a:tab pos="1447800" algn="l"/>
-                <a:tab pos="2171700" algn="l"/>
-              </a:tabLst>
-              <a:defRPr>
-                <a:solidFill>
-                  <a:schemeClr val="tx1"/>
-                </a:solidFill>
-                <a:latin typeface="Arial" panose="020B0604020202020204" pitchFamily="34" charset="0"/>
-                <a:ea typeface="Arial Unicode MS" pitchFamily="34" charset="-128"/>
-              </a:defRPr>
-            </a:lvl6pPr>
-            <a:lvl7pPr marL="2971800" indent="-228600" defTabSz="457200" eaLnBrk="0" fontAlgn="base" hangingPunct="0">
-              <a:spcBef>
-                <a:spcPct val="0"/>
-              </a:spcBef>
-              <a:spcAft>
-                <a:spcPct val="0"/>
-              </a:spcAft>
-              <a:tabLst>
-                <a:tab pos="723900" algn="l"/>
-                <a:tab pos="1447800" algn="l"/>
-                <a:tab pos="2171700" algn="l"/>
-              </a:tabLst>
-              <a:defRPr>
-                <a:solidFill>
-                  <a:schemeClr val="tx1"/>
-                </a:solidFill>
-                <a:latin typeface="Arial" panose="020B0604020202020204" pitchFamily="34" charset="0"/>
-                <a:ea typeface="Arial Unicode MS" pitchFamily="34" charset="-128"/>
-              </a:defRPr>
-            </a:lvl7pPr>
-            <a:lvl8pPr marL="3429000" indent="-228600" defTabSz="457200" eaLnBrk="0" fontAlgn="base" hangingPunct="0">
-              <a:spcBef>
-                <a:spcPct val="0"/>
-              </a:spcBef>
-              <a:spcAft>
-                <a:spcPct val="0"/>
-              </a:spcAft>
-              <a:tabLst>
-                <a:tab pos="723900" algn="l"/>
-                <a:tab pos="1447800" algn="l"/>
-                <a:tab pos="2171700" algn="l"/>
-              </a:tabLst>
-              <a:defRPr>
-                <a:solidFill>
-                  <a:schemeClr val="tx1"/>
-                </a:solidFill>
-                <a:latin typeface="Arial" panose="020B0604020202020204" pitchFamily="34" charset="0"/>
-                <a:ea typeface="Arial Unicode MS" pitchFamily="34" charset="-128"/>
-              </a:defRPr>
-            </a:lvl8pPr>
-            <a:lvl9pPr marL="3886200" indent="-228600" defTabSz="457200" eaLnBrk="0" fontAlgn="base" hangingPunct="0">
-              <a:spcBef>
-                <a:spcPct val="0"/>
-              </a:spcBef>
-              <a:spcAft>
-                <a:spcPct val="0"/>
-              </a:spcAft>
-              <a:tabLst>
-                <a:tab pos="723900" algn="l"/>
-                <a:tab pos="1447800" algn="l"/>
-                <a:tab pos="2171700" algn="l"/>
-              </a:tabLst>
-              <a:defRPr>
-                <a:solidFill>
-                  <a:schemeClr val="tx1"/>
-                </a:solidFill>
-                <a:latin typeface="Arial" panose="020B0604020202020204" pitchFamily="34" charset="0"/>
-                <a:ea typeface="Arial Unicode MS" pitchFamily="34" charset="-128"/>
-              </a:defRPr>
-            </a:lvl9pPr>
-          </a:lstStyle>
-          <a:p>
-            <a:pPr algn="ctr" eaLnBrk="1">
-              <a:lnSpc>
-                <a:spcPct val="102000"/>
-              </a:lnSpc>
-              <a:buClr>
-                <a:srgbClr val="000000"/>
-              </a:buClr>
-              <a:buSzPct val="100000"/>
-              <a:buFont typeface="Times New Roman" panose="02020603050405020304" pitchFamily="18" charset="0"/>
-              <a:buNone/>
-            </a:pPr>
-            <a:r>
-              <a:rPr lang="en-US" altLang="en-US" sz="2903">
-                <a:solidFill>
-                  <a:srgbClr val="000000"/>
-                </a:solidFill>
-                <a:latin typeface="Calibri" panose="020F0502020204030204" pitchFamily="34" charset="0"/>
-              </a:rPr>
-              <a:t>Greg Wilson</a:t>
-            </a:r>
-          </a:p>
-        </p:txBody>
-      </p:sp>
-    </p:spTree>
   </p:cSld>
   <p:clrMapOvr>
     <a:masterClrMapping/>
